--- a/week1/week1.pptx
+++ b/week1/week1.pptx
@@ -17,7 +17,8 @@
     <p:sldId id="265" r:id="rId11"/>
     <p:sldId id="267" r:id="rId12"/>
     <p:sldId id="268" r:id="rId13"/>
-    <p:sldId id="266" r:id="rId14"/>
+    <p:sldId id="269" r:id="rId14"/>
+    <p:sldId id="266" r:id="rId15"/>
   </p:sldIdLst>
   <p:sldSz cx="12192000" cy="6858000"/>
   <p:notesSz cx="6858000" cy="9144000"/>
@@ -116,6 +117,11 @@
       </a:defRPr>
     </a:lvl9pPr>
   </p:defaultTextStyle>
+  <p:extLst>
+    <p:ext uri="{EFAFB233-063F-42B5-8137-9DF3F51BA10A}">
+      <p15:sldGuideLst xmlns:p15="http://schemas.microsoft.com/office/powerpoint/2012/main"/>
+    </p:ext>
+  </p:extLst>
 </p:presentation>
 </file>
 
@@ -266,7 +272,7 @@
           <a:p>
             <a:fld id="{49287F71-FD0A-4C21-A32B-CDFBC9274764}" type="datetimeFigureOut">
               <a:rPr lang="zh-CN" altLang="en-US" smtClean="0"/>
-              <a:t>2018/6/12</a:t>
+              <a:t>2018/6/13</a:t>
             </a:fld>
             <a:endParaRPr lang="zh-CN" altLang="en-US"/>
           </a:p>
@@ -464,7 +470,7 @@
           <a:p>
             <a:fld id="{49287F71-FD0A-4C21-A32B-CDFBC9274764}" type="datetimeFigureOut">
               <a:rPr lang="zh-CN" altLang="en-US" smtClean="0"/>
-              <a:t>2018/6/12</a:t>
+              <a:t>2018/6/13</a:t>
             </a:fld>
             <a:endParaRPr lang="zh-CN" altLang="en-US"/>
           </a:p>
@@ -672,7 +678,7 @@
           <a:p>
             <a:fld id="{49287F71-FD0A-4C21-A32B-CDFBC9274764}" type="datetimeFigureOut">
               <a:rPr lang="zh-CN" altLang="en-US" smtClean="0"/>
-              <a:t>2018/6/12</a:t>
+              <a:t>2018/6/13</a:t>
             </a:fld>
             <a:endParaRPr lang="zh-CN" altLang="en-US"/>
           </a:p>
@@ -870,7 +876,7 @@
           <a:p>
             <a:fld id="{49287F71-FD0A-4C21-A32B-CDFBC9274764}" type="datetimeFigureOut">
               <a:rPr lang="zh-CN" altLang="en-US" smtClean="0"/>
-              <a:t>2018/6/12</a:t>
+              <a:t>2018/6/13</a:t>
             </a:fld>
             <a:endParaRPr lang="zh-CN" altLang="en-US"/>
           </a:p>
@@ -1145,7 +1151,7 @@
           <a:p>
             <a:fld id="{49287F71-FD0A-4C21-A32B-CDFBC9274764}" type="datetimeFigureOut">
               <a:rPr lang="zh-CN" altLang="en-US" smtClean="0"/>
-              <a:t>2018/6/12</a:t>
+              <a:t>2018/6/13</a:t>
             </a:fld>
             <a:endParaRPr lang="zh-CN" altLang="en-US"/>
           </a:p>
@@ -1410,7 +1416,7 @@
           <a:p>
             <a:fld id="{49287F71-FD0A-4C21-A32B-CDFBC9274764}" type="datetimeFigureOut">
               <a:rPr lang="zh-CN" altLang="en-US" smtClean="0"/>
-              <a:t>2018/6/12</a:t>
+              <a:t>2018/6/13</a:t>
             </a:fld>
             <a:endParaRPr lang="zh-CN" altLang="en-US"/>
           </a:p>
@@ -1822,7 +1828,7 @@
           <a:p>
             <a:fld id="{49287F71-FD0A-4C21-A32B-CDFBC9274764}" type="datetimeFigureOut">
               <a:rPr lang="zh-CN" altLang="en-US" smtClean="0"/>
-              <a:t>2018/6/12</a:t>
+              <a:t>2018/6/13</a:t>
             </a:fld>
             <a:endParaRPr lang="zh-CN" altLang="en-US"/>
           </a:p>
@@ -1963,7 +1969,7 @@
           <a:p>
             <a:fld id="{49287F71-FD0A-4C21-A32B-CDFBC9274764}" type="datetimeFigureOut">
               <a:rPr lang="zh-CN" altLang="en-US" smtClean="0"/>
-              <a:t>2018/6/12</a:t>
+              <a:t>2018/6/13</a:t>
             </a:fld>
             <a:endParaRPr lang="zh-CN" altLang="en-US"/>
           </a:p>
@@ -2076,7 +2082,7 @@
           <a:p>
             <a:fld id="{49287F71-FD0A-4C21-A32B-CDFBC9274764}" type="datetimeFigureOut">
               <a:rPr lang="zh-CN" altLang="en-US" smtClean="0"/>
-              <a:t>2018/6/12</a:t>
+              <a:t>2018/6/13</a:t>
             </a:fld>
             <a:endParaRPr lang="zh-CN" altLang="en-US"/>
           </a:p>
@@ -2387,7 +2393,7 @@
           <a:p>
             <a:fld id="{49287F71-FD0A-4C21-A32B-CDFBC9274764}" type="datetimeFigureOut">
               <a:rPr lang="zh-CN" altLang="en-US" smtClean="0"/>
-              <a:t>2018/6/12</a:t>
+              <a:t>2018/6/13</a:t>
             </a:fld>
             <a:endParaRPr lang="zh-CN" altLang="en-US"/>
           </a:p>
@@ -2675,7 +2681,7 @@
           <a:p>
             <a:fld id="{49287F71-FD0A-4C21-A32B-CDFBC9274764}" type="datetimeFigureOut">
               <a:rPr lang="zh-CN" altLang="en-US" smtClean="0"/>
-              <a:t>2018/6/12</a:t>
+              <a:t>2018/6/13</a:t>
             </a:fld>
             <a:endParaRPr lang="zh-CN" altLang="en-US"/>
           </a:p>
@@ -2916,7 +2922,7 @@
           <a:p>
             <a:fld id="{49287F71-FD0A-4C21-A32B-CDFBC9274764}" type="datetimeFigureOut">
               <a:rPr lang="zh-CN" altLang="en-US" smtClean="0"/>
-              <a:t>2018/6/12</a:t>
+              <a:t>2018/6/13</a:t>
             </a:fld>
             <a:endParaRPr lang="zh-CN" altLang="en-US"/>
           </a:p>
@@ -7098,6 +7104,1324 @@
           <a:chExt cx="0" cy="0"/>
         </a:xfrm>
       </p:grpSpPr>
+      <p:sp>
+        <p:nvSpPr>
+          <p:cNvPr id="2" name="Rectangle 1">
+            <a:extLst>
+              <a:ext uri="{FF2B5EF4-FFF2-40B4-BE49-F238E27FC236}">
+                <a16:creationId xmlns:a16="http://schemas.microsoft.com/office/drawing/2014/main" id="{065C0B6F-CE28-44A6-8580-837492B48CCC}"/>
+              </a:ext>
+            </a:extLst>
+          </p:cNvPr>
+          <p:cNvSpPr>
+            <a:spLocks noChangeArrowheads="1"/>
+          </p:cNvSpPr>
+          <p:nvPr/>
+        </p:nvSpPr>
+        <p:spPr bwMode="auto">
+          <a:xfrm>
+            <a:off x="265470" y="1117520"/>
+            <a:ext cx="3609019" cy="4401205"/>
+          </a:xfrm>
+          <a:prstGeom prst="rect">
+            <a:avLst/>
+          </a:prstGeom>
+          <a:solidFill>
+            <a:srgbClr val="FFFFFF"/>
+          </a:solidFill>
+          <a:ln>
+            <a:noFill/>
+          </a:ln>
+          <a:effectLst/>
+          <a:extLst>
+            <a:ext uri="{91240B29-F687-4F45-9708-019B960494DF}">
+              <a14:hiddenLine xmlns:a14="http://schemas.microsoft.com/office/drawing/2010/main" w="9525">
+                <a:solidFill>
+                  <a:schemeClr val="tx1"/>
+                </a:solidFill>
+                <a:miter lim="800000"/>
+                <a:headEnd/>
+                <a:tailEnd/>
+              </a14:hiddenLine>
+            </a:ext>
+            <a:ext uri="{AF507438-7753-43E0-B8FC-AC1667EBCBE1}">
+              <a14:hiddenEffects xmlns:a14="http://schemas.microsoft.com/office/drawing/2010/main">
+                <a:effectLst>
+                  <a:outerShdw dist="35921" dir="2700000" algn="ctr" rotWithShape="0">
+                    <a:schemeClr val="bg2"/>
+                  </a:outerShdw>
+                </a:effectLst>
+              </a14:hiddenEffects>
+            </a:ext>
+          </a:extLst>
+        </p:spPr>
+        <p:txBody>
+          <a:bodyPr vert="horz" wrap="square" lIns="91440" tIns="45720" rIns="91440" bIns="45720" numCol="1" anchor="ctr" anchorCtr="0" compatLnSpc="1">
+            <a:prstTxWarp prst="textNoShape">
+              <a:avLst/>
+            </a:prstTxWarp>
+            <a:spAutoFit/>
+          </a:bodyPr>
+          <a:lstStyle/>
+          <a:p>
+            <a:pPr lvl="0" eaLnBrk="0" fontAlgn="base" hangingPunct="0">
+              <a:spcBef>
+                <a:spcPct val="0"/>
+              </a:spcBef>
+              <a:spcAft>
+                <a:spcPct val="0"/>
+              </a:spcAft>
+            </a:pPr>
+            <a:r>
+              <a:rPr lang="en-US" altLang="zh-CN" sz="2800" dirty="0">
+                <a:solidFill>
+                  <a:srgbClr val="000000"/>
+                </a:solidFill>
+                <a:latin typeface="Arial Unicode MS"/>
+                <a:ea typeface="Source Code Pro"/>
+              </a:rPr>
+              <a:t>    var a =1</a:t>
+            </a:r>
+          </a:p>
+          <a:p>
+            <a:pPr lvl="0" eaLnBrk="0" fontAlgn="base" hangingPunct="0">
+              <a:spcBef>
+                <a:spcPct val="0"/>
+              </a:spcBef>
+              <a:spcAft>
+                <a:spcPct val="0"/>
+              </a:spcAft>
+            </a:pPr>
+            <a:r>
+              <a:rPr lang="en-US" altLang="zh-CN" sz="2800" dirty="0">
+                <a:solidFill>
+                  <a:srgbClr val="000000"/>
+                </a:solidFill>
+                <a:latin typeface="Arial Unicode MS"/>
+                <a:ea typeface="Source Code Pro"/>
+              </a:rPr>
+              <a:t>    function </a:t>
+            </a:r>
+            <a:r>
+              <a:rPr lang="en-US" altLang="zh-CN" sz="2800" dirty="0" err="1">
+                <a:solidFill>
+                  <a:srgbClr val="000000"/>
+                </a:solidFill>
+                <a:latin typeface="Arial Unicode MS"/>
+                <a:ea typeface="Source Code Pro"/>
+              </a:rPr>
+              <a:t>fn</a:t>
+            </a:r>
+            <a:r>
+              <a:rPr lang="en-US" altLang="zh-CN" sz="2800" dirty="0">
+                <a:solidFill>
+                  <a:srgbClr val="000000"/>
+                </a:solidFill>
+                <a:latin typeface="Arial Unicode MS"/>
+                <a:ea typeface="Source Code Pro"/>
+              </a:rPr>
+              <a:t>() {</a:t>
+            </a:r>
+          </a:p>
+          <a:p>
+            <a:pPr lvl="0" eaLnBrk="0" fontAlgn="base" hangingPunct="0">
+              <a:spcBef>
+                <a:spcPct val="0"/>
+              </a:spcBef>
+              <a:spcAft>
+                <a:spcPct val="0"/>
+              </a:spcAft>
+            </a:pPr>
+            <a:r>
+              <a:rPr lang="en-US" altLang="zh-CN" sz="2800" dirty="0">
+                <a:solidFill>
+                  <a:srgbClr val="000000"/>
+                </a:solidFill>
+                <a:latin typeface="Arial Unicode MS"/>
+                <a:ea typeface="Source Code Pro"/>
+              </a:rPr>
+              <a:t>        var a = 2</a:t>
+            </a:r>
+          </a:p>
+          <a:p>
+            <a:pPr lvl="0" eaLnBrk="0" fontAlgn="base" hangingPunct="0">
+              <a:spcBef>
+                <a:spcPct val="0"/>
+              </a:spcBef>
+              <a:spcAft>
+                <a:spcPct val="0"/>
+              </a:spcAft>
+            </a:pPr>
+            <a:r>
+              <a:rPr lang="en-US" altLang="zh-CN" sz="2800" dirty="0">
+                <a:solidFill>
+                  <a:srgbClr val="000000"/>
+                </a:solidFill>
+                <a:latin typeface="Arial Unicode MS"/>
+                <a:ea typeface="Source Code Pro"/>
+              </a:rPr>
+              <a:t>        var f2 = f</a:t>
+            </a:r>
+            <a:endParaRPr lang="zh-CN" altLang="en-US" sz="2800" dirty="0">
+              <a:solidFill>
+                <a:srgbClr val="000000"/>
+              </a:solidFill>
+              <a:latin typeface="Arial Unicode MS"/>
+              <a:ea typeface="Source Code Pro"/>
+            </a:endParaRPr>
+          </a:p>
+          <a:p>
+            <a:pPr lvl="0" eaLnBrk="0" fontAlgn="base" hangingPunct="0">
+              <a:spcBef>
+                <a:spcPct val="0"/>
+              </a:spcBef>
+              <a:spcAft>
+                <a:spcPct val="0"/>
+              </a:spcAft>
+            </a:pPr>
+            <a:r>
+              <a:rPr lang="zh-CN" altLang="en-US" sz="2800" dirty="0">
+                <a:solidFill>
+                  <a:srgbClr val="000000"/>
+                </a:solidFill>
+                <a:latin typeface="Arial Unicode MS"/>
+                <a:ea typeface="Source Code Pro"/>
+              </a:rPr>
+              <a:t>        </a:t>
+            </a:r>
+            <a:r>
+              <a:rPr lang="en-US" altLang="zh-CN" sz="2800" dirty="0">
+                <a:solidFill>
+                  <a:srgbClr val="000000"/>
+                </a:solidFill>
+                <a:latin typeface="Arial Unicode MS"/>
+                <a:ea typeface="Source Code Pro"/>
+              </a:rPr>
+              <a:t>f2()</a:t>
+            </a:r>
+          </a:p>
+          <a:p>
+            <a:pPr lvl="0" eaLnBrk="0" fontAlgn="base" hangingPunct="0">
+              <a:spcBef>
+                <a:spcPct val="0"/>
+              </a:spcBef>
+              <a:spcAft>
+                <a:spcPct val="0"/>
+              </a:spcAft>
+            </a:pPr>
+            <a:r>
+              <a:rPr lang="en-US" altLang="zh-CN" sz="2800" dirty="0">
+                <a:solidFill>
+                  <a:srgbClr val="000000"/>
+                </a:solidFill>
+                <a:latin typeface="Arial Unicode MS"/>
+                <a:ea typeface="Source Code Pro"/>
+              </a:rPr>
+              <a:t>    }</a:t>
+            </a:r>
+          </a:p>
+          <a:p>
+            <a:pPr lvl="0" eaLnBrk="0" fontAlgn="base" hangingPunct="0">
+              <a:spcBef>
+                <a:spcPct val="0"/>
+              </a:spcBef>
+              <a:spcAft>
+                <a:spcPct val="0"/>
+              </a:spcAft>
+            </a:pPr>
+            <a:r>
+              <a:rPr lang="en-US" altLang="zh-CN" sz="2800" dirty="0">
+                <a:solidFill>
+                  <a:srgbClr val="000000"/>
+                </a:solidFill>
+                <a:latin typeface="Arial Unicode MS"/>
+                <a:ea typeface="Source Code Pro"/>
+              </a:rPr>
+              <a:t>    function f() {</a:t>
+            </a:r>
+          </a:p>
+          <a:p>
+            <a:pPr lvl="0" eaLnBrk="0" fontAlgn="base" hangingPunct="0">
+              <a:spcBef>
+                <a:spcPct val="0"/>
+              </a:spcBef>
+              <a:spcAft>
+                <a:spcPct val="0"/>
+              </a:spcAft>
+            </a:pPr>
+            <a:r>
+              <a:rPr lang="en-US" altLang="zh-CN" sz="2800" dirty="0">
+                <a:solidFill>
+                  <a:srgbClr val="000000"/>
+                </a:solidFill>
+                <a:latin typeface="Arial Unicode MS"/>
+                <a:ea typeface="Source Code Pro"/>
+              </a:rPr>
+              <a:t>        console.log(a</a:t>
+            </a:r>
+          </a:p>
+          <a:p>
+            <a:pPr lvl="0" eaLnBrk="0" fontAlgn="base" hangingPunct="0">
+              <a:spcBef>
+                <a:spcPct val="0"/>
+              </a:spcBef>
+              <a:spcAft>
+                <a:spcPct val="0"/>
+              </a:spcAft>
+            </a:pPr>
+            <a:r>
+              <a:rPr lang="en-US" altLang="zh-CN" sz="2800" dirty="0">
+                <a:solidFill>
+                  <a:srgbClr val="000000"/>
+                </a:solidFill>
+                <a:latin typeface="Arial Unicode MS"/>
+                <a:ea typeface="Source Code Pro"/>
+              </a:rPr>
+              <a:t>    }</a:t>
+            </a:r>
+          </a:p>
+          <a:p>
+            <a:pPr lvl="0" eaLnBrk="0" fontAlgn="base" hangingPunct="0">
+              <a:spcBef>
+                <a:spcPct val="0"/>
+              </a:spcBef>
+              <a:spcAft>
+                <a:spcPct val="0"/>
+              </a:spcAft>
+            </a:pPr>
+            <a:r>
+              <a:rPr lang="en-US" altLang="zh-CN" sz="2800" dirty="0">
+                <a:solidFill>
+                  <a:srgbClr val="000000"/>
+                </a:solidFill>
+                <a:latin typeface="Arial Unicode MS"/>
+                <a:ea typeface="Source Code Pro"/>
+              </a:rPr>
+              <a:t>    </a:t>
+            </a:r>
+            <a:r>
+              <a:rPr lang="en-US" altLang="zh-CN" sz="2800" dirty="0" err="1">
+                <a:solidFill>
+                  <a:srgbClr val="000000"/>
+                </a:solidFill>
+                <a:latin typeface="Arial Unicode MS"/>
+                <a:ea typeface="Source Code Pro"/>
+              </a:rPr>
+              <a:t>fn</a:t>
+            </a:r>
+            <a:r>
+              <a:rPr lang="en-US" altLang="zh-CN" sz="2800" dirty="0">
+                <a:solidFill>
+                  <a:srgbClr val="000000"/>
+                </a:solidFill>
+                <a:latin typeface="Arial Unicode MS"/>
+                <a:ea typeface="Source Code Pro"/>
+              </a:rPr>
+              <a:t>()</a:t>
+            </a:r>
+            <a:endParaRPr kumimoji="0" lang="zh-CN" altLang="zh-CN" sz="2800" b="0" i="0" u="none" strike="noStrike" cap="none" normalizeH="0" baseline="0" dirty="0">
+              <a:ln>
+                <a:noFill/>
+              </a:ln>
+              <a:solidFill>
+                <a:schemeClr val="tx1"/>
+              </a:solidFill>
+              <a:effectLst/>
+              <a:latin typeface="Arial" panose="020B0604020202020204" pitchFamily="34" charset="0"/>
+            </a:endParaRPr>
+          </a:p>
+        </p:txBody>
+      </p:sp>
+      <p:sp>
+        <p:nvSpPr>
+          <p:cNvPr id="3" name="矩形 2">
+            <a:extLst>
+              <a:ext uri="{FF2B5EF4-FFF2-40B4-BE49-F238E27FC236}">
+                <a16:creationId xmlns:a16="http://schemas.microsoft.com/office/drawing/2014/main" id="{8AB3F4F0-21BB-43FF-8ADA-18930077D5F7}"/>
+              </a:ext>
+            </a:extLst>
+          </p:cNvPr>
+          <p:cNvSpPr/>
+          <p:nvPr/>
+        </p:nvSpPr>
+        <p:spPr>
+          <a:xfrm>
+            <a:off x="3991896" y="1203207"/>
+            <a:ext cx="3283974" cy="4524315"/>
+          </a:xfrm>
+          <a:prstGeom prst="rect">
+            <a:avLst/>
+          </a:prstGeom>
+          <a:noFill/>
+        </p:spPr>
+        <p:style>
+          <a:lnRef idx="2">
+            <a:schemeClr val="accent1">
+              <a:shade val="50000"/>
+            </a:schemeClr>
+          </a:lnRef>
+          <a:fillRef idx="1">
+            <a:schemeClr val="accent1"/>
+          </a:fillRef>
+          <a:effectRef idx="0">
+            <a:schemeClr val="accent1"/>
+          </a:effectRef>
+          <a:fontRef idx="minor">
+            <a:schemeClr val="lt1"/>
+          </a:fontRef>
+        </p:style>
+        <p:txBody>
+          <a:bodyPr rtlCol="0" anchor="ctr"/>
+          <a:lstStyle/>
+          <a:p>
+            <a:pPr algn="ctr"/>
+            <a:endParaRPr lang="zh-CN" altLang="en-US"/>
+          </a:p>
+        </p:txBody>
+      </p:sp>
+      <p:sp>
+        <p:nvSpPr>
+          <p:cNvPr id="4" name="文本框 3">
+            <a:extLst>
+              <a:ext uri="{FF2B5EF4-FFF2-40B4-BE49-F238E27FC236}">
+                <a16:creationId xmlns:a16="http://schemas.microsoft.com/office/drawing/2014/main" id="{A8C0FBF0-FCAB-4C92-B501-076450FBEC93}"/>
+              </a:ext>
+            </a:extLst>
+          </p:cNvPr>
+          <p:cNvSpPr txBox="1"/>
+          <p:nvPr/>
+        </p:nvSpPr>
+        <p:spPr>
+          <a:xfrm>
+            <a:off x="4074675" y="697102"/>
+            <a:ext cx="1279517" cy="461665"/>
+          </a:xfrm>
+          <a:prstGeom prst="rect">
+            <a:avLst/>
+          </a:prstGeom>
+          <a:noFill/>
+        </p:spPr>
+        <p:txBody>
+          <a:bodyPr wrap="none" rtlCol="0">
+            <a:spAutoFit/>
+          </a:bodyPr>
+          <a:lstStyle/>
+          <a:p>
+            <a:r>
+              <a:rPr lang="en-US" altLang="zh-CN" sz="2400" b="1" dirty="0">
+                <a:solidFill>
+                  <a:schemeClr val="accent1">
+                    <a:lumMod val="60000"/>
+                    <a:lumOff val="40000"/>
+                  </a:schemeClr>
+                </a:solidFill>
+              </a:rPr>
+              <a:t>window</a:t>
+            </a:r>
+            <a:endParaRPr lang="zh-CN" altLang="en-US" sz="2400" b="1" dirty="0">
+              <a:solidFill>
+                <a:schemeClr val="accent1">
+                  <a:lumMod val="60000"/>
+                  <a:lumOff val="40000"/>
+                </a:schemeClr>
+              </a:solidFill>
+            </a:endParaRPr>
+          </a:p>
+        </p:txBody>
+      </p:sp>
+      <p:cxnSp>
+        <p:nvCxnSpPr>
+          <p:cNvPr id="6" name="直接连接符 5">
+            <a:extLst>
+              <a:ext uri="{FF2B5EF4-FFF2-40B4-BE49-F238E27FC236}">
+                <a16:creationId xmlns:a16="http://schemas.microsoft.com/office/drawing/2014/main" id="{6279C037-E8AB-41DB-867D-E25D2B15F1D1}"/>
+              </a:ext>
+            </a:extLst>
+          </p:cNvPr>
+          <p:cNvCxnSpPr/>
+          <p:nvPr/>
+        </p:nvCxnSpPr>
+        <p:spPr>
+          <a:xfrm>
+            <a:off x="3991896" y="2238379"/>
+            <a:ext cx="3283974" cy="0"/>
+          </a:xfrm>
+          <a:prstGeom prst="line">
+            <a:avLst/>
+          </a:prstGeom>
+        </p:spPr>
+        <p:style>
+          <a:lnRef idx="1">
+            <a:schemeClr val="accent1"/>
+          </a:lnRef>
+          <a:fillRef idx="0">
+            <a:schemeClr val="accent1"/>
+          </a:fillRef>
+          <a:effectRef idx="0">
+            <a:schemeClr val="accent1"/>
+          </a:effectRef>
+          <a:fontRef idx="minor">
+            <a:schemeClr val="tx1"/>
+          </a:fontRef>
+        </p:style>
+      </p:cxnSp>
+      <p:sp>
+        <p:nvSpPr>
+          <p:cNvPr id="7" name="文本框 6">
+            <a:extLst>
+              <a:ext uri="{FF2B5EF4-FFF2-40B4-BE49-F238E27FC236}">
+                <a16:creationId xmlns:a16="http://schemas.microsoft.com/office/drawing/2014/main" id="{91897F2A-C850-4839-B577-410E828F2709}"/>
+              </a:ext>
+            </a:extLst>
+          </p:cNvPr>
+          <p:cNvSpPr txBox="1"/>
+          <p:nvPr/>
+        </p:nvSpPr>
+        <p:spPr>
+          <a:xfrm>
+            <a:off x="4198374" y="1249216"/>
+            <a:ext cx="2930013" cy="1015663"/>
+          </a:xfrm>
+          <a:prstGeom prst="rect">
+            <a:avLst/>
+          </a:prstGeom>
+          <a:noFill/>
+        </p:spPr>
+        <p:txBody>
+          <a:bodyPr wrap="square" rtlCol="0">
+            <a:spAutoFit/>
+          </a:bodyPr>
+          <a:lstStyle/>
+          <a:p>
+            <a:r>
+              <a:rPr lang="zh-CN" altLang="en-US" dirty="0"/>
+              <a:t>变量提升阶段</a:t>
+            </a:r>
+            <a:r>
+              <a:rPr lang="en-US" altLang="zh-CN" sz="2000" b="1" dirty="0"/>
+              <a:t>:var a </a:t>
+            </a:r>
+          </a:p>
+          <a:p>
+            <a:r>
+              <a:rPr lang="en-US" altLang="zh-CN" sz="2000" b="1" dirty="0" err="1"/>
+              <a:t>fn</a:t>
+            </a:r>
+            <a:r>
+              <a:rPr lang="en-US" altLang="zh-CN" sz="2000" b="1" dirty="0"/>
+              <a:t> =aaff11</a:t>
+            </a:r>
+          </a:p>
+          <a:p>
+            <a:r>
+              <a:rPr lang="en-US" altLang="zh-CN" sz="2000" b="1" dirty="0"/>
+              <a:t>f= </a:t>
+            </a:r>
+            <a:r>
+              <a:rPr lang="en-US" altLang="zh-CN" sz="2000" b="1" dirty="0">
+                <a:solidFill>
+                  <a:schemeClr val="accent6">
+                    <a:lumMod val="75000"/>
+                  </a:schemeClr>
+                </a:solidFill>
+              </a:rPr>
+              <a:t>aaff22</a:t>
+            </a:r>
+            <a:endParaRPr lang="zh-CN" altLang="en-US" dirty="0">
+              <a:solidFill>
+                <a:schemeClr val="accent6">
+                  <a:lumMod val="75000"/>
+                </a:schemeClr>
+              </a:solidFill>
+            </a:endParaRPr>
+          </a:p>
+        </p:txBody>
+      </p:sp>
+      <p:sp>
+        <p:nvSpPr>
+          <p:cNvPr id="8" name="矩形 7">
+            <a:extLst>
+              <a:ext uri="{FF2B5EF4-FFF2-40B4-BE49-F238E27FC236}">
+                <a16:creationId xmlns:a16="http://schemas.microsoft.com/office/drawing/2014/main" id="{512921AD-E83A-466E-A76A-B1B2619ADDE2}"/>
+              </a:ext>
+            </a:extLst>
+          </p:cNvPr>
+          <p:cNvSpPr/>
+          <p:nvPr/>
+        </p:nvSpPr>
+        <p:spPr>
+          <a:xfrm>
+            <a:off x="7680219" y="1316746"/>
+            <a:ext cx="2147653" cy="1605807"/>
+          </a:xfrm>
+          <a:prstGeom prst="rect">
+            <a:avLst/>
+          </a:prstGeom>
+          <a:noFill/>
+        </p:spPr>
+        <p:style>
+          <a:lnRef idx="2">
+            <a:schemeClr val="accent1">
+              <a:shade val="50000"/>
+            </a:schemeClr>
+          </a:lnRef>
+          <a:fillRef idx="1">
+            <a:schemeClr val="accent1"/>
+          </a:fillRef>
+          <a:effectRef idx="0">
+            <a:schemeClr val="accent1"/>
+          </a:effectRef>
+          <a:fontRef idx="minor">
+            <a:schemeClr val="lt1"/>
+          </a:fontRef>
+        </p:style>
+        <p:txBody>
+          <a:bodyPr rtlCol="0" anchor="ctr"/>
+          <a:lstStyle/>
+          <a:p>
+            <a:pPr algn="ctr"/>
+            <a:endParaRPr lang="zh-CN" altLang="en-US"/>
+          </a:p>
+        </p:txBody>
+      </p:sp>
+      <p:sp>
+        <p:nvSpPr>
+          <p:cNvPr id="9" name="文本框 8">
+            <a:extLst>
+              <a:ext uri="{FF2B5EF4-FFF2-40B4-BE49-F238E27FC236}">
+                <a16:creationId xmlns:a16="http://schemas.microsoft.com/office/drawing/2014/main" id="{0EC20D0F-51A1-4840-9D0E-47965132731C}"/>
+              </a:ext>
+            </a:extLst>
+          </p:cNvPr>
+          <p:cNvSpPr txBox="1"/>
+          <p:nvPr/>
+        </p:nvSpPr>
+        <p:spPr>
+          <a:xfrm>
+            <a:off x="7703192" y="825134"/>
+            <a:ext cx="1206061" cy="461665"/>
+          </a:xfrm>
+          <a:prstGeom prst="rect">
+            <a:avLst/>
+          </a:prstGeom>
+          <a:noFill/>
+        </p:spPr>
+        <p:txBody>
+          <a:bodyPr wrap="square" rtlCol="0">
+            <a:spAutoFit/>
+          </a:bodyPr>
+          <a:lstStyle/>
+          <a:p>
+            <a:r>
+              <a:rPr lang="en-US" altLang="zh-CN" sz="2400" dirty="0"/>
+              <a:t>aaff11</a:t>
+            </a:r>
+            <a:endParaRPr lang="zh-CN" altLang="en-US" sz="2400" dirty="0"/>
+          </a:p>
+        </p:txBody>
+      </p:sp>
+      <p:sp>
+        <p:nvSpPr>
+          <p:cNvPr id="10" name="文本框 9">
+            <a:extLst>
+              <a:ext uri="{FF2B5EF4-FFF2-40B4-BE49-F238E27FC236}">
+                <a16:creationId xmlns:a16="http://schemas.microsoft.com/office/drawing/2014/main" id="{5AB0DD19-C740-4BB2-9CD5-02E8E772893F}"/>
+              </a:ext>
+            </a:extLst>
+          </p:cNvPr>
+          <p:cNvSpPr txBox="1"/>
+          <p:nvPr/>
+        </p:nvSpPr>
+        <p:spPr>
+          <a:xfrm>
+            <a:off x="7555561" y="1513492"/>
+            <a:ext cx="2147653" cy="1200329"/>
+          </a:xfrm>
+          <a:prstGeom prst="rect">
+            <a:avLst/>
+          </a:prstGeom>
+          <a:noFill/>
+        </p:spPr>
+        <p:txBody>
+          <a:bodyPr wrap="square" rtlCol="0">
+            <a:spAutoFit/>
+          </a:bodyPr>
+          <a:lstStyle/>
+          <a:p>
+            <a:r>
+              <a:rPr lang="pt-BR" altLang="zh-CN" dirty="0"/>
+              <a:t>           </a:t>
+            </a:r>
+            <a:r>
+              <a:rPr lang="pt-BR" altLang="zh-CN" sz="2400" dirty="0"/>
+              <a:t>var a  = 2</a:t>
+            </a:r>
+          </a:p>
+          <a:p>
+            <a:r>
+              <a:rPr lang="pt-BR" altLang="zh-CN" sz="2400" dirty="0"/>
+              <a:t>        var f2 = f</a:t>
+            </a:r>
+          </a:p>
+          <a:p>
+            <a:r>
+              <a:rPr lang="pt-BR" altLang="zh-CN" sz="2400" dirty="0"/>
+              <a:t>        f2()</a:t>
+            </a:r>
+          </a:p>
+        </p:txBody>
+      </p:sp>
+      <p:sp>
+        <p:nvSpPr>
+          <p:cNvPr id="16" name="文本框 15">
+            <a:extLst>
+              <a:ext uri="{FF2B5EF4-FFF2-40B4-BE49-F238E27FC236}">
+                <a16:creationId xmlns:a16="http://schemas.microsoft.com/office/drawing/2014/main" id="{30EA4C69-2E35-464C-B64C-226FF3156395}"/>
+              </a:ext>
+            </a:extLst>
+          </p:cNvPr>
+          <p:cNvSpPr txBox="1"/>
+          <p:nvPr/>
+        </p:nvSpPr>
+        <p:spPr>
+          <a:xfrm>
+            <a:off x="4080387" y="2559661"/>
+            <a:ext cx="3048000" cy="830997"/>
+          </a:xfrm>
+          <a:prstGeom prst="rect">
+            <a:avLst/>
+          </a:prstGeom>
+          <a:noFill/>
+        </p:spPr>
+        <p:txBody>
+          <a:bodyPr wrap="square" rtlCol="0">
+            <a:spAutoFit/>
+          </a:bodyPr>
+          <a:lstStyle/>
+          <a:p>
+            <a:r>
+              <a:rPr lang="en-US" altLang="zh-CN" sz="2400" dirty="0"/>
+              <a:t>a= 1</a:t>
+            </a:r>
+          </a:p>
+          <a:p>
+            <a:r>
+              <a:rPr lang="en-US" altLang="zh-CN" sz="2400" dirty="0" err="1"/>
+              <a:t>fn</a:t>
+            </a:r>
+            <a:r>
+              <a:rPr lang="en-US" altLang="zh-CN" sz="2400" dirty="0"/>
+              <a:t>()</a:t>
+            </a:r>
+            <a:endParaRPr lang="zh-CN" altLang="en-US" sz="2400" dirty="0"/>
+          </a:p>
+        </p:txBody>
+      </p:sp>
+      <p:sp>
+        <p:nvSpPr>
+          <p:cNvPr id="19" name="矩形 18">
+            <a:extLst>
+              <a:ext uri="{FF2B5EF4-FFF2-40B4-BE49-F238E27FC236}">
+                <a16:creationId xmlns:a16="http://schemas.microsoft.com/office/drawing/2014/main" id="{44F6F90D-AA6D-4A74-BAE0-824A7222246F}"/>
+              </a:ext>
+            </a:extLst>
+          </p:cNvPr>
+          <p:cNvSpPr/>
+          <p:nvPr/>
+        </p:nvSpPr>
+        <p:spPr>
+          <a:xfrm>
+            <a:off x="7703193" y="3429000"/>
+            <a:ext cx="2706190" cy="2298515"/>
+          </a:xfrm>
+          <a:prstGeom prst="rect">
+            <a:avLst/>
+          </a:prstGeom>
+          <a:noFill/>
+          <a:ln>
+            <a:solidFill>
+              <a:srgbClr val="FFC000"/>
+            </a:solidFill>
+          </a:ln>
+        </p:spPr>
+        <p:style>
+          <a:lnRef idx="2">
+            <a:schemeClr val="accent1">
+              <a:shade val="50000"/>
+            </a:schemeClr>
+          </a:lnRef>
+          <a:fillRef idx="1">
+            <a:schemeClr val="accent1"/>
+          </a:fillRef>
+          <a:effectRef idx="0">
+            <a:schemeClr val="accent1"/>
+          </a:effectRef>
+          <a:fontRef idx="minor">
+            <a:schemeClr val="lt1"/>
+          </a:fontRef>
+        </p:style>
+        <p:txBody>
+          <a:bodyPr rtlCol="0" anchor="ctr"/>
+          <a:lstStyle/>
+          <a:p>
+            <a:pPr algn="ctr"/>
+            <a:endParaRPr lang="zh-CN" altLang="en-US" dirty="0"/>
+          </a:p>
+        </p:txBody>
+      </p:sp>
+      <p:sp>
+        <p:nvSpPr>
+          <p:cNvPr id="20" name="文本框 19">
+            <a:extLst>
+              <a:ext uri="{FF2B5EF4-FFF2-40B4-BE49-F238E27FC236}">
+                <a16:creationId xmlns:a16="http://schemas.microsoft.com/office/drawing/2014/main" id="{CA60CCD2-D181-4952-87A5-48386CC25D16}"/>
+              </a:ext>
+            </a:extLst>
+          </p:cNvPr>
+          <p:cNvSpPr txBox="1"/>
+          <p:nvPr/>
+        </p:nvSpPr>
+        <p:spPr>
+          <a:xfrm>
+            <a:off x="7726165" y="2967334"/>
+            <a:ext cx="2452308" cy="461665"/>
+          </a:xfrm>
+          <a:prstGeom prst="rect">
+            <a:avLst/>
+          </a:prstGeom>
+          <a:noFill/>
+        </p:spPr>
+        <p:txBody>
+          <a:bodyPr wrap="square" rtlCol="0">
+            <a:spAutoFit/>
+          </a:bodyPr>
+          <a:lstStyle/>
+          <a:p>
+            <a:r>
+              <a:rPr lang="en-US" altLang="zh-CN" sz="2400" dirty="0"/>
+              <a:t>aaff11()</a:t>
+            </a:r>
+            <a:endParaRPr lang="zh-CN" altLang="en-US" sz="2400" dirty="0"/>
+          </a:p>
+        </p:txBody>
+      </p:sp>
+      <p:sp>
+        <p:nvSpPr>
+          <p:cNvPr id="21" name="文本框 20">
+            <a:extLst>
+              <a:ext uri="{FF2B5EF4-FFF2-40B4-BE49-F238E27FC236}">
+                <a16:creationId xmlns:a16="http://schemas.microsoft.com/office/drawing/2014/main" id="{39A3F04C-9A25-425F-8F45-3DD73B7D4FB7}"/>
+              </a:ext>
+            </a:extLst>
+          </p:cNvPr>
+          <p:cNvSpPr txBox="1"/>
+          <p:nvPr/>
+        </p:nvSpPr>
+        <p:spPr>
+          <a:xfrm>
+            <a:off x="7784016" y="4412917"/>
+            <a:ext cx="2625366" cy="1200329"/>
+          </a:xfrm>
+          <a:prstGeom prst="rect">
+            <a:avLst/>
+          </a:prstGeom>
+          <a:noFill/>
+        </p:spPr>
+        <p:txBody>
+          <a:bodyPr wrap="square" rtlCol="0">
+            <a:spAutoFit/>
+          </a:bodyPr>
+          <a:lstStyle/>
+          <a:p>
+            <a:r>
+              <a:rPr lang="en-US" altLang="zh-CN" dirty="0"/>
+              <a:t>a = 2 </a:t>
+            </a:r>
+          </a:p>
+          <a:p>
+            <a:r>
+              <a:rPr lang="en-US" altLang="zh-CN" dirty="0"/>
+              <a:t>f2 = aaff22</a:t>
+            </a:r>
+          </a:p>
+          <a:p>
+            <a:r>
+              <a:rPr lang="en-US" altLang="zh-CN" dirty="0"/>
+              <a:t>f2()</a:t>
+            </a:r>
+          </a:p>
+          <a:p>
+            <a:endParaRPr lang="zh-CN" altLang="en-US" dirty="0"/>
+          </a:p>
+        </p:txBody>
+      </p:sp>
+      <p:cxnSp>
+        <p:nvCxnSpPr>
+          <p:cNvPr id="11" name="直接连接符 10">
+            <a:extLst>
+              <a:ext uri="{FF2B5EF4-FFF2-40B4-BE49-F238E27FC236}">
+                <a16:creationId xmlns:a16="http://schemas.microsoft.com/office/drawing/2014/main" id="{7E6AE5C1-697C-4E83-A343-86332C0048DB}"/>
+              </a:ext>
+            </a:extLst>
+          </p:cNvPr>
+          <p:cNvCxnSpPr>
+            <a:cxnSpLocks/>
+          </p:cNvCxnSpPr>
+          <p:nvPr/>
+        </p:nvCxnSpPr>
+        <p:spPr>
+          <a:xfrm>
+            <a:off x="7703192" y="4282881"/>
+            <a:ext cx="2632299" cy="0"/>
+          </a:xfrm>
+          <a:prstGeom prst="line">
+            <a:avLst/>
+          </a:prstGeom>
+        </p:spPr>
+        <p:style>
+          <a:lnRef idx="1">
+            <a:schemeClr val="accent1"/>
+          </a:lnRef>
+          <a:fillRef idx="0">
+            <a:schemeClr val="accent1"/>
+          </a:fillRef>
+          <a:effectRef idx="0">
+            <a:schemeClr val="accent1"/>
+          </a:effectRef>
+          <a:fontRef idx="minor">
+            <a:schemeClr val="tx1"/>
+          </a:fontRef>
+        </p:style>
+      </p:cxnSp>
+      <p:sp>
+        <p:nvSpPr>
+          <p:cNvPr id="14" name="文本框 13">
+            <a:extLst>
+              <a:ext uri="{FF2B5EF4-FFF2-40B4-BE49-F238E27FC236}">
+                <a16:creationId xmlns:a16="http://schemas.microsoft.com/office/drawing/2014/main" id="{DAAAC842-BE61-4382-A7FD-C2115A6F2C8D}"/>
+              </a:ext>
+            </a:extLst>
+          </p:cNvPr>
+          <p:cNvSpPr txBox="1"/>
+          <p:nvPr/>
+        </p:nvSpPr>
+        <p:spPr>
+          <a:xfrm>
+            <a:off x="7817871" y="3496509"/>
+            <a:ext cx="2881680" cy="646331"/>
+          </a:xfrm>
+          <a:prstGeom prst="rect">
+            <a:avLst/>
+          </a:prstGeom>
+          <a:noFill/>
+        </p:spPr>
+        <p:txBody>
+          <a:bodyPr wrap="square" rtlCol="0">
+            <a:spAutoFit/>
+          </a:bodyPr>
+          <a:lstStyle/>
+          <a:p>
+            <a:r>
+              <a:rPr lang="zh-CN" altLang="en-US" dirty="0"/>
+              <a:t>形参赋值：无</a:t>
+            </a:r>
+            <a:endParaRPr lang="en-US" altLang="zh-CN" dirty="0"/>
+          </a:p>
+          <a:p>
+            <a:r>
+              <a:rPr lang="zh-CN" altLang="en-US" dirty="0"/>
+              <a:t>变量提升：</a:t>
+            </a:r>
+            <a:r>
+              <a:rPr lang="en-US" altLang="zh-CN" dirty="0"/>
+              <a:t>var a ,var f2</a:t>
+            </a:r>
+            <a:endParaRPr lang="zh-CN" altLang="en-US" dirty="0"/>
+          </a:p>
+        </p:txBody>
+      </p:sp>
+      <p:cxnSp>
+        <p:nvCxnSpPr>
+          <p:cNvPr id="12" name="直接箭头连接符 11">
+            <a:extLst>
+              <a:ext uri="{FF2B5EF4-FFF2-40B4-BE49-F238E27FC236}">
+                <a16:creationId xmlns:a16="http://schemas.microsoft.com/office/drawing/2014/main" id="{CC4DE50A-255F-4DC9-8AE5-5C67E85E535E}"/>
+              </a:ext>
+            </a:extLst>
+          </p:cNvPr>
+          <p:cNvCxnSpPr>
+            <a:cxnSpLocks/>
+            <a:stCxn id="9" idx="1"/>
+          </p:cNvCxnSpPr>
+          <p:nvPr/>
+        </p:nvCxnSpPr>
+        <p:spPr>
+          <a:xfrm flipH="1">
+            <a:off x="5633883" y="1055967"/>
+            <a:ext cx="2069309" cy="692207"/>
+          </a:xfrm>
+          <a:prstGeom prst="straightConnector1">
+            <a:avLst/>
+          </a:prstGeom>
+          <a:ln>
+            <a:tailEnd type="triangle"/>
+          </a:ln>
+        </p:spPr>
+        <p:style>
+          <a:lnRef idx="1">
+            <a:schemeClr val="accent1"/>
+          </a:lnRef>
+          <a:fillRef idx="0">
+            <a:schemeClr val="accent1"/>
+          </a:fillRef>
+          <a:effectRef idx="0">
+            <a:schemeClr val="accent1"/>
+          </a:effectRef>
+          <a:fontRef idx="minor">
+            <a:schemeClr val="tx1"/>
+          </a:fontRef>
+        </p:style>
+      </p:cxnSp>
+      <p:sp>
+        <p:nvSpPr>
+          <p:cNvPr id="22" name="矩形 21">
+            <a:extLst>
+              <a:ext uri="{FF2B5EF4-FFF2-40B4-BE49-F238E27FC236}">
+                <a16:creationId xmlns:a16="http://schemas.microsoft.com/office/drawing/2014/main" id="{C2915FEE-4BE7-4EB3-AF84-42E6C5FD3553}"/>
+              </a:ext>
+            </a:extLst>
+          </p:cNvPr>
+          <p:cNvSpPr/>
+          <p:nvPr/>
+        </p:nvSpPr>
+        <p:spPr>
+          <a:xfrm>
+            <a:off x="10052193" y="1291506"/>
+            <a:ext cx="1874338" cy="1605807"/>
+          </a:xfrm>
+          <a:prstGeom prst="rect">
+            <a:avLst/>
+          </a:prstGeom>
+          <a:noFill/>
+        </p:spPr>
+        <p:style>
+          <a:lnRef idx="2">
+            <a:schemeClr val="accent1">
+              <a:shade val="50000"/>
+            </a:schemeClr>
+          </a:lnRef>
+          <a:fillRef idx="1">
+            <a:schemeClr val="accent1"/>
+          </a:fillRef>
+          <a:effectRef idx="0">
+            <a:schemeClr val="accent1"/>
+          </a:effectRef>
+          <a:fontRef idx="minor">
+            <a:schemeClr val="lt1"/>
+          </a:fontRef>
+        </p:style>
+        <p:txBody>
+          <a:bodyPr rtlCol="0" anchor="ctr"/>
+          <a:lstStyle/>
+          <a:p>
+            <a:pPr algn="ctr"/>
+            <a:endParaRPr lang="zh-CN" altLang="en-US"/>
+          </a:p>
+        </p:txBody>
+      </p:sp>
+      <p:sp>
+        <p:nvSpPr>
+          <p:cNvPr id="23" name="文本框 22">
+            <a:extLst>
+              <a:ext uri="{FF2B5EF4-FFF2-40B4-BE49-F238E27FC236}">
+                <a16:creationId xmlns:a16="http://schemas.microsoft.com/office/drawing/2014/main" id="{3097A8CB-77B9-4B92-88FE-5FB117429991}"/>
+              </a:ext>
+            </a:extLst>
+          </p:cNvPr>
+          <p:cNvSpPr txBox="1"/>
+          <p:nvPr/>
+        </p:nvSpPr>
+        <p:spPr>
+          <a:xfrm>
+            <a:off x="10052192" y="751119"/>
+            <a:ext cx="1206061" cy="461665"/>
+          </a:xfrm>
+          <a:prstGeom prst="rect">
+            <a:avLst/>
+          </a:prstGeom>
+          <a:noFill/>
+        </p:spPr>
+        <p:txBody>
+          <a:bodyPr wrap="square" rtlCol="0">
+            <a:spAutoFit/>
+          </a:bodyPr>
+          <a:lstStyle/>
+          <a:p>
+            <a:r>
+              <a:rPr lang="en-US" altLang="zh-CN" sz="2400" dirty="0">
+                <a:solidFill>
+                  <a:schemeClr val="accent6">
+                    <a:lumMod val="75000"/>
+                  </a:schemeClr>
+                </a:solidFill>
+              </a:rPr>
+              <a:t>aaff22</a:t>
+            </a:r>
+            <a:endParaRPr lang="zh-CN" altLang="en-US" sz="2400" dirty="0">
+              <a:solidFill>
+                <a:schemeClr val="accent6">
+                  <a:lumMod val="75000"/>
+                </a:schemeClr>
+              </a:solidFill>
+            </a:endParaRPr>
+          </a:p>
+        </p:txBody>
+      </p:sp>
+      <p:sp>
+        <p:nvSpPr>
+          <p:cNvPr id="17" name="文本框 16">
+            <a:extLst>
+              <a:ext uri="{FF2B5EF4-FFF2-40B4-BE49-F238E27FC236}">
+                <a16:creationId xmlns:a16="http://schemas.microsoft.com/office/drawing/2014/main" id="{E5682832-8AB1-49A1-8834-1D2A7C77D05E}"/>
+              </a:ext>
+            </a:extLst>
+          </p:cNvPr>
+          <p:cNvSpPr txBox="1"/>
+          <p:nvPr/>
+        </p:nvSpPr>
+        <p:spPr>
+          <a:xfrm>
+            <a:off x="10232221" y="1513492"/>
+            <a:ext cx="1488724" cy="646331"/>
+          </a:xfrm>
+          <a:prstGeom prst="rect">
+            <a:avLst/>
+          </a:prstGeom>
+          <a:noFill/>
+        </p:spPr>
+        <p:txBody>
+          <a:bodyPr wrap="square" rtlCol="0">
+            <a:spAutoFit/>
+          </a:bodyPr>
+          <a:lstStyle/>
+          <a:p>
+            <a:r>
+              <a:rPr lang="en-US" altLang="zh-CN" dirty="0"/>
+              <a:t>Console.log(a)</a:t>
+            </a:r>
+            <a:endParaRPr lang="zh-CN" altLang="en-US" dirty="0"/>
+          </a:p>
+        </p:txBody>
+      </p:sp>
+      <p:cxnSp>
+        <p:nvCxnSpPr>
+          <p:cNvPr id="24" name="连接符: 肘形 23">
+            <a:extLst>
+              <a:ext uri="{FF2B5EF4-FFF2-40B4-BE49-F238E27FC236}">
+                <a16:creationId xmlns:a16="http://schemas.microsoft.com/office/drawing/2014/main" id="{C1B48EEE-71B2-40C6-816C-09BE61C52DDB}"/>
+              </a:ext>
+            </a:extLst>
+          </p:cNvPr>
+          <p:cNvCxnSpPr>
+            <a:cxnSpLocks/>
+            <a:stCxn id="23" idx="0"/>
+          </p:cNvCxnSpPr>
+          <p:nvPr/>
+        </p:nvCxnSpPr>
+        <p:spPr>
+          <a:xfrm rot="16200000" flipH="1" flipV="1">
+            <a:off x="7385870" y="-1155902"/>
+            <a:ext cx="1362333" cy="5176373"/>
+          </a:xfrm>
+          <a:prstGeom prst="bentConnector4">
+            <a:avLst>
+              <a:gd name="adj1" fmla="val -16780"/>
+              <a:gd name="adj2" fmla="val 60107"/>
+            </a:avLst>
+          </a:prstGeom>
+          <a:ln>
+            <a:solidFill>
+              <a:srgbClr val="FF0000"/>
+            </a:solidFill>
+            <a:tailEnd type="triangle"/>
+          </a:ln>
+        </p:spPr>
+        <p:style>
+          <a:lnRef idx="1">
+            <a:schemeClr val="accent1"/>
+          </a:lnRef>
+          <a:fillRef idx="0">
+            <a:schemeClr val="accent1"/>
+          </a:fillRef>
+          <a:effectRef idx="0">
+            <a:schemeClr val="accent1"/>
+          </a:effectRef>
+          <a:fontRef idx="minor">
+            <a:schemeClr val="tx1"/>
+          </a:fontRef>
+        </p:style>
+      </p:cxnSp>
+      <p:sp>
+        <p:nvSpPr>
+          <p:cNvPr id="29" name="矩形 28">
+            <a:extLst>
+              <a:ext uri="{FF2B5EF4-FFF2-40B4-BE49-F238E27FC236}">
+                <a16:creationId xmlns:a16="http://schemas.microsoft.com/office/drawing/2014/main" id="{7A1E7F30-B1F9-4964-96E5-3862C1587957}"/>
+              </a:ext>
+            </a:extLst>
+          </p:cNvPr>
+          <p:cNvSpPr/>
+          <p:nvPr/>
+        </p:nvSpPr>
+        <p:spPr>
+          <a:xfrm>
+            <a:off x="10525105" y="3844478"/>
+            <a:ext cx="1472931" cy="1605807"/>
+          </a:xfrm>
+          <a:prstGeom prst="rect">
+            <a:avLst/>
+          </a:prstGeom>
+          <a:noFill/>
+        </p:spPr>
+        <p:style>
+          <a:lnRef idx="2">
+            <a:schemeClr val="accent1">
+              <a:shade val="50000"/>
+            </a:schemeClr>
+          </a:lnRef>
+          <a:fillRef idx="1">
+            <a:schemeClr val="accent1"/>
+          </a:fillRef>
+          <a:effectRef idx="0">
+            <a:schemeClr val="accent1"/>
+          </a:effectRef>
+          <a:fontRef idx="minor">
+            <a:schemeClr val="lt1"/>
+          </a:fontRef>
+        </p:style>
+        <p:txBody>
+          <a:bodyPr rtlCol="0" anchor="ctr"/>
+          <a:lstStyle/>
+          <a:p>
+            <a:pPr algn="ctr"/>
+            <a:endParaRPr lang="zh-CN" altLang="en-US"/>
+          </a:p>
+        </p:txBody>
+      </p:sp>
+      <p:sp>
+        <p:nvSpPr>
+          <p:cNvPr id="30" name="文本框 29">
+            <a:extLst>
+              <a:ext uri="{FF2B5EF4-FFF2-40B4-BE49-F238E27FC236}">
+                <a16:creationId xmlns:a16="http://schemas.microsoft.com/office/drawing/2014/main" id="{7AED9F65-B675-4A8A-8AE5-323A2BFD1997}"/>
+              </a:ext>
+            </a:extLst>
+          </p:cNvPr>
+          <p:cNvSpPr txBox="1"/>
+          <p:nvPr/>
+        </p:nvSpPr>
+        <p:spPr>
+          <a:xfrm>
+            <a:off x="10525105" y="3416258"/>
+            <a:ext cx="1206061" cy="461665"/>
+          </a:xfrm>
+          <a:prstGeom prst="rect">
+            <a:avLst/>
+          </a:prstGeom>
+          <a:noFill/>
+        </p:spPr>
+        <p:txBody>
+          <a:bodyPr wrap="square" rtlCol="0">
+            <a:spAutoFit/>
+          </a:bodyPr>
+          <a:lstStyle/>
+          <a:p>
+            <a:r>
+              <a:rPr lang="en-US" altLang="zh-CN" sz="2400" dirty="0">
+                <a:solidFill>
+                  <a:schemeClr val="accent6">
+                    <a:lumMod val="75000"/>
+                  </a:schemeClr>
+                </a:solidFill>
+              </a:rPr>
+              <a:t>Aaff22()</a:t>
+            </a:r>
+            <a:endParaRPr lang="zh-CN" altLang="en-US" sz="2400" dirty="0">
+              <a:solidFill>
+                <a:schemeClr val="accent6">
+                  <a:lumMod val="75000"/>
+                </a:schemeClr>
+              </a:solidFill>
+            </a:endParaRPr>
+          </a:p>
+        </p:txBody>
+      </p:sp>
+      <p:sp>
+        <p:nvSpPr>
+          <p:cNvPr id="31" name="文本框 30">
+            <a:extLst>
+              <a:ext uri="{FF2B5EF4-FFF2-40B4-BE49-F238E27FC236}">
+                <a16:creationId xmlns:a16="http://schemas.microsoft.com/office/drawing/2014/main" id="{70C6F6B9-DB13-4DB1-886B-F8755EED63B4}"/>
+              </a:ext>
+            </a:extLst>
+          </p:cNvPr>
+          <p:cNvSpPr txBox="1"/>
+          <p:nvPr/>
+        </p:nvSpPr>
+        <p:spPr>
+          <a:xfrm>
+            <a:off x="10655223" y="3999345"/>
+            <a:ext cx="1206061" cy="369332"/>
+          </a:xfrm>
+          <a:prstGeom prst="rect">
+            <a:avLst/>
+          </a:prstGeom>
+          <a:noFill/>
+        </p:spPr>
+        <p:txBody>
+          <a:bodyPr wrap="square" rtlCol="0">
+            <a:spAutoFit/>
+          </a:bodyPr>
+          <a:lstStyle/>
+          <a:p>
+            <a:r>
+              <a:rPr lang="en-US" altLang="zh-CN" dirty="0"/>
+              <a:t>a =&gt; 1</a:t>
+            </a:r>
+            <a:endParaRPr lang="zh-CN" altLang="en-US" dirty="0"/>
+          </a:p>
+        </p:txBody>
+      </p:sp>
+    </p:spTree>
+    <p:extLst>
+      <p:ext uri="{BB962C8B-B14F-4D97-AF65-F5344CB8AC3E}">
+        <p14:creationId xmlns:p14="http://schemas.microsoft.com/office/powerpoint/2010/main" val="2321861328"/>
+      </p:ext>
+    </p:extLst>
+  </p:cSld>
+  <p:clrMapOvr>
+    <a:masterClrMapping/>
+  </p:clrMapOvr>
+</p:sld>
+</file>
+
+<file path=ppt/slides/slide14.xml><?xml version="1.0" encoding="utf-8"?>
+<p:sld xmlns:a="http://schemas.openxmlformats.org/drawingml/2006/main" xmlns:r="http://schemas.openxmlformats.org/officeDocument/2006/relationships" xmlns:p="http://schemas.openxmlformats.org/presentationml/2006/main">
+  <p:cSld>
+    <p:spTree>
+      <p:nvGrpSpPr>
+        <p:cNvPr id="1" name=""/>
+        <p:cNvGrpSpPr/>
+        <p:nvPr/>
+      </p:nvGrpSpPr>
+      <p:grpSpPr>
+        <a:xfrm>
+          <a:off x="0" y="0"/>
+          <a:ext cx="0" cy="0"/>
+          <a:chOff x="0" y="0"/>
+          <a:chExt cx="0" cy="0"/>
+        </a:xfrm>
+      </p:grpSpPr>
     </p:spTree>
     <p:extLst>
       <p:ext uri="{BB962C8B-B14F-4D97-AF65-F5344CB8AC3E}">

--- a/week1/week1.pptx
+++ b/week1/week1.pptx
@@ -18,7 +18,8 @@
     <p:sldId id="267" r:id="rId12"/>
     <p:sldId id="268" r:id="rId13"/>
     <p:sldId id="269" r:id="rId14"/>
-    <p:sldId id="266" r:id="rId15"/>
+    <p:sldId id="270" r:id="rId15"/>
+    <p:sldId id="266" r:id="rId16"/>
   </p:sldIdLst>
   <p:sldSz cx="12192000" cy="6858000"/>
   <p:notesSz cx="6858000" cy="9144000"/>
@@ -123,6 +124,18 @@
     </p:ext>
   </p:extLst>
 </p:presentation>
+</file>
+
+<file path=ppt/commentAuthors.xml><?xml version="1.0" encoding="utf-8"?>
+<p:cmAuthorLst xmlns:a="http://schemas.openxmlformats.org/drawingml/2006/main" xmlns:r="http://schemas.openxmlformats.org/officeDocument/2006/relationships" xmlns:p="http://schemas.openxmlformats.org/presentationml/2006/main">
+  <p:cmAuthor id="1" name="monty yvan" initials="my" lastIdx="1" clrIdx="0">
+    <p:extLst>
+      <p:ext uri="{19B8F6BF-5375-455C-9EA6-DF929625EA0E}">
+        <p15:presenceInfo xmlns:p15="http://schemas.microsoft.com/office/powerpoint/2012/main" userId="f7de9ef362b6e133" providerId="Windows Live"/>
+      </p:ext>
+    </p:extLst>
+  </p:cmAuthor>
+</p:cmAuthorLst>
 </file>
 
 <file path=ppt/slideLayouts/slideLayout1.xml><?xml version="1.0" encoding="utf-8"?>
@@ -7446,8 +7459,8 @@
         </p:nvSpPr>
         <p:spPr>
           <a:xfrm>
-            <a:off x="3991896" y="1203207"/>
-            <a:ext cx="3283974" cy="4524315"/>
+            <a:off x="3991896" y="1203208"/>
+            <a:ext cx="3283974" cy="4524308"/>
           </a:xfrm>
           <a:prstGeom prst="rect">
             <a:avLst/>
@@ -8422,6 +8435,2795 @@
           <a:chExt cx="0" cy="0"/>
         </a:xfrm>
       </p:grpSpPr>
+      <p:sp>
+        <p:nvSpPr>
+          <p:cNvPr id="2" name="Rectangle 1">
+            <a:extLst>
+              <a:ext uri="{FF2B5EF4-FFF2-40B4-BE49-F238E27FC236}">
+                <a16:creationId xmlns:a16="http://schemas.microsoft.com/office/drawing/2014/main" id="{065C0B6F-CE28-44A6-8580-837492B48CCC}"/>
+              </a:ext>
+            </a:extLst>
+          </p:cNvPr>
+          <p:cNvSpPr>
+            <a:spLocks noChangeArrowheads="1"/>
+          </p:cNvSpPr>
+          <p:nvPr/>
+        </p:nvSpPr>
+        <p:spPr bwMode="auto">
+          <a:xfrm>
+            <a:off x="149788" y="89590"/>
+            <a:ext cx="3576214" cy="3693319"/>
+          </a:xfrm>
+          <a:prstGeom prst="rect">
+            <a:avLst/>
+          </a:prstGeom>
+          <a:solidFill>
+            <a:srgbClr val="FFFFFF"/>
+          </a:solidFill>
+          <a:ln>
+            <a:noFill/>
+          </a:ln>
+          <a:effectLst/>
+          <a:extLst>
+            <a:ext uri="{91240B29-F687-4F45-9708-019B960494DF}">
+              <a14:hiddenLine xmlns:a14="http://schemas.microsoft.com/office/drawing/2010/main" w="9525">
+                <a:solidFill>
+                  <a:schemeClr val="tx1"/>
+                </a:solidFill>
+                <a:miter lim="800000"/>
+                <a:headEnd/>
+                <a:tailEnd/>
+              </a14:hiddenLine>
+            </a:ext>
+            <a:ext uri="{AF507438-7753-43E0-B8FC-AC1667EBCBE1}">
+              <a14:hiddenEffects xmlns:a14="http://schemas.microsoft.com/office/drawing/2010/main">
+                <a:effectLst>
+                  <a:outerShdw dist="35921" dir="2700000" algn="ctr" rotWithShape="0">
+                    <a:schemeClr val="bg2"/>
+                  </a:outerShdw>
+                </a:effectLst>
+              </a14:hiddenEffects>
+            </a:ext>
+          </a:extLst>
+        </p:spPr>
+        <p:txBody>
+          <a:bodyPr vert="horz" wrap="square" lIns="91440" tIns="45720" rIns="91440" bIns="45720" numCol="1" anchor="ctr" anchorCtr="0" compatLnSpc="1">
+            <a:prstTxWarp prst="textNoShape">
+              <a:avLst/>
+            </a:prstTxWarp>
+            <a:spAutoFit/>
+          </a:bodyPr>
+          <a:lstStyle/>
+          <a:p>
+            <a:pPr lvl="0" eaLnBrk="0" fontAlgn="base" hangingPunct="0">
+              <a:spcBef>
+                <a:spcPct val="0"/>
+              </a:spcBef>
+              <a:spcAft>
+                <a:spcPct val="0"/>
+              </a:spcAft>
+            </a:pPr>
+            <a:r>
+              <a:rPr lang="en-US" altLang="zh-CN" dirty="0">
+                <a:solidFill>
+                  <a:srgbClr val="000000"/>
+                </a:solidFill>
+                <a:latin typeface="Arial Unicode MS"/>
+                <a:ea typeface="Source Code Pro"/>
+              </a:rPr>
+              <a:t>    var a = 5;</a:t>
+            </a:r>
+          </a:p>
+          <a:p>
+            <a:pPr lvl="0" eaLnBrk="0" fontAlgn="base" hangingPunct="0">
+              <a:spcBef>
+                <a:spcPct val="0"/>
+              </a:spcBef>
+              <a:spcAft>
+                <a:spcPct val="0"/>
+              </a:spcAft>
+            </a:pPr>
+            <a:r>
+              <a:rPr lang="en-US" altLang="zh-CN" dirty="0">
+                <a:solidFill>
+                  <a:srgbClr val="000000"/>
+                </a:solidFill>
+                <a:latin typeface="Arial Unicode MS"/>
+                <a:ea typeface="Source Code Pro"/>
+              </a:rPr>
+              <a:t>    function </a:t>
+            </a:r>
+            <a:r>
+              <a:rPr lang="en-US" altLang="zh-CN" dirty="0" err="1">
+                <a:solidFill>
+                  <a:srgbClr val="000000"/>
+                </a:solidFill>
+                <a:latin typeface="Arial Unicode MS"/>
+                <a:ea typeface="Source Code Pro"/>
+              </a:rPr>
+              <a:t>fn</a:t>
+            </a:r>
+            <a:r>
+              <a:rPr lang="en-US" altLang="zh-CN" dirty="0">
+                <a:solidFill>
+                  <a:srgbClr val="000000"/>
+                </a:solidFill>
+                <a:latin typeface="Arial Unicode MS"/>
+                <a:ea typeface="Source Code Pro"/>
+              </a:rPr>
+              <a:t> () {</a:t>
+            </a:r>
+          </a:p>
+          <a:p>
+            <a:pPr lvl="0" eaLnBrk="0" fontAlgn="base" hangingPunct="0">
+              <a:spcBef>
+                <a:spcPct val="0"/>
+              </a:spcBef>
+              <a:spcAft>
+                <a:spcPct val="0"/>
+              </a:spcAft>
+            </a:pPr>
+            <a:r>
+              <a:rPr lang="en-US" altLang="zh-CN" dirty="0">
+                <a:solidFill>
+                  <a:srgbClr val="000000"/>
+                </a:solidFill>
+                <a:latin typeface="Arial Unicode MS"/>
+                <a:ea typeface="Source Code Pro"/>
+              </a:rPr>
+              <a:t>        var a =10 ;</a:t>
+            </a:r>
+          </a:p>
+          <a:p>
+            <a:pPr lvl="0" eaLnBrk="0" fontAlgn="base" hangingPunct="0">
+              <a:spcBef>
+                <a:spcPct val="0"/>
+              </a:spcBef>
+              <a:spcAft>
+                <a:spcPct val="0"/>
+              </a:spcAft>
+            </a:pPr>
+            <a:r>
+              <a:rPr lang="en-US" altLang="zh-CN" dirty="0">
+                <a:solidFill>
+                  <a:srgbClr val="000000"/>
+                </a:solidFill>
+                <a:latin typeface="Arial Unicode MS"/>
+                <a:ea typeface="Source Code Pro"/>
+              </a:rPr>
+              <a:t>        function f (){</a:t>
+            </a:r>
+          </a:p>
+          <a:p>
+            <a:pPr lvl="0" eaLnBrk="0" fontAlgn="base" hangingPunct="0">
+              <a:spcBef>
+                <a:spcPct val="0"/>
+              </a:spcBef>
+              <a:spcAft>
+                <a:spcPct val="0"/>
+              </a:spcAft>
+            </a:pPr>
+            <a:r>
+              <a:rPr lang="en-US" altLang="zh-CN" dirty="0">
+                <a:solidFill>
+                  <a:srgbClr val="000000"/>
+                </a:solidFill>
+                <a:latin typeface="Arial Unicode MS"/>
+                <a:ea typeface="Source Code Pro"/>
+              </a:rPr>
+              <a:t>            a++;</a:t>
+            </a:r>
+          </a:p>
+          <a:p>
+            <a:pPr lvl="0" eaLnBrk="0" fontAlgn="base" hangingPunct="0">
+              <a:spcBef>
+                <a:spcPct val="0"/>
+              </a:spcBef>
+              <a:spcAft>
+                <a:spcPct val="0"/>
+              </a:spcAft>
+            </a:pPr>
+            <a:r>
+              <a:rPr lang="en-US" altLang="zh-CN" dirty="0">
+                <a:solidFill>
+                  <a:srgbClr val="000000"/>
+                </a:solidFill>
+                <a:latin typeface="Arial Unicode MS"/>
+                <a:ea typeface="Source Code Pro"/>
+              </a:rPr>
+              <a:t>            console.log(a)       }</a:t>
+            </a:r>
+          </a:p>
+          <a:p>
+            <a:pPr lvl="0" eaLnBrk="0" fontAlgn="base" hangingPunct="0">
+              <a:spcBef>
+                <a:spcPct val="0"/>
+              </a:spcBef>
+              <a:spcAft>
+                <a:spcPct val="0"/>
+              </a:spcAft>
+            </a:pPr>
+            <a:r>
+              <a:rPr lang="en-US" altLang="zh-CN" dirty="0">
+                <a:solidFill>
+                  <a:srgbClr val="000000"/>
+                </a:solidFill>
+                <a:latin typeface="Arial Unicode MS"/>
+                <a:ea typeface="Source Code Pro"/>
+              </a:rPr>
+              <a:t>        </a:t>
+            </a:r>
+            <a:r>
+              <a:rPr lang="en-US" altLang="zh-CN" b="1" dirty="0">
+                <a:solidFill>
+                  <a:schemeClr val="accent6"/>
+                </a:solidFill>
+                <a:latin typeface="Arial Unicode MS"/>
+                <a:ea typeface="Source Code Pro"/>
+              </a:rPr>
+              <a:t>f();</a:t>
+            </a:r>
+          </a:p>
+          <a:p>
+            <a:pPr lvl="0" eaLnBrk="0" fontAlgn="base" hangingPunct="0">
+              <a:spcBef>
+                <a:spcPct val="0"/>
+              </a:spcBef>
+              <a:spcAft>
+                <a:spcPct val="0"/>
+              </a:spcAft>
+            </a:pPr>
+            <a:r>
+              <a:rPr lang="en-US" altLang="zh-CN" dirty="0">
+                <a:solidFill>
+                  <a:srgbClr val="000000"/>
+                </a:solidFill>
+                <a:latin typeface="Arial Unicode MS"/>
+                <a:ea typeface="Source Code Pro"/>
+              </a:rPr>
+              <a:t>        return f</a:t>
+            </a:r>
+          </a:p>
+          <a:p>
+            <a:pPr lvl="0" eaLnBrk="0" fontAlgn="base" hangingPunct="0">
+              <a:spcBef>
+                <a:spcPct val="0"/>
+              </a:spcBef>
+              <a:spcAft>
+                <a:spcPct val="0"/>
+              </a:spcAft>
+            </a:pPr>
+            <a:r>
+              <a:rPr lang="en-US" altLang="zh-CN" dirty="0">
+                <a:solidFill>
+                  <a:srgbClr val="000000"/>
+                </a:solidFill>
+                <a:latin typeface="Arial Unicode MS"/>
+                <a:ea typeface="Source Code Pro"/>
+              </a:rPr>
+              <a:t>    }</a:t>
+            </a:r>
+          </a:p>
+          <a:p>
+            <a:pPr lvl="0" eaLnBrk="0" fontAlgn="base" hangingPunct="0">
+              <a:spcBef>
+                <a:spcPct val="0"/>
+              </a:spcBef>
+              <a:spcAft>
+                <a:spcPct val="0"/>
+              </a:spcAft>
+            </a:pPr>
+            <a:r>
+              <a:rPr lang="en-US" altLang="zh-CN" dirty="0">
+                <a:solidFill>
+                  <a:srgbClr val="000000"/>
+                </a:solidFill>
+                <a:latin typeface="Arial Unicode MS"/>
+                <a:ea typeface="Source Code Pro"/>
+              </a:rPr>
+              <a:t>    var fn1 = </a:t>
+            </a:r>
+            <a:r>
+              <a:rPr lang="en-US" altLang="zh-CN" dirty="0" err="1">
+                <a:solidFill>
+                  <a:srgbClr val="FF0000"/>
+                </a:solidFill>
+                <a:latin typeface="Arial Unicode MS"/>
+                <a:ea typeface="Source Code Pro"/>
+              </a:rPr>
+              <a:t>fn</a:t>
+            </a:r>
+            <a:r>
+              <a:rPr lang="en-US" altLang="zh-CN" dirty="0">
+                <a:solidFill>
+                  <a:srgbClr val="FF0000"/>
+                </a:solidFill>
+                <a:latin typeface="Arial Unicode MS"/>
+                <a:ea typeface="Source Code Pro"/>
+              </a:rPr>
+              <a:t>()  = aaff22()</a:t>
+            </a:r>
+          </a:p>
+          <a:p>
+            <a:pPr lvl="0" eaLnBrk="0" fontAlgn="base" hangingPunct="0">
+              <a:spcBef>
+                <a:spcPct val="0"/>
+              </a:spcBef>
+              <a:spcAft>
+                <a:spcPct val="0"/>
+              </a:spcAft>
+            </a:pPr>
+            <a:r>
+              <a:rPr lang="en-US" altLang="zh-CN" dirty="0">
+                <a:solidFill>
+                  <a:srgbClr val="000000"/>
+                </a:solidFill>
+                <a:latin typeface="Arial Unicode MS"/>
+                <a:ea typeface="Source Code Pro"/>
+              </a:rPr>
+              <a:t>    </a:t>
+            </a:r>
+            <a:r>
+              <a:rPr lang="en-US" altLang="zh-CN" dirty="0">
+                <a:solidFill>
+                  <a:schemeClr val="accent2"/>
+                </a:solidFill>
+                <a:latin typeface="Arial Unicode MS"/>
+                <a:ea typeface="Source Code Pro"/>
+              </a:rPr>
+              <a:t>fn1() // aaff22()</a:t>
+            </a:r>
+          </a:p>
+          <a:p>
+            <a:pPr lvl="0" eaLnBrk="0" fontAlgn="base" hangingPunct="0">
+              <a:spcBef>
+                <a:spcPct val="0"/>
+              </a:spcBef>
+              <a:spcAft>
+                <a:spcPct val="0"/>
+              </a:spcAft>
+            </a:pPr>
+            <a:r>
+              <a:rPr lang="en-US" altLang="zh-CN" dirty="0">
+                <a:solidFill>
+                  <a:srgbClr val="7030A0"/>
+                </a:solidFill>
+                <a:latin typeface="Arial Unicode MS"/>
+                <a:ea typeface="Source Code Pro"/>
+              </a:rPr>
+              <a:t>    fn1() ; // aaff22()</a:t>
+            </a:r>
+          </a:p>
+          <a:p>
+            <a:pPr lvl="0" eaLnBrk="0" fontAlgn="base" hangingPunct="0">
+              <a:spcBef>
+                <a:spcPct val="0"/>
+              </a:spcBef>
+              <a:spcAft>
+                <a:spcPct val="0"/>
+              </a:spcAft>
+            </a:pPr>
+            <a:r>
+              <a:rPr lang="en-US" altLang="zh-CN" dirty="0">
+                <a:solidFill>
+                  <a:srgbClr val="000000"/>
+                </a:solidFill>
+                <a:latin typeface="Arial Unicode MS"/>
+                <a:ea typeface="Source Code Pro"/>
+              </a:rPr>
+              <a:t>    console.log(a);</a:t>
+            </a:r>
+            <a:endParaRPr kumimoji="0" lang="zh-CN" altLang="zh-CN" b="0" i="0" u="none" strike="noStrike" cap="none" normalizeH="0" baseline="0" dirty="0">
+              <a:ln>
+                <a:noFill/>
+              </a:ln>
+              <a:solidFill>
+                <a:schemeClr val="tx1"/>
+              </a:solidFill>
+              <a:effectLst/>
+              <a:latin typeface="Arial" panose="020B0604020202020204" pitchFamily="34" charset="0"/>
+            </a:endParaRPr>
+          </a:p>
+        </p:txBody>
+      </p:sp>
+      <p:sp>
+        <p:nvSpPr>
+          <p:cNvPr id="3" name="矩形 2">
+            <a:extLst>
+              <a:ext uri="{FF2B5EF4-FFF2-40B4-BE49-F238E27FC236}">
+                <a16:creationId xmlns:a16="http://schemas.microsoft.com/office/drawing/2014/main" id="{8AB3F4F0-21BB-43FF-8ADA-18930077D5F7}"/>
+              </a:ext>
+            </a:extLst>
+          </p:cNvPr>
+          <p:cNvSpPr/>
+          <p:nvPr/>
+        </p:nvSpPr>
+        <p:spPr>
+          <a:xfrm>
+            <a:off x="3991896" y="1203207"/>
+            <a:ext cx="3283974" cy="2514641"/>
+          </a:xfrm>
+          <a:prstGeom prst="rect">
+            <a:avLst/>
+          </a:prstGeom>
+          <a:noFill/>
+        </p:spPr>
+        <p:style>
+          <a:lnRef idx="2">
+            <a:schemeClr val="accent1">
+              <a:shade val="50000"/>
+            </a:schemeClr>
+          </a:lnRef>
+          <a:fillRef idx="1">
+            <a:schemeClr val="accent1"/>
+          </a:fillRef>
+          <a:effectRef idx="0">
+            <a:schemeClr val="accent1"/>
+          </a:effectRef>
+          <a:fontRef idx="minor">
+            <a:schemeClr val="lt1"/>
+          </a:fontRef>
+        </p:style>
+        <p:txBody>
+          <a:bodyPr rtlCol="0" anchor="ctr"/>
+          <a:lstStyle/>
+          <a:p>
+            <a:pPr algn="ctr"/>
+            <a:endParaRPr lang="zh-CN" altLang="en-US"/>
+          </a:p>
+        </p:txBody>
+      </p:sp>
+      <p:sp>
+        <p:nvSpPr>
+          <p:cNvPr id="4" name="文本框 3">
+            <a:extLst>
+              <a:ext uri="{FF2B5EF4-FFF2-40B4-BE49-F238E27FC236}">
+                <a16:creationId xmlns:a16="http://schemas.microsoft.com/office/drawing/2014/main" id="{A8C0FBF0-FCAB-4C92-B501-076450FBEC93}"/>
+              </a:ext>
+            </a:extLst>
+          </p:cNvPr>
+          <p:cNvSpPr txBox="1"/>
+          <p:nvPr/>
+        </p:nvSpPr>
+        <p:spPr>
+          <a:xfrm>
+            <a:off x="4074675" y="697102"/>
+            <a:ext cx="1279517" cy="461665"/>
+          </a:xfrm>
+          <a:prstGeom prst="rect">
+            <a:avLst/>
+          </a:prstGeom>
+          <a:noFill/>
+        </p:spPr>
+        <p:txBody>
+          <a:bodyPr wrap="square" rtlCol="0">
+            <a:spAutoFit/>
+          </a:bodyPr>
+          <a:lstStyle/>
+          <a:p>
+            <a:r>
+              <a:rPr lang="en-US" altLang="zh-CN" sz="2400" b="1" dirty="0">
+                <a:solidFill>
+                  <a:schemeClr val="accent1">
+                    <a:lumMod val="60000"/>
+                    <a:lumOff val="40000"/>
+                  </a:schemeClr>
+                </a:solidFill>
+              </a:rPr>
+              <a:t>window</a:t>
+            </a:r>
+            <a:endParaRPr lang="zh-CN" altLang="en-US" sz="2400" b="1" dirty="0">
+              <a:solidFill>
+                <a:schemeClr val="accent1">
+                  <a:lumMod val="60000"/>
+                  <a:lumOff val="40000"/>
+                </a:schemeClr>
+              </a:solidFill>
+            </a:endParaRPr>
+          </a:p>
+        </p:txBody>
+      </p:sp>
+      <p:cxnSp>
+        <p:nvCxnSpPr>
+          <p:cNvPr id="6" name="直接连接符 5">
+            <a:extLst>
+              <a:ext uri="{FF2B5EF4-FFF2-40B4-BE49-F238E27FC236}">
+                <a16:creationId xmlns:a16="http://schemas.microsoft.com/office/drawing/2014/main" id="{6279C037-E8AB-41DB-867D-E25D2B15F1D1}"/>
+              </a:ext>
+            </a:extLst>
+          </p:cNvPr>
+          <p:cNvCxnSpPr>
+            <a:cxnSpLocks/>
+          </p:cNvCxnSpPr>
+          <p:nvPr/>
+        </p:nvCxnSpPr>
+        <p:spPr>
+          <a:xfrm>
+            <a:off x="3991896" y="2238379"/>
+            <a:ext cx="3283974" cy="0"/>
+          </a:xfrm>
+          <a:prstGeom prst="line">
+            <a:avLst/>
+          </a:prstGeom>
+        </p:spPr>
+        <p:style>
+          <a:lnRef idx="1">
+            <a:schemeClr val="accent1"/>
+          </a:lnRef>
+          <a:fillRef idx="0">
+            <a:schemeClr val="accent1"/>
+          </a:fillRef>
+          <a:effectRef idx="0">
+            <a:schemeClr val="accent1"/>
+          </a:effectRef>
+          <a:fontRef idx="minor">
+            <a:schemeClr val="tx1"/>
+          </a:fontRef>
+        </p:style>
+      </p:cxnSp>
+      <p:sp>
+        <p:nvSpPr>
+          <p:cNvPr id="7" name="文本框 6">
+            <a:extLst>
+              <a:ext uri="{FF2B5EF4-FFF2-40B4-BE49-F238E27FC236}">
+                <a16:creationId xmlns:a16="http://schemas.microsoft.com/office/drawing/2014/main" id="{91897F2A-C850-4839-B577-410E828F2709}"/>
+              </a:ext>
+            </a:extLst>
+          </p:cNvPr>
+          <p:cNvSpPr txBox="1"/>
+          <p:nvPr/>
+        </p:nvSpPr>
+        <p:spPr>
+          <a:xfrm>
+            <a:off x="4198374" y="1249216"/>
+            <a:ext cx="2930013" cy="1015663"/>
+          </a:xfrm>
+          <a:prstGeom prst="rect">
+            <a:avLst/>
+          </a:prstGeom>
+          <a:noFill/>
+        </p:spPr>
+        <p:txBody>
+          <a:bodyPr wrap="square" rtlCol="0">
+            <a:spAutoFit/>
+          </a:bodyPr>
+          <a:lstStyle/>
+          <a:p>
+            <a:r>
+              <a:rPr lang="zh-CN" altLang="en-US" dirty="0"/>
+              <a:t>变量提升阶段</a:t>
+            </a:r>
+            <a:r>
+              <a:rPr lang="en-US" altLang="zh-CN" sz="2000" b="1" dirty="0"/>
+              <a:t>: var a </a:t>
+            </a:r>
+          </a:p>
+          <a:p>
+            <a:r>
+              <a:rPr lang="en-US" altLang="zh-CN" sz="2000" b="1" dirty="0" err="1">
+                <a:solidFill>
+                  <a:schemeClr val="accent6">
+                    <a:lumMod val="75000"/>
+                  </a:schemeClr>
+                </a:solidFill>
+              </a:rPr>
+              <a:t>fn</a:t>
+            </a:r>
+            <a:r>
+              <a:rPr lang="en-US" altLang="zh-CN" sz="2000" b="1" dirty="0">
+                <a:solidFill>
+                  <a:schemeClr val="accent6">
+                    <a:lumMod val="75000"/>
+                  </a:schemeClr>
+                </a:solidFill>
+              </a:rPr>
+              <a:t> = aaff11 </a:t>
+            </a:r>
+          </a:p>
+          <a:p>
+            <a:r>
+              <a:rPr lang="en-US" altLang="zh-CN" sz="2000" b="1" dirty="0">
+                <a:solidFill>
+                  <a:schemeClr val="accent6">
+                    <a:lumMod val="75000"/>
+                  </a:schemeClr>
+                </a:solidFill>
+              </a:rPr>
+              <a:t>Var fn1 </a:t>
+            </a:r>
+            <a:endParaRPr lang="zh-CN" altLang="en-US" dirty="0">
+              <a:solidFill>
+                <a:schemeClr val="accent6">
+                  <a:lumMod val="75000"/>
+                </a:schemeClr>
+              </a:solidFill>
+            </a:endParaRPr>
+          </a:p>
+        </p:txBody>
+      </p:sp>
+      <p:sp>
+        <p:nvSpPr>
+          <p:cNvPr id="8" name="矩形 7">
+            <a:extLst>
+              <a:ext uri="{FF2B5EF4-FFF2-40B4-BE49-F238E27FC236}">
+                <a16:creationId xmlns:a16="http://schemas.microsoft.com/office/drawing/2014/main" id="{512921AD-E83A-466E-A76A-B1B2619ADDE2}"/>
+              </a:ext>
+            </a:extLst>
+          </p:cNvPr>
+          <p:cNvSpPr/>
+          <p:nvPr/>
+        </p:nvSpPr>
+        <p:spPr>
+          <a:xfrm>
+            <a:off x="7680219" y="1316746"/>
+            <a:ext cx="3911417" cy="1989176"/>
+          </a:xfrm>
+          <a:prstGeom prst="rect">
+            <a:avLst/>
+          </a:prstGeom>
+          <a:noFill/>
+        </p:spPr>
+        <p:style>
+          <a:lnRef idx="2">
+            <a:schemeClr val="accent1">
+              <a:shade val="50000"/>
+            </a:schemeClr>
+          </a:lnRef>
+          <a:fillRef idx="1">
+            <a:schemeClr val="accent1"/>
+          </a:fillRef>
+          <a:effectRef idx="0">
+            <a:schemeClr val="accent1"/>
+          </a:effectRef>
+          <a:fontRef idx="minor">
+            <a:schemeClr val="lt1"/>
+          </a:fontRef>
+        </p:style>
+        <p:txBody>
+          <a:bodyPr rtlCol="0" anchor="ctr"/>
+          <a:lstStyle/>
+          <a:p>
+            <a:pPr algn="ctr"/>
+            <a:endParaRPr lang="zh-CN" altLang="en-US"/>
+          </a:p>
+        </p:txBody>
+      </p:sp>
+      <p:sp>
+        <p:nvSpPr>
+          <p:cNvPr id="9" name="文本框 8">
+            <a:extLst>
+              <a:ext uri="{FF2B5EF4-FFF2-40B4-BE49-F238E27FC236}">
+                <a16:creationId xmlns:a16="http://schemas.microsoft.com/office/drawing/2014/main" id="{0EC20D0F-51A1-4840-9D0E-47965132731C}"/>
+              </a:ext>
+            </a:extLst>
+          </p:cNvPr>
+          <p:cNvSpPr txBox="1"/>
+          <p:nvPr/>
+        </p:nvSpPr>
+        <p:spPr>
+          <a:xfrm>
+            <a:off x="7703192" y="825134"/>
+            <a:ext cx="1206061" cy="461665"/>
+          </a:xfrm>
+          <a:prstGeom prst="rect">
+            <a:avLst/>
+          </a:prstGeom>
+          <a:noFill/>
+        </p:spPr>
+        <p:txBody>
+          <a:bodyPr wrap="square" rtlCol="0">
+            <a:spAutoFit/>
+          </a:bodyPr>
+          <a:lstStyle/>
+          <a:p>
+            <a:r>
+              <a:rPr lang="en-US" altLang="zh-CN" sz="2400" dirty="0"/>
+              <a:t>aaff11</a:t>
+            </a:r>
+            <a:endParaRPr lang="zh-CN" altLang="en-US" sz="2400" dirty="0"/>
+          </a:p>
+        </p:txBody>
+      </p:sp>
+      <p:sp>
+        <p:nvSpPr>
+          <p:cNvPr id="19" name="矩形 18">
+            <a:extLst>
+              <a:ext uri="{FF2B5EF4-FFF2-40B4-BE49-F238E27FC236}">
+                <a16:creationId xmlns:a16="http://schemas.microsoft.com/office/drawing/2014/main" id="{44F6F90D-AA6D-4A74-BAE0-824A7222246F}"/>
+              </a:ext>
+            </a:extLst>
+          </p:cNvPr>
+          <p:cNvSpPr/>
+          <p:nvPr/>
+        </p:nvSpPr>
+        <p:spPr>
+          <a:xfrm>
+            <a:off x="7663960" y="4156998"/>
+            <a:ext cx="4262570" cy="1989176"/>
+          </a:xfrm>
+          <a:prstGeom prst="rect">
+            <a:avLst/>
+          </a:prstGeom>
+          <a:noFill/>
+          <a:ln>
+            <a:solidFill>
+              <a:srgbClr val="FFC000"/>
+            </a:solidFill>
+          </a:ln>
+        </p:spPr>
+        <p:style>
+          <a:lnRef idx="2">
+            <a:schemeClr val="accent1">
+              <a:shade val="50000"/>
+            </a:schemeClr>
+          </a:lnRef>
+          <a:fillRef idx="1">
+            <a:schemeClr val="accent1"/>
+          </a:fillRef>
+          <a:effectRef idx="0">
+            <a:schemeClr val="accent1"/>
+          </a:effectRef>
+          <a:fontRef idx="minor">
+            <a:schemeClr val="lt1"/>
+          </a:fontRef>
+        </p:style>
+        <p:txBody>
+          <a:bodyPr rtlCol="0" anchor="ctr"/>
+          <a:lstStyle/>
+          <a:p>
+            <a:pPr algn="ctr"/>
+            <a:endParaRPr lang="zh-CN" altLang="en-US" dirty="0"/>
+          </a:p>
+        </p:txBody>
+      </p:sp>
+      <p:sp>
+        <p:nvSpPr>
+          <p:cNvPr id="20" name="文本框 19">
+            <a:extLst>
+              <a:ext uri="{FF2B5EF4-FFF2-40B4-BE49-F238E27FC236}">
+                <a16:creationId xmlns:a16="http://schemas.microsoft.com/office/drawing/2014/main" id="{CA60CCD2-D181-4952-87A5-48386CC25D16}"/>
+              </a:ext>
+            </a:extLst>
+          </p:cNvPr>
+          <p:cNvSpPr txBox="1"/>
+          <p:nvPr/>
+        </p:nvSpPr>
+        <p:spPr>
+          <a:xfrm>
+            <a:off x="7654717" y="3552077"/>
+            <a:ext cx="2452308" cy="461665"/>
+          </a:xfrm>
+          <a:prstGeom prst="rect">
+            <a:avLst/>
+          </a:prstGeom>
+          <a:noFill/>
+        </p:spPr>
+        <p:txBody>
+          <a:bodyPr wrap="square" rtlCol="0">
+            <a:spAutoFit/>
+          </a:bodyPr>
+          <a:lstStyle/>
+          <a:p>
+            <a:r>
+              <a:rPr lang="en-US" altLang="zh-CN" sz="2400" dirty="0">
+                <a:solidFill>
+                  <a:srgbClr val="FF0000"/>
+                </a:solidFill>
+              </a:rPr>
+              <a:t>aaff11()</a:t>
+            </a:r>
+            <a:endParaRPr lang="zh-CN" altLang="en-US" sz="2400" dirty="0">
+              <a:solidFill>
+                <a:srgbClr val="FF0000"/>
+              </a:solidFill>
+            </a:endParaRPr>
+          </a:p>
+        </p:txBody>
+      </p:sp>
+      <p:sp>
+        <p:nvSpPr>
+          <p:cNvPr id="21" name="文本框 20">
+            <a:extLst>
+              <a:ext uri="{FF2B5EF4-FFF2-40B4-BE49-F238E27FC236}">
+                <a16:creationId xmlns:a16="http://schemas.microsoft.com/office/drawing/2014/main" id="{39A3F04C-9A25-425F-8F45-3DD73B7D4FB7}"/>
+              </a:ext>
+            </a:extLst>
+          </p:cNvPr>
+          <p:cNvSpPr txBox="1"/>
+          <p:nvPr/>
+        </p:nvSpPr>
+        <p:spPr>
+          <a:xfrm>
+            <a:off x="7744783" y="5140914"/>
+            <a:ext cx="2625366" cy="1200329"/>
+          </a:xfrm>
+          <a:prstGeom prst="rect">
+            <a:avLst/>
+          </a:prstGeom>
+          <a:noFill/>
+        </p:spPr>
+        <p:txBody>
+          <a:bodyPr wrap="square" rtlCol="0">
+            <a:spAutoFit/>
+          </a:bodyPr>
+          <a:lstStyle/>
+          <a:p>
+            <a:r>
+              <a:rPr lang="en-US" altLang="zh-CN" dirty="0"/>
+              <a:t>a = 10  11  12</a:t>
+            </a:r>
+          </a:p>
+          <a:p>
+            <a:r>
+              <a:rPr lang="en-US" altLang="zh-CN" dirty="0"/>
+              <a:t>f()</a:t>
+            </a:r>
+          </a:p>
+          <a:p>
+            <a:r>
+              <a:rPr lang="en-US" altLang="zh-CN" dirty="0"/>
+              <a:t>Return f = aaff22</a:t>
+            </a:r>
+          </a:p>
+          <a:p>
+            <a:endParaRPr lang="zh-CN" altLang="en-US" dirty="0"/>
+          </a:p>
+        </p:txBody>
+      </p:sp>
+      <p:cxnSp>
+        <p:nvCxnSpPr>
+          <p:cNvPr id="11" name="直接连接符 10">
+            <a:extLst>
+              <a:ext uri="{FF2B5EF4-FFF2-40B4-BE49-F238E27FC236}">
+                <a16:creationId xmlns:a16="http://schemas.microsoft.com/office/drawing/2014/main" id="{7E6AE5C1-697C-4E83-A343-86332C0048DB}"/>
+              </a:ext>
+            </a:extLst>
+          </p:cNvPr>
+          <p:cNvCxnSpPr>
+            <a:cxnSpLocks/>
+          </p:cNvCxnSpPr>
+          <p:nvPr/>
+        </p:nvCxnSpPr>
+        <p:spPr>
+          <a:xfrm>
+            <a:off x="7663959" y="5010878"/>
+            <a:ext cx="4262571" cy="0"/>
+          </a:xfrm>
+          <a:prstGeom prst="line">
+            <a:avLst/>
+          </a:prstGeom>
+        </p:spPr>
+        <p:style>
+          <a:lnRef idx="1">
+            <a:schemeClr val="accent1"/>
+          </a:lnRef>
+          <a:fillRef idx="0">
+            <a:schemeClr val="accent1"/>
+          </a:fillRef>
+          <a:effectRef idx="0">
+            <a:schemeClr val="accent1"/>
+          </a:effectRef>
+          <a:fontRef idx="minor">
+            <a:schemeClr val="tx1"/>
+          </a:fontRef>
+        </p:style>
+      </p:cxnSp>
+      <p:sp>
+        <p:nvSpPr>
+          <p:cNvPr id="14" name="文本框 13">
+            <a:extLst>
+              <a:ext uri="{FF2B5EF4-FFF2-40B4-BE49-F238E27FC236}">
+                <a16:creationId xmlns:a16="http://schemas.microsoft.com/office/drawing/2014/main" id="{DAAAC842-BE61-4382-A7FD-C2115A6F2C8D}"/>
+              </a:ext>
+            </a:extLst>
+          </p:cNvPr>
+          <p:cNvSpPr txBox="1"/>
+          <p:nvPr/>
+        </p:nvSpPr>
+        <p:spPr>
+          <a:xfrm>
+            <a:off x="7778638" y="4224506"/>
+            <a:ext cx="3879962" cy="646331"/>
+          </a:xfrm>
+          <a:prstGeom prst="rect">
+            <a:avLst/>
+          </a:prstGeom>
+          <a:noFill/>
+        </p:spPr>
+        <p:txBody>
+          <a:bodyPr wrap="square" rtlCol="0">
+            <a:spAutoFit/>
+          </a:bodyPr>
+          <a:lstStyle/>
+          <a:p>
+            <a:r>
+              <a:rPr lang="zh-CN" altLang="en-US" dirty="0"/>
+              <a:t>形参赋值：无</a:t>
+            </a:r>
+            <a:endParaRPr lang="en-US" altLang="zh-CN" dirty="0"/>
+          </a:p>
+          <a:p>
+            <a:r>
+              <a:rPr lang="zh-CN" altLang="en-US" dirty="0"/>
+              <a:t>变量提升：</a:t>
+            </a:r>
+            <a:r>
+              <a:rPr lang="en-US" altLang="zh-CN" dirty="0"/>
+              <a:t>var a   ; f=aaff22</a:t>
+            </a:r>
+            <a:endParaRPr lang="zh-CN" altLang="en-US" dirty="0"/>
+          </a:p>
+        </p:txBody>
+      </p:sp>
+      <p:sp>
+        <p:nvSpPr>
+          <p:cNvPr id="5" name="文本框 4">
+            <a:extLst>
+              <a:ext uri="{FF2B5EF4-FFF2-40B4-BE49-F238E27FC236}">
+                <a16:creationId xmlns:a16="http://schemas.microsoft.com/office/drawing/2014/main" id="{D9DE1D29-42D3-4A12-A367-63EAF1EF95E0}"/>
+              </a:ext>
+            </a:extLst>
+          </p:cNvPr>
+          <p:cNvSpPr txBox="1"/>
+          <p:nvPr/>
+        </p:nvSpPr>
+        <p:spPr>
+          <a:xfrm>
+            <a:off x="7784016" y="1385455"/>
+            <a:ext cx="3142602" cy="1754326"/>
+          </a:xfrm>
+          <a:prstGeom prst="rect">
+            <a:avLst/>
+          </a:prstGeom>
+          <a:noFill/>
+        </p:spPr>
+        <p:txBody>
+          <a:bodyPr wrap="square" rtlCol="0">
+            <a:spAutoFit/>
+          </a:bodyPr>
+          <a:lstStyle/>
+          <a:p>
+            <a:r>
+              <a:rPr lang="en-US" altLang="zh-CN" dirty="0"/>
+              <a:t>var a =10 ;//11  12 13</a:t>
+            </a:r>
+          </a:p>
+          <a:p>
+            <a:r>
+              <a:rPr lang="en-US" altLang="zh-CN" dirty="0"/>
+              <a:t>        function f(){</a:t>
+            </a:r>
+          </a:p>
+          <a:p>
+            <a:r>
+              <a:rPr lang="en-US" altLang="zh-CN" dirty="0"/>
+              <a:t>            a++;</a:t>
+            </a:r>
+          </a:p>
+          <a:p>
+            <a:r>
+              <a:rPr lang="en-US" altLang="zh-CN" dirty="0"/>
+              <a:t>            console.log(a)       }</a:t>
+            </a:r>
+          </a:p>
+          <a:p>
+            <a:r>
+              <a:rPr lang="en-US" altLang="zh-CN" dirty="0"/>
+              <a:t>        f();</a:t>
+            </a:r>
+          </a:p>
+          <a:p>
+            <a:r>
+              <a:rPr lang="en-US" altLang="zh-CN" dirty="0"/>
+              <a:t>        return f</a:t>
+            </a:r>
+          </a:p>
+        </p:txBody>
+      </p:sp>
+      <p:sp>
+        <p:nvSpPr>
+          <p:cNvPr id="13" name="文本框 12">
+            <a:extLst>
+              <a:ext uri="{FF2B5EF4-FFF2-40B4-BE49-F238E27FC236}">
+                <a16:creationId xmlns:a16="http://schemas.microsoft.com/office/drawing/2014/main" id="{E6E08B84-0037-41CF-B068-EF68727570E3}"/>
+              </a:ext>
+            </a:extLst>
+          </p:cNvPr>
+          <p:cNvSpPr txBox="1"/>
+          <p:nvPr/>
+        </p:nvSpPr>
+        <p:spPr>
+          <a:xfrm>
+            <a:off x="4074675" y="2466109"/>
+            <a:ext cx="3053712" cy="1477328"/>
+          </a:xfrm>
+          <a:prstGeom prst="rect">
+            <a:avLst/>
+          </a:prstGeom>
+          <a:noFill/>
+        </p:spPr>
+        <p:txBody>
+          <a:bodyPr wrap="square" rtlCol="0">
+            <a:spAutoFit/>
+          </a:bodyPr>
+          <a:lstStyle/>
+          <a:p>
+            <a:r>
+              <a:rPr lang="en-US" altLang="zh-CN" dirty="0"/>
+              <a:t>a= 5</a:t>
+            </a:r>
+          </a:p>
+          <a:p>
+            <a:r>
+              <a:rPr lang="en-US" altLang="zh-CN" dirty="0"/>
+              <a:t>Fn1 = aaff22 </a:t>
+            </a:r>
+          </a:p>
+          <a:p>
+            <a:r>
+              <a:rPr lang="en-US" altLang="zh-CN" dirty="0"/>
+              <a:t>Fn1() = aaff22()</a:t>
+            </a:r>
+          </a:p>
+          <a:p>
+            <a:r>
+              <a:rPr lang="en-US" altLang="zh-CN" dirty="0"/>
+              <a:t>a =&gt; 5</a:t>
+            </a:r>
+          </a:p>
+          <a:p>
+            <a:endParaRPr lang="zh-CN" altLang="en-US" dirty="0"/>
+          </a:p>
+        </p:txBody>
+      </p:sp>
+      <p:sp>
+        <p:nvSpPr>
+          <p:cNvPr id="26" name="矩形 25">
+            <a:extLst>
+              <a:ext uri="{FF2B5EF4-FFF2-40B4-BE49-F238E27FC236}">
+                <a16:creationId xmlns:a16="http://schemas.microsoft.com/office/drawing/2014/main" id="{466D11FB-7C14-45E2-9910-67F44627513A}"/>
+              </a:ext>
+            </a:extLst>
+          </p:cNvPr>
+          <p:cNvSpPr/>
+          <p:nvPr/>
+        </p:nvSpPr>
+        <p:spPr>
+          <a:xfrm>
+            <a:off x="3989167" y="4021738"/>
+            <a:ext cx="3359880" cy="669130"/>
+          </a:xfrm>
+          <a:prstGeom prst="rect">
+            <a:avLst/>
+          </a:prstGeom>
+          <a:noFill/>
+        </p:spPr>
+        <p:style>
+          <a:lnRef idx="2">
+            <a:schemeClr val="accent1">
+              <a:shade val="50000"/>
+            </a:schemeClr>
+          </a:lnRef>
+          <a:fillRef idx="1">
+            <a:schemeClr val="accent1"/>
+          </a:fillRef>
+          <a:effectRef idx="0">
+            <a:schemeClr val="accent1"/>
+          </a:effectRef>
+          <a:fontRef idx="minor">
+            <a:schemeClr val="lt1"/>
+          </a:fontRef>
+        </p:style>
+        <p:txBody>
+          <a:bodyPr rtlCol="0" anchor="ctr"/>
+          <a:lstStyle/>
+          <a:p>
+            <a:pPr algn="ctr"/>
+            <a:endParaRPr lang="zh-CN" altLang="en-US"/>
+          </a:p>
+        </p:txBody>
+      </p:sp>
+      <p:sp>
+        <p:nvSpPr>
+          <p:cNvPr id="27" name="文本框 26">
+            <a:extLst>
+              <a:ext uri="{FF2B5EF4-FFF2-40B4-BE49-F238E27FC236}">
+                <a16:creationId xmlns:a16="http://schemas.microsoft.com/office/drawing/2014/main" id="{DBFC4E0F-DBD8-4B78-BAB8-77A64C45F6C6}"/>
+              </a:ext>
+            </a:extLst>
+          </p:cNvPr>
+          <p:cNvSpPr txBox="1"/>
+          <p:nvPr/>
+        </p:nvSpPr>
+        <p:spPr>
+          <a:xfrm>
+            <a:off x="3989167" y="3644410"/>
+            <a:ext cx="793807" cy="369332"/>
+          </a:xfrm>
+          <a:prstGeom prst="rect">
+            <a:avLst/>
+          </a:prstGeom>
+          <a:noFill/>
+        </p:spPr>
+        <p:txBody>
+          <a:bodyPr wrap="none" rtlCol="0">
+            <a:spAutoFit/>
+          </a:bodyPr>
+          <a:lstStyle/>
+          <a:p>
+            <a:r>
+              <a:rPr lang="en-US" altLang="zh-CN" dirty="0"/>
+              <a:t>aaff22</a:t>
+            </a:r>
+            <a:endParaRPr lang="zh-CN" altLang="en-US" dirty="0"/>
+          </a:p>
+        </p:txBody>
+      </p:sp>
+      <p:sp>
+        <p:nvSpPr>
+          <p:cNvPr id="28" name="文本框 27">
+            <a:extLst>
+              <a:ext uri="{FF2B5EF4-FFF2-40B4-BE49-F238E27FC236}">
+                <a16:creationId xmlns:a16="http://schemas.microsoft.com/office/drawing/2014/main" id="{1DC6DC4C-E50F-417B-B7EC-FA4A7F8FC091}"/>
+              </a:ext>
+            </a:extLst>
+          </p:cNvPr>
+          <p:cNvSpPr txBox="1"/>
+          <p:nvPr/>
+        </p:nvSpPr>
+        <p:spPr>
+          <a:xfrm>
+            <a:off x="4062782" y="4067565"/>
+            <a:ext cx="3201195" cy="646331"/>
+          </a:xfrm>
+          <a:prstGeom prst="rect">
+            <a:avLst/>
+          </a:prstGeom>
+          <a:noFill/>
+        </p:spPr>
+        <p:txBody>
+          <a:bodyPr wrap="square" rtlCol="0">
+            <a:spAutoFit/>
+          </a:bodyPr>
+          <a:lstStyle/>
+          <a:p>
+            <a:r>
+              <a:rPr lang="en-US" altLang="zh-CN" dirty="0"/>
+              <a:t>a++;</a:t>
+            </a:r>
+          </a:p>
+          <a:p>
+            <a:r>
+              <a:rPr lang="en-US" altLang="zh-CN" dirty="0"/>
+              <a:t>console.log(a) </a:t>
+            </a:r>
+            <a:endParaRPr lang="zh-CN" altLang="en-US" dirty="0"/>
+          </a:p>
+        </p:txBody>
+      </p:sp>
+      <p:sp>
+        <p:nvSpPr>
+          <p:cNvPr id="32" name="矩形 31">
+            <a:extLst>
+              <a:ext uri="{FF2B5EF4-FFF2-40B4-BE49-F238E27FC236}">
+                <a16:creationId xmlns:a16="http://schemas.microsoft.com/office/drawing/2014/main" id="{B0200A83-3517-49B9-A996-65E91B0BC4D6}"/>
+              </a:ext>
+            </a:extLst>
+          </p:cNvPr>
+          <p:cNvSpPr/>
+          <p:nvPr/>
+        </p:nvSpPr>
+        <p:spPr>
+          <a:xfrm>
+            <a:off x="3989167" y="5395114"/>
+            <a:ext cx="3359880" cy="669130"/>
+          </a:xfrm>
+          <a:prstGeom prst="rect">
+            <a:avLst/>
+          </a:prstGeom>
+          <a:noFill/>
+        </p:spPr>
+        <p:style>
+          <a:lnRef idx="2">
+            <a:schemeClr val="accent1">
+              <a:shade val="50000"/>
+            </a:schemeClr>
+          </a:lnRef>
+          <a:fillRef idx="1">
+            <a:schemeClr val="accent1"/>
+          </a:fillRef>
+          <a:effectRef idx="0">
+            <a:schemeClr val="accent1"/>
+          </a:effectRef>
+          <a:fontRef idx="minor">
+            <a:schemeClr val="lt1"/>
+          </a:fontRef>
+        </p:style>
+        <p:txBody>
+          <a:bodyPr rtlCol="0" anchor="ctr"/>
+          <a:lstStyle/>
+          <a:p>
+            <a:pPr algn="ctr"/>
+            <a:endParaRPr lang="zh-CN" altLang="en-US"/>
+          </a:p>
+        </p:txBody>
+      </p:sp>
+      <p:sp>
+        <p:nvSpPr>
+          <p:cNvPr id="33" name="文本框 32">
+            <a:extLst>
+              <a:ext uri="{FF2B5EF4-FFF2-40B4-BE49-F238E27FC236}">
+                <a16:creationId xmlns:a16="http://schemas.microsoft.com/office/drawing/2014/main" id="{B38B8AC7-A48D-4F64-A1F5-9CE3A1C8BECD}"/>
+              </a:ext>
+            </a:extLst>
+          </p:cNvPr>
+          <p:cNvSpPr txBox="1"/>
+          <p:nvPr/>
+        </p:nvSpPr>
+        <p:spPr>
+          <a:xfrm>
+            <a:off x="3989167" y="5017786"/>
+            <a:ext cx="1031051" cy="369332"/>
+          </a:xfrm>
+          <a:prstGeom prst="rect">
+            <a:avLst/>
+          </a:prstGeom>
+          <a:noFill/>
+        </p:spPr>
+        <p:txBody>
+          <a:bodyPr wrap="none" rtlCol="0">
+            <a:spAutoFit/>
+          </a:bodyPr>
+          <a:lstStyle/>
+          <a:p>
+            <a:r>
+              <a:rPr lang="en-US" altLang="zh-CN" b="1" dirty="0">
+                <a:solidFill>
+                  <a:schemeClr val="accent6"/>
+                </a:solidFill>
+              </a:rPr>
+              <a:t>Aaff22()</a:t>
+            </a:r>
+            <a:endParaRPr lang="zh-CN" altLang="en-US" b="1" dirty="0">
+              <a:solidFill>
+                <a:schemeClr val="accent6"/>
+              </a:solidFill>
+            </a:endParaRPr>
+          </a:p>
+        </p:txBody>
+      </p:sp>
+      <p:sp>
+        <p:nvSpPr>
+          <p:cNvPr id="34" name="文本框 33">
+            <a:extLst>
+              <a:ext uri="{FF2B5EF4-FFF2-40B4-BE49-F238E27FC236}">
+                <a16:creationId xmlns:a16="http://schemas.microsoft.com/office/drawing/2014/main" id="{714E5ACF-2781-4C0F-B6F5-CDCA5063996C}"/>
+              </a:ext>
+            </a:extLst>
+          </p:cNvPr>
+          <p:cNvSpPr txBox="1"/>
+          <p:nvPr/>
+        </p:nvSpPr>
+        <p:spPr>
+          <a:xfrm>
+            <a:off x="4062782" y="5440941"/>
+            <a:ext cx="3201195" cy="646331"/>
+          </a:xfrm>
+          <a:prstGeom prst="rect">
+            <a:avLst/>
+          </a:prstGeom>
+          <a:noFill/>
+        </p:spPr>
+        <p:txBody>
+          <a:bodyPr wrap="square" rtlCol="0">
+            <a:spAutoFit/>
+          </a:bodyPr>
+          <a:lstStyle/>
+          <a:p>
+            <a:r>
+              <a:rPr lang="en-US" altLang="zh-CN" dirty="0"/>
+              <a:t>a++; </a:t>
+            </a:r>
+          </a:p>
+          <a:p>
+            <a:r>
+              <a:rPr lang="en-US" altLang="zh-CN" dirty="0"/>
+              <a:t>console.log(a) =&gt;11 </a:t>
+            </a:r>
+            <a:endParaRPr lang="zh-CN" altLang="en-US" dirty="0"/>
+          </a:p>
+        </p:txBody>
+      </p:sp>
+      <p:cxnSp>
+        <p:nvCxnSpPr>
+          <p:cNvPr id="36" name="直接连接符 35">
+            <a:extLst>
+              <a:ext uri="{FF2B5EF4-FFF2-40B4-BE49-F238E27FC236}">
+                <a16:creationId xmlns:a16="http://schemas.microsoft.com/office/drawing/2014/main" id="{BC6F1EDA-1E01-4BC1-9F5B-265DD33D3F17}"/>
+              </a:ext>
+            </a:extLst>
+          </p:cNvPr>
+          <p:cNvCxnSpPr/>
+          <p:nvPr/>
+        </p:nvCxnSpPr>
+        <p:spPr>
+          <a:xfrm>
+            <a:off x="8238744" y="5150920"/>
+            <a:ext cx="210312" cy="321625"/>
+          </a:xfrm>
+          <a:prstGeom prst="line">
+            <a:avLst/>
+          </a:prstGeom>
+          <a:ln>
+            <a:solidFill>
+              <a:srgbClr val="FF0000"/>
+            </a:solidFill>
+          </a:ln>
+        </p:spPr>
+        <p:style>
+          <a:lnRef idx="1">
+            <a:schemeClr val="accent1"/>
+          </a:lnRef>
+          <a:fillRef idx="0">
+            <a:schemeClr val="accent1"/>
+          </a:fillRef>
+          <a:effectRef idx="0">
+            <a:schemeClr val="accent1"/>
+          </a:effectRef>
+          <a:fontRef idx="minor">
+            <a:schemeClr val="tx1"/>
+          </a:fontRef>
+        </p:style>
+      </p:cxnSp>
+      <p:sp>
+        <p:nvSpPr>
+          <p:cNvPr id="37" name="矩形 36">
+            <a:extLst>
+              <a:ext uri="{FF2B5EF4-FFF2-40B4-BE49-F238E27FC236}">
+                <a16:creationId xmlns:a16="http://schemas.microsoft.com/office/drawing/2014/main" id="{D8C54818-3AE2-45D7-B74F-507841BD4A34}"/>
+              </a:ext>
+            </a:extLst>
+          </p:cNvPr>
+          <p:cNvSpPr/>
+          <p:nvPr/>
+        </p:nvSpPr>
+        <p:spPr>
+          <a:xfrm>
+            <a:off x="434972" y="4344903"/>
+            <a:ext cx="3359880" cy="669130"/>
+          </a:xfrm>
+          <a:prstGeom prst="rect">
+            <a:avLst/>
+          </a:prstGeom>
+          <a:noFill/>
+        </p:spPr>
+        <p:style>
+          <a:lnRef idx="2">
+            <a:schemeClr val="accent1">
+              <a:shade val="50000"/>
+            </a:schemeClr>
+          </a:lnRef>
+          <a:fillRef idx="1">
+            <a:schemeClr val="accent1"/>
+          </a:fillRef>
+          <a:effectRef idx="0">
+            <a:schemeClr val="accent1"/>
+          </a:effectRef>
+          <a:fontRef idx="minor">
+            <a:schemeClr val="lt1"/>
+          </a:fontRef>
+        </p:style>
+        <p:txBody>
+          <a:bodyPr rtlCol="0" anchor="ctr"/>
+          <a:lstStyle/>
+          <a:p>
+            <a:pPr algn="ctr"/>
+            <a:endParaRPr lang="zh-CN" altLang="en-US"/>
+          </a:p>
+        </p:txBody>
+      </p:sp>
+      <p:sp>
+        <p:nvSpPr>
+          <p:cNvPr id="38" name="文本框 37">
+            <a:extLst>
+              <a:ext uri="{FF2B5EF4-FFF2-40B4-BE49-F238E27FC236}">
+                <a16:creationId xmlns:a16="http://schemas.microsoft.com/office/drawing/2014/main" id="{5150BFD6-4681-4954-96A0-6CB4C6C73BCF}"/>
+              </a:ext>
+            </a:extLst>
+          </p:cNvPr>
+          <p:cNvSpPr txBox="1"/>
+          <p:nvPr/>
+        </p:nvSpPr>
+        <p:spPr>
+          <a:xfrm>
+            <a:off x="434972" y="3967575"/>
+            <a:ext cx="1031051" cy="369332"/>
+          </a:xfrm>
+          <a:prstGeom prst="rect">
+            <a:avLst/>
+          </a:prstGeom>
+          <a:noFill/>
+        </p:spPr>
+        <p:txBody>
+          <a:bodyPr wrap="none" rtlCol="0">
+            <a:spAutoFit/>
+          </a:bodyPr>
+          <a:lstStyle/>
+          <a:p>
+            <a:r>
+              <a:rPr lang="en-US" altLang="zh-CN" b="1" dirty="0">
+                <a:solidFill>
+                  <a:schemeClr val="accent2"/>
+                </a:solidFill>
+              </a:rPr>
+              <a:t>Aaff22()</a:t>
+            </a:r>
+            <a:endParaRPr lang="zh-CN" altLang="en-US" b="1" dirty="0">
+              <a:solidFill>
+                <a:schemeClr val="accent2"/>
+              </a:solidFill>
+            </a:endParaRPr>
+          </a:p>
+        </p:txBody>
+      </p:sp>
+      <p:sp>
+        <p:nvSpPr>
+          <p:cNvPr id="39" name="文本框 38">
+            <a:extLst>
+              <a:ext uri="{FF2B5EF4-FFF2-40B4-BE49-F238E27FC236}">
+                <a16:creationId xmlns:a16="http://schemas.microsoft.com/office/drawing/2014/main" id="{A5E11DD4-CD5F-4123-843D-DECD6E50874C}"/>
+              </a:ext>
+            </a:extLst>
+          </p:cNvPr>
+          <p:cNvSpPr txBox="1"/>
+          <p:nvPr/>
+        </p:nvSpPr>
+        <p:spPr>
+          <a:xfrm>
+            <a:off x="508587" y="4390730"/>
+            <a:ext cx="3201195" cy="646331"/>
+          </a:xfrm>
+          <a:prstGeom prst="rect">
+            <a:avLst/>
+          </a:prstGeom>
+          <a:noFill/>
+        </p:spPr>
+        <p:txBody>
+          <a:bodyPr wrap="square" rtlCol="0">
+            <a:spAutoFit/>
+          </a:bodyPr>
+          <a:lstStyle/>
+          <a:p>
+            <a:r>
+              <a:rPr lang="en-US" altLang="zh-CN" dirty="0"/>
+              <a:t>a++; </a:t>
+            </a:r>
+          </a:p>
+          <a:p>
+            <a:r>
+              <a:rPr lang="en-US" altLang="zh-CN" dirty="0"/>
+              <a:t>console.log(a)  // 12</a:t>
+            </a:r>
+            <a:endParaRPr lang="zh-CN" altLang="en-US" dirty="0"/>
+          </a:p>
+        </p:txBody>
+      </p:sp>
+      <p:cxnSp>
+        <p:nvCxnSpPr>
+          <p:cNvPr id="41" name="直接连接符 40">
+            <a:extLst>
+              <a:ext uri="{FF2B5EF4-FFF2-40B4-BE49-F238E27FC236}">
+                <a16:creationId xmlns:a16="http://schemas.microsoft.com/office/drawing/2014/main" id="{D013C425-0639-4346-9F30-364F64D9A6C0}"/>
+              </a:ext>
+            </a:extLst>
+          </p:cNvPr>
+          <p:cNvCxnSpPr/>
+          <p:nvPr/>
+        </p:nvCxnSpPr>
+        <p:spPr>
+          <a:xfrm>
+            <a:off x="8589818" y="5150920"/>
+            <a:ext cx="228976" cy="290021"/>
+          </a:xfrm>
+          <a:prstGeom prst="line">
+            <a:avLst/>
+          </a:prstGeom>
+          <a:ln>
+            <a:solidFill>
+              <a:srgbClr val="FF0000"/>
+            </a:solidFill>
+          </a:ln>
+        </p:spPr>
+        <p:style>
+          <a:lnRef idx="1">
+            <a:schemeClr val="accent1"/>
+          </a:lnRef>
+          <a:fillRef idx="0">
+            <a:schemeClr val="accent1"/>
+          </a:fillRef>
+          <a:effectRef idx="0">
+            <a:schemeClr val="accent1"/>
+          </a:effectRef>
+          <a:fontRef idx="minor">
+            <a:schemeClr val="tx1"/>
+          </a:fontRef>
+        </p:style>
+      </p:cxnSp>
+      <p:sp>
+        <p:nvSpPr>
+          <p:cNvPr id="42" name="矩形 41">
+            <a:extLst>
+              <a:ext uri="{FF2B5EF4-FFF2-40B4-BE49-F238E27FC236}">
+                <a16:creationId xmlns:a16="http://schemas.microsoft.com/office/drawing/2014/main" id="{C1889450-C6FF-42C0-940B-541C22695F76}"/>
+              </a:ext>
+            </a:extLst>
+          </p:cNvPr>
+          <p:cNvSpPr/>
+          <p:nvPr/>
+        </p:nvSpPr>
+        <p:spPr>
+          <a:xfrm>
+            <a:off x="434972" y="5582003"/>
+            <a:ext cx="3359880" cy="669130"/>
+          </a:xfrm>
+          <a:prstGeom prst="rect">
+            <a:avLst/>
+          </a:prstGeom>
+          <a:noFill/>
+        </p:spPr>
+        <p:style>
+          <a:lnRef idx="2">
+            <a:schemeClr val="accent1">
+              <a:shade val="50000"/>
+            </a:schemeClr>
+          </a:lnRef>
+          <a:fillRef idx="1">
+            <a:schemeClr val="accent1"/>
+          </a:fillRef>
+          <a:effectRef idx="0">
+            <a:schemeClr val="accent1"/>
+          </a:effectRef>
+          <a:fontRef idx="minor">
+            <a:schemeClr val="lt1"/>
+          </a:fontRef>
+        </p:style>
+        <p:txBody>
+          <a:bodyPr rtlCol="0" anchor="ctr"/>
+          <a:lstStyle/>
+          <a:p>
+            <a:pPr algn="ctr"/>
+            <a:endParaRPr lang="zh-CN" altLang="en-US"/>
+          </a:p>
+        </p:txBody>
+      </p:sp>
+      <p:sp>
+        <p:nvSpPr>
+          <p:cNvPr id="43" name="文本框 42">
+            <a:extLst>
+              <a:ext uri="{FF2B5EF4-FFF2-40B4-BE49-F238E27FC236}">
+                <a16:creationId xmlns:a16="http://schemas.microsoft.com/office/drawing/2014/main" id="{431CF2D7-0A9B-4FEC-88CD-0D6B318B00F6}"/>
+              </a:ext>
+            </a:extLst>
+          </p:cNvPr>
+          <p:cNvSpPr txBox="1"/>
+          <p:nvPr/>
+        </p:nvSpPr>
+        <p:spPr>
+          <a:xfrm>
+            <a:off x="508587" y="5627830"/>
+            <a:ext cx="3201195" cy="646331"/>
+          </a:xfrm>
+          <a:prstGeom prst="rect">
+            <a:avLst/>
+          </a:prstGeom>
+          <a:noFill/>
+        </p:spPr>
+        <p:txBody>
+          <a:bodyPr wrap="square" rtlCol="0">
+            <a:spAutoFit/>
+          </a:bodyPr>
+          <a:lstStyle/>
+          <a:p>
+            <a:r>
+              <a:rPr lang="en-US" altLang="zh-CN" dirty="0"/>
+              <a:t>a++; </a:t>
+            </a:r>
+          </a:p>
+          <a:p>
+            <a:r>
+              <a:rPr lang="en-US" altLang="zh-CN" dirty="0"/>
+              <a:t>console.log(a)  // 13</a:t>
+            </a:r>
+            <a:endParaRPr lang="zh-CN" altLang="en-US" dirty="0"/>
+          </a:p>
+        </p:txBody>
+      </p:sp>
+      <p:sp>
+        <p:nvSpPr>
+          <p:cNvPr id="44" name="文本框 43">
+            <a:extLst>
+              <a:ext uri="{FF2B5EF4-FFF2-40B4-BE49-F238E27FC236}">
+                <a16:creationId xmlns:a16="http://schemas.microsoft.com/office/drawing/2014/main" id="{7676AA19-DDF6-427D-95DA-C2F3F1D07FF8}"/>
+              </a:ext>
+            </a:extLst>
+          </p:cNvPr>
+          <p:cNvSpPr txBox="1"/>
+          <p:nvPr/>
+        </p:nvSpPr>
+        <p:spPr>
+          <a:xfrm>
+            <a:off x="434971" y="5140914"/>
+            <a:ext cx="1031051" cy="369332"/>
+          </a:xfrm>
+          <a:prstGeom prst="rect">
+            <a:avLst/>
+          </a:prstGeom>
+          <a:noFill/>
+        </p:spPr>
+        <p:txBody>
+          <a:bodyPr wrap="none" rtlCol="0">
+            <a:spAutoFit/>
+          </a:bodyPr>
+          <a:lstStyle/>
+          <a:p>
+            <a:r>
+              <a:rPr lang="en-US" altLang="zh-CN" b="1" dirty="0">
+                <a:solidFill>
+                  <a:srgbClr val="7030A0"/>
+                </a:solidFill>
+              </a:rPr>
+              <a:t>Aaff22()</a:t>
+            </a:r>
+            <a:endParaRPr lang="zh-CN" altLang="en-US" b="1" dirty="0">
+              <a:solidFill>
+                <a:srgbClr val="7030A0"/>
+              </a:solidFill>
+            </a:endParaRPr>
+          </a:p>
+        </p:txBody>
+      </p:sp>
+    </p:spTree>
+    <p:extLst>
+      <p:ext uri="{BB962C8B-B14F-4D97-AF65-F5344CB8AC3E}">
+        <p14:creationId xmlns:p14="http://schemas.microsoft.com/office/powerpoint/2010/main" val="3392518634"/>
+      </p:ext>
+    </p:extLst>
+  </p:cSld>
+  <p:clrMapOvr>
+    <a:masterClrMapping/>
+  </p:clrMapOvr>
+</p:sld>
+</file>
+
+<file path=ppt/slides/slide15.xml><?xml version="1.0" encoding="utf-8"?>
+<p:sld xmlns:a="http://schemas.openxmlformats.org/drawingml/2006/main" xmlns:r="http://schemas.openxmlformats.org/officeDocument/2006/relationships" xmlns:p="http://schemas.openxmlformats.org/presentationml/2006/main">
+  <p:cSld>
+    <p:spTree>
+      <p:nvGrpSpPr>
+        <p:cNvPr id="1" name=""/>
+        <p:cNvGrpSpPr/>
+        <p:nvPr/>
+      </p:nvGrpSpPr>
+      <p:grpSpPr>
+        <a:xfrm>
+          <a:off x="0" y="0"/>
+          <a:ext cx="0" cy="0"/>
+          <a:chOff x="0" y="0"/>
+          <a:chExt cx="0" cy="0"/>
+        </a:xfrm>
+      </p:grpSpPr>
+      <p:sp>
+        <p:nvSpPr>
+          <p:cNvPr id="2" name="矩形 1">
+            <a:extLst>
+              <a:ext uri="{FF2B5EF4-FFF2-40B4-BE49-F238E27FC236}">
+                <a16:creationId xmlns:a16="http://schemas.microsoft.com/office/drawing/2014/main" id="{7EE2D670-3E81-49E5-9D22-075A67572D15}"/>
+              </a:ext>
+            </a:extLst>
+          </p:cNvPr>
+          <p:cNvSpPr/>
+          <p:nvPr/>
+        </p:nvSpPr>
+        <p:spPr>
+          <a:xfrm>
+            <a:off x="3297382" y="905164"/>
+            <a:ext cx="1634836" cy="1745672"/>
+          </a:xfrm>
+          <a:prstGeom prst="rect">
+            <a:avLst/>
+          </a:prstGeom>
+          <a:noFill/>
+        </p:spPr>
+        <p:style>
+          <a:lnRef idx="2">
+            <a:schemeClr val="accent1">
+              <a:shade val="50000"/>
+            </a:schemeClr>
+          </a:lnRef>
+          <a:fillRef idx="1">
+            <a:schemeClr val="accent1"/>
+          </a:fillRef>
+          <a:effectRef idx="0">
+            <a:schemeClr val="accent1"/>
+          </a:effectRef>
+          <a:fontRef idx="minor">
+            <a:schemeClr val="lt1"/>
+          </a:fontRef>
+        </p:style>
+        <p:txBody>
+          <a:bodyPr rtlCol="0" anchor="ctr"/>
+          <a:lstStyle/>
+          <a:p>
+            <a:pPr algn="ctr"/>
+            <a:endParaRPr lang="zh-CN" altLang="en-US"/>
+          </a:p>
+        </p:txBody>
+      </p:sp>
+      <p:sp>
+        <p:nvSpPr>
+          <p:cNvPr id="3" name="文本框 2">
+            <a:extLst>
+              <a:ext uri="{FF2B5EF4-FFF2-40B4-BE49-F238E27FC236}">
+                <a16:creationId xmlns:a16="http://schemas.microsoft.com/office/drawing/2014/main" id="{9777E975-70BA-47D8-ACFF-8459A704EE5F}"/>
+              </a:ext>
+            </a:extLst>
+          </p:cNvPr>
+          <p:cNvSpPr txBox="1"/>
+          <p:nvPr/>
+        </p:nvSpPr>
+        <p:spPr>
+          <a:xfrm>
+            <a:off x="3458498" y="1039336"/>
+            <a:ext cx="1265382" cy="1477328"/>
+          </a:xfrm>
+          <a:prstGeom prst="rect">
+            <a:avLst/>
+          </a:prstGeom>
+          <a:noFill/>
+        </p:spPr>
+        <p:txBody>
+          <a:bodyPr wrap="square" rtlCol="0">
+            <a:spAutoFit/>
+          </a:bodyPr>
+          <a:lstStyle/>
+          <a:p>
+            <a:r>
+              <a:rPr lang="en-US" altLang="zh-CN" dirty="0"/>
+              <a:t>0: 3</a:t>
+            </a:r>
+          </a:p>
+          <a:p>
+            <a:r>
+              <a:rPr lang="en-US" altLang="zh-CN" dirty="0"/>
+              <a:t>1:4</a:t>
+            </a:r>
+          </a:p>
+          <a:p>
+            <a:r>
+              <a:rPr lang="en-US" altLang="zh-CN" dirty="0"/>
+              <a:t>2:5</a:t>
+            </a:r>
+          </a:p>
+          <a:p>
+            <a:r>
+              <a:rPr lang="en-US" altLang="zh-CN" dirty="0"/>
+              <a:t>3:6</a:t>
+            </a:r>
+          </a:p>
+          <a:p>
+            <a:r>
+              <a:rPr lang="en-US" altLang="zh-CN" dirty="0"/>
+              <a:t>Length:3</a:t>
+            </a:r>
+            <a:endParaRPr lang="zh-CN" altLang="en-US" dirty="0"/>
+          </a:p>
+        </p:txBody>
+      </p:sp>
+      <p:sp>
+        <p:nvSpPr>
+          <p:cNvPr id="4" name="Rectangle 1">
+            <a:extLst>
+              <a:ext uri="{FF2B5EF4-FFF2-40B4-BE49-F238E27FC236}">
+                <a16:creationId xmlns:a16="http://schemas.microsoft.com/office/drawing/2014/main" id="{5A8588D8-B963-4940-93D6-89E423BC15A9}"/>
+              </a:ext>
+            </a:extLst>
+          </p:cNvPr>
+          <p:cNvSpPr>
+            <a:spLocks noChangeArrowheads="1"/>
+          </p:cNvSpPr>
+          <p:nvPr/>
+        </p:nvSpPr>
+        <p:spPr bwMode="auto">
+          <a:xfrm>
+            <a:off x="424872" y="90224"/>
+            <a:ext cx="2419927" cy="3416320"/>
+          </a:xfrm>
+          <a:prstGeom prst="rect">
+            <a:avLst/>
+          </a:prstGeom>
+          <a:solidFill>
+            <a:srgbClr val="FFFFFF"/>
+          </a:solidFill>
+          <a:ln>
+            <a:noFill/>
+          </a:ln>
+          <a:effectLst/>
+          <a:extLst>
+            <a:ext uri="{91240B29-F687-4F45-9708-019B960494DF}">
+              <a14:hiddenLine xmlns:a14="http://schemas.microsoft.com/office/drawing/2010/main" w="9525">
+                <a:solidFill>
+                  <a:schemeClr val="tx1"/>
+                </a:solidFill>
+                <a:miter lim="800000"/>
+                <a:headEnd/>
+                <a:tailEnd/>
+              </a14:hiddenLine>
+            </a:ext>
+            <a:ext uri="{AF507438-7753-43E0-B8FC-AC1667EBCBE1}">
+              <a14:hiddenEffects xmlns:a14="http://schemas.microsoft.com/office/drawing/2010/main">
+                <a:effectLst>
+                  <a:outerShdw dist="35921" dir="2700000" algn="ctr" rotWithShape="0">
+                    <a:schemeClr val="bg2"/>
+                  </a:outerShdw>
+                </a:effectLst>
+              </a14:hiddenEffects>
+            </a:ext>
+          </a:extLst>
+        </p:spPr>
+        <p:txBody>
+          <a:bodyPr vert="horz" wrap="square" lIns="91440" tIns="45720" rIns="91440" bIns="45720" numCol="1" anchor="ctr" anchorCtr="0" compatLnSpc="1">
+            <a:prstTxWarp prst="textNoShape">
+              <a:avLst/>
+            </a:prstTxWarp>
+            <a:spAutoFit/>
+          </a:bodyPr>
+          <a:lstStyle/>
+          <a:p>
+            <a:pPr marL="0" marR="0" lvl="0" indent="0" algn="l" defTabSz="914400" rtl="0" eaLnBrk="0" fontAlgn="base" latinLnBrk="0" hangingPunct="0">
+              <a:lnSpc>
+                <a:spcPct val="100000"/>
+              </a:lnSpc>
+              <a:spcBef>
+                <a:spcPct val="0"/>
+              </a:spcBef>
+              <a:spcAft>
+                <a:spcPct val="0"/>
+              </a:spcAft>
+              <a:buClrTx/>
+              <a:buSzTx/>
+              <a:buFontTx/>
+              <a:buNone/>
+              <a:tabLst/>
+            </a:pPr>
+            <a:r>
+              <a:rPr kumimoji="0" lang="zh-CN" altLang="zh-CN" sz="2400" b="1" i="0" u="none" strike="noStrike" cap="none" normalizeH="0" baseline="0" dirty="0">
+                <a:ln>
+                  <a:noFill/>
+                </a:ln>
+                <a:solidFill>
+                  <a:srgbClr val="000080"/>
+                </a:solidFill>
+                <a:effectLst/>
+                <a:latin typeface="Arial Unicode MS"/>
+                <a:ea typeface="Source Code Pro"/>
+              </a:rPr>
+              <a:t>var </a:t>
+            </a:r>
+            <a:r>
+              <a:rPr kumimoji="0" lang="zh-CN" altLang="zh-CN" sz="2400" b="1" i="1" u="none" strike="noStrike" cap="none" normalizeH="0" baseline="0" dirty="0">
+                <a:ln>
+                  <a:noFill/>
+                </a:ln>
+                <a:solidFill>
+                  <a:srgbClr val="660E7A"/>
+                </a:solidFill>
+                <a:effectLst/>
+                <a:latin typeface="Arial Unicode MS"/>
+                <a:ea typeface="Source Code Pro"/>
+              </a:rPr>
+              <a:t>a </a:t>
+            </a:r>
+            <a:r>
+              <a:rPr kumimoji="0" lang="zh-CN" altLang="zh-CN" sz="2400" b="0" i="0" u="none" strike="noStrike" cap="none" normalizeH="0" baseline="0" dirty="0">
+                <a:ln>
+                  <a:noFill/>
+                </a:ln>
+                <a:solidFill>
+                  <a:srgbClr val="000000"/>
+                </a:solidFill>
+                <a:effectLst/>
+                <a:latin typeface="Arial Unicode MS"/>
+                <a:ea typeface="Source Code Pro"/>
+              </a:rPr>
+              <a:t>=</a:t>
+            </a:r>
+            <a:r>
+              <a:rPr kumimoji="0" lang="zh-CN" altLang="zh-CN" sz="2400" b="0" i="0" u="none" strike="noStrike" cap="none" normalizeH="0" baseline="0" dirty="0">
+                <a:ln>
+                  <a:noFill/>
+                </a:ln>
+                <a:solidFill>
+                  <a:srgbClr val="0000FF"/>
+                </a:solidFill>
+                <a:effectLst/>
+                <a:latin typeface="Arial Unicode MS"/>
+                <a:ea typeface="Source Code Pro"/>
+              </a:rPr>
+              <a:t>1</a:t>
+            </a:r>
+            <a:br>
+              <a:rPr kumimoji="0" lang="zh-CN" altLang="zh-CN" sz="2400" b="0" i="0" u="none" strike="noStrike" cap="none" normalizeH="0" baseline="0" dirty="0">
+                <a:ln>
+                  <a:noFill/>
+                </a:ln>
+                <a:solidFill>
+                  <a:srgbClr val="0000FF"/>
+                </a:solidFill>
+                <a:effectLst/>
+                <a:latin typeface="Arial Unicode MS"/>
+                <a:ea typeface="Source Code Pro"/>
+              </a:rPr>
+            </a:br>
+            <a:r>
+              <a:rPr kumimoji="0" lang="zh-CN" altLang="zh-CN" sz="2400" b="1" i="0" u="none" strike="noStrike" cap="none" normalizeH="0" baseline="0" dirty="0">
+                <a:ln>
+                  <a:noFill/>
+                </a:ln>
+                <a:solidFill>
+                  <a:srgbClr val="000080"/>
+                </a:solidFill>
+                <a:effectLst/>
+                <a:latin typeface="Arial Unicode MS"/>
+                <a:ea typeface="Source Code Pro"/>
+              </a:rPr>
+              <a:t>var </a:t>
+            </a:r>
+            <a:r>
+              <a:rPr kumimoji="0" lang="zh-CN" altLang="zh-CN" sz="2400" b="1" i="1" u="none" strike="noStrike" cap="none" normalizeH="0" baseline="0" dirty="0">
+                <a:ln>
+                  <a:noFill/>
+                </a:ln>
+                <a:solidFill>
+                  <a:srgbClr val="660E7A"/>
+                </a:solidFill>
+                <a:effectLst/>
+                <a:latin typeface="Arial Unicode MS"/>
+                <a:ea typeface="Source Code Pro"/>
+              </a:rPr>
+              <a:t>b </a:t>
+            </a:r>
+            <a:r>
+              <a:rPr kumimoji="0" lang="zh-CN" altLang="zh-CN" sz="2400" b="0" i="0" u="none" strike="noStrike" cap="none" normalizeH="0" baseline="0" dirty="0">
+                <a:ln>
+                  <a:noFill/>
+                </a:ln>
+                <a:solidFill>
+                  <a:srgbClr val="000000"/>
+                </a:solidFill>
+                <a:effectLst/>
+                <a:latin typeface="Arial Unicode MS"/>
+                <a:ea typeface="Source Code Pro"/>
+              </a:rPr>
+              <a:t>= </a:t>
+            </a:r>
+            <a:r>
+              <a:rPr kumimoji="0" lang="zh-CN" altLang="zh-CN" sz="2400" b="1" i="0" u="none" strike="noStrike" cap="none" normalizeH="0" baseline="0" dirty="0">
+                <a:ln>
+                  <a:noFill/>
+                </a:ln>
+                <a:solidFill>
+                  <a:srgbClr val="000080"/>
+                </a:solidFill>
+                <a:effectLst/>
+                <a:latin typeface="Arial Unicode MS"/>
+                <a:ea typeface="Source Code Pro"/>
+              </a:rPr>
+              <a:t>null</a:t>
+            </a:r>
+            <a:r>
+              <a:rPr kumimoji="0" lang="zh-CN" altLang="zh-CN" sz="2400" b="0" i="0" u="none" strike="noStrike" cap="none" normalizeH="0" baseline="0" dirty="0">
+                <a:ln>
+                  <a:noFill/>
+                </a:ln>
+                <a:solidFill>
+                  <a:srgbClr val="000000"/>
+                </a:solidFill>
+                <a:effectLst/>
+                <a:latin typeface="Arial Unicode MS"/>
+                <a:ea typeface="Source Code Pro"/>
+              </a:rPr>
+              <a:t>;</a:t>
+            </a:r>
+            <a:br>
+              <a:rPr kumimoji="0" lang="zh-CN" altLang="zh-CN" sz="2400" b="0" i="0" u="none" strike="noStrike" cap="none" normalizeH="0" baseline="0" dirty="0">
+                <a:ln>
+                  <a:noFill/>
+                </a:ln>
+                <a:solidFill>
+                  <a:srgbClr val="000000"/>
+                </a:solidFill>
+                <a:effectLst/>
+                <a:latin typeface="Arial Unicode MS"/>
+                <a:ea typeface="Source Code Pro"/>
+              </a:rPr>
+            </a:br>
+            <a:r>
+              <a:rPr kumimoji="0" lang="zh-CN" altLang="zh-CN" sz="2400" b="1" i="0" u="none" strike="noStrike" cap="none" normalizeH="0" baseline="0" dirty="0">
+                <a:ln>
+                  <a:noFill/>
+                </a:ln>
+                <a:solidFill>
+                  <a:srgbClr val="000080"/>
+                </a:solidFill>
+                <a:effectLst/>
+                <a:latin typeface="Arial Unicode MS"/>
+                <a:ea typeface="Source Code Pro"/>
+              </a:rPr>
+              <a:t>var </a:t>
+            </a:r>
+            <a:r>
+              <a:rPr kumimoji="0" lang="zh-CN" altLang="zh-CN" sz="2400" b="1" i="1" u="none" strike="noStrike" cap="none" normalizeH="0" baseline="0" dirty="0">
+                <a:ln>
+                  <a:noFill/>
+                </a:ln>
+                <a:solidFill>
+                  <a:srgbClr val="660E7A"/>
+                </a:solidFill>
+                <a:effectLst/>
+                <a:latin typeface="Arial Unicode MS"/>
+                <a:ea typeface="Source Code Pro"/>
+              </a:rPr>
+              <a:t>obj </a:t>
+            </a:r>
+            <a:r>
+              <a:rPr kumimoji="0" lang="zh-CN" altLang="zh-CN" sz="2400" b="0" i="0" u="none" strike="noStrike" cap="none" normalizeH="0" baseline="0" dirty="0">
+                <a:ln>
+                  <a:noFill/>
+                </a:ln>
+                <a:solidFill>
+                  <a:srgbClr val="000000"/>
+                </a:solidFill>
+                <a:effectLst/>
+                <a:latin typeface="Arial Unicode MS"/>
+                <a:ea typeface="Source Code Pro"/>
+              </a:rPr>
+              <a:t>= [</a:t>
+            </a:r>
+            <a:r>
+              <a:rPr kumimoji="0" lang="zh-CN" altLang="zh-CN" sz="2400" b="0" i="0" u="none" strike="noStrike" cap="none" normalizeH="0" baseline="0" dirty="0">
+                <a:ln>
+                  <a:noFill/>
+                </a:ln>
+                <a:solidFill>
+                  <a:srgbClr val="0000FF"/>
+                </a:solidFill>
+                <a:effectLst/>
+                <a:latin typeface="Arial Unicode MS"/>
+                <a:ea typeface="Source Code Pro"/>
+              </a:rPr>
+              <a:t>3</a:t>
+            </a:r>
+            <a:r>
+              <a:rPr kumimoji="0" lang="zh-CN" altLang="zh-CN" sz="2400" b="0" i="0" u="none" strike="noStrike" cap="none" normalizeH="0" baseline="0" dirty="0">
+                <a:ln>
+                  <a:noFill/>
+                </a:ln>
+                <a:solidFill>
+                  <a:srgbClr val="000000"/>
+                </a:solidFill>
+                <a:effectLst/>
+                <a:latin typeface="Arial Unicode MS"/>
+                <a:ea typeface="Source Code Pro"/>
+              </a:rPr>
+              <a:t>,</a:t>
+            </a:r>
+            <a:r>
+              <a:rPr kumimoji="0" lang="zh-CN" altLang="zh-CN" sz="2400" b="0" i="0" u="none" strike="noStrike" cap="none" normalizeH="0" baseline="0" dirty="0">
+                <a:ln>
+                  <a:noFill/>
+                </a:ln>
+                <a:solidFill>
+                  <a:srgbClr val="0000FF"/>
+                </a:solidFill>
+                <a:effectLst/>
+                <a:latin typeface="Arial Unicode MS"/>
+                <a:ea typeface="Source Code Pro"/>
+              </a:rPr>
+              <a:t>4</a:t>
+            </a:r>
+            <a:r>
+              <a:rPr kumimoji="0" lang="zh-CN" altLang="zh-CN" sz="2400" b="0" i="0" u="none" strike="noStrike" cap="none" normalizeH="0" baseline="0" dirty="0">
+                <a:ln>
+                  <a:noFill/>
+                </a:ln>
+                <a:solidFill>
+                  <a:srgbClr val="000000"/>
+                </a:solidFill>
+                <a:effectLst/>
+                <a:latin typeface="Arial Unicode MS"/>
+                <a:ea typeface="Source Code Pro"/>
+              </a:rPr>
+              <a:t>,</a:t>
+            </a:r>
+            <a:r>
+              <a:rPr kumimoji="0" lang="zh-CN" altLang="zh-CN" sz="2400" b="0" i="0" u="none" strike="noStrike" cap="none" normalizeH="0" baseline="0" dirty="0">
+                <a:ln>
+                  <a:noFill/>
+                </a:ln>
+                <a:solidFill>
+                  <a:srgbClr val="0000FF"/>
+                </a:solidFill>
+                <a:effectLst/>
+                <a:latin typeface="Arial Unicode MS"/>
+                <a:ea typeface="Source Code Pro"/>
+              </a:rPr>
+              <a:t>5</a:t>
+            </a:r>
+            <a:r>
+              <a:rPr kumimoji="0" lang="zh-CN" altLang="zh-CN" sz="2400" b="0" i="0" u="none" strike="noStrike" cap="none" normalizeH="0" baseline="0" dirty="0">
+                <a:ln>
+                  <a:noFill/>
+                </a:ln>
+                <a:solidFill>
+                  <a:srgbClr val="000000"/>
+                </a:solidFill>
+                <a:effectLst/>
+                <a:latin typeface="Arial Unicode MS"/>
+                <a:ea typeface="Source Code Pro"/>
+              </a:rPr>
+              <a:t>]</a:t>
+            </a:r>
+            <a:endParaRPr kumimoji="0" lang="en-US" altLang="zh-CN" sz="2400" b="0" i="0" u="none" strike="noStrike" cap="none" normalizeH="0" baseline="0" dirty="0">
+              <a:ln>
+                <a:noFill/>
+              </a:ln>
+              <a:solidFill>
+                <a:srgbClr val="000000"/>
+              </a:solidFill>
+              <a:effectLst/>
+              <a:latin typeface="Arial Unicode MS"/>
+              <a:ea typeface="Source Code Pro"/>
+            </a:endParaRPr>
+          </a:p>
+          <a:p>
+            <a:pPr marL="0" marR="0" lvl="0" indent="0" algn="l" defTabSz="914400" rtl="0" eaLnBrk="0" fontAlgn="base" latinLnBrk="0" hangingPunct="0">
+              <a:lnSpc>
+                <a:spcPct val="100000"/>
+              </a:lnSpc>
+              <a:spcBef>
+                <a:spcPct val="0"/>
+              </a:spcBef>
+              <a:spcAft>
+                <a:spcPct val="0"/>
+              </a:spcAft>
+              <a:buClrTx/>
+              <a:buSzTx/>
+              <a:buFontTx/>
+              <a:buNone/>
+              <a:tabLst/>
+            </a:pPr>
+            <a:r>
+              <a:rPr lang="en-US" altLang="zh-CN" sz="2400" dirty="0" err="1">
+                <a:solidFill>
+                  <a:srgbClr val="000000"/>
+                </a:solidFill>
+                <a:latin typeface="Arial Unicode MS"/>
+                <a:ea typeface="Source Code Pro"/>
+              </a:rPr>
+              <a:t>obj.push</a:t>
+            </a:r>
+            <a:r>
+              <a:rPr lang="en-US" altLang="zh-CN" sz="2400" dirty="0">
+                <a:solidFill>
+                  <a:srgbClr val="000000"/>
+                </a:solidFill>
+                <a:latin typeface="Arial Unicode MS"/>
+                <a:ea typeface="Source Code Pro"/>
+              </a:rPr>
+              <a:t>(6)</a:t>
+            </a:r>
+            <a:br>
+              <a:rPr kumimoji="0" lang="zh-CN" altLang="zh-CN" sz="2400" b="0" i="0" u="none" strike="noStrike" cap="none" normalizeH="0" baseline="0" dirty="0">
+                <a:ln>
+                  <a:noFill/>
+                </a:ln>
+                <a:solidFill>
+                  <a:srgbClr val="000000"/>
+                </a:solidFill>
+                <a:effectLst/>
+                <a:latin typeface="Arial Unicode MS"/>
+                <a:ea typeface="Source Code Pro"/>
+              </a:rPr>
+            </a:br>
+            <a:r>
+              <a:rPr kumimoji="0" lang="zh-CN" altLang="zh-CN" sz="2400" b="1" i="0" u="none" strike="noStrike" cap="none" normalizeH="0" baseline="0" dirty="0">
+                <a:ln>
+                  <a:noFill/>
+                </a:ln>
+                <a:solidFill>
+                  <a:srgbClr val="000080"/>
+                </a:solidFill>
+                <a:effectLst/>
+                <a:latin typeface="Arial Unicode MS"/>
+                <a:ea typeface="Source Code Pro"/>
+              </a:rPr>
+              <a:t>var </a:t>
+            </a:r>
+            <a:r>
+              <a:rPr kumimoji="0" lang="zh-CN" altLang="zh-CN" sz="2400" b="0" i="1" u="none" strike="noStrike" cap="none" normalizeH="0" baseline="0" dirty="0">
+                <a:ln>
+                  <a:noFill/>
+                </a:ln>
+                <a:solidFill>
+                  <a:srgbClr val="000000"/>
+                </a:solidFill>
+                <a:effectLst/>
+                <a:latin typeface="Arial Unicode MS"/>
+                <a:ea typeface="Source Code Pro"/>
+              </a:rPr>
+              <a:t>fn </a:t>
+            </a:r>
+            <a:r>
+              <a:rPr kumimoji="0" lang="zh-CN" altLang="zh-CN" sz="2400" b="0" i="0" u="none" strike="noStrike" cap="none" normalizeH="0" baseline="0" dirty="0">
+                <a:ln>
+                  <a:noFill/>
+                </a:ln>
+                <a:solidFill>
+                  <a:srgbClr val="000000"/>
+                </a:solidFill>
+                <a:effectLst/>
+                <a:latin typeface="Arial Unicode MS"/>
+                <a:ea typeface="Source Code Pro"/>
+              </a:rPr>
+              <a:t>= </a:t>
+            </a:r>
+            <a:r>
+              <a:rPr kumimoji="0" lang="zh-CN" altLang="zh-CN" sz="2400" b="1" i="0" u="none" strike="noStrike" cap="none" normalizeH="0" baseline="0" dirty="0">
+                <a:ln>
+                  <a:noFill/>
+                </a:ln>
+                <a:solidFill>
+                  <a:srgbClr val="000080"/>
+                </a:solidFill>
+                <a:effectLst/>
+                <a:latin typeface="Arial Unicode MS"/>
+                <a:ea typeface="Source Code Pro"/>
+              </a:rPr>
+              <a:t>function</a:t>
+            </a:r>
+            <a:r>
+              <a:rPr kumimoji="0" lang="zh-CN" altLang="zh-CN" sz="2400" b="0" i="0" u="none" strike="noStrike" cap="none" normalizeH="0" baseline="0" dirty="0">
+                <a:ln>
+                  <a:noFill/>
+                </a:ln>
+                <a:solidFill>
+                  <a:srgbClr val="000000"/>
+                </a:solidFill>
+                <a:effectLst/>
+                <a:latin typeface="Arial Unicode MS"/>
+                <a:ea typeface="Source Code Pro"/>
+              </a:rPr>
+              <a:t>(){</a:t>
+            </a:r>
+            <a:r>
+              <a:rPr kumimoji="0" lang="en-US" altLang="zh-CN" sz="2400" b="0" i="0" u="none" strike="noStrike" cap="none" normalizeH="0" baseline="0" dirty="0">
+                <a:ln>
+                  <a:noFill/>
+                </a:ln>
+                <a:solidFill>
+                  <a:srgbClr val="000000"/>
+                </a:solidFill>
+                <a:effectLst/>
+                <a:latin typeface="Arial Unicode MS"/>
+                <a:ea typeface="Source Code Pro"/>
+              </a:rPr>
+              <a:t>alert(2)</a:t>
+            </a:r>
+            <a:r>
+              <a:rPr kumimoji="0" lang="zh-CN" altLang="zh-CN" sz="2400" b="0" i="0" u="none" strike="noStrike" cap="none" normalizeH="0" baseline="0" dirty="0">
+                <a:ln>
+                  <a:noFill/>
+                </a:ln>
+                <a:solidFill>
+                  <a:srgbClr val="000000"/>
+                </a:solidFill>
+                <a:effectLst/>
+                <a:latin typeface="Arial Unicode MS"/>
+                <a:ea typeface="Source Code Pro"/>
+              </a:rPr>
+              <a:t>}</a:t>
+            </a:r>
+            <a:endParaRPr kumimoji="0" lang="en-US" altLang="zh-CN" sz="2400" b="0" i="0" u="none" strike="noStrike" cap="none" normalizeH="0" baseline="0" dirty="0">
+              <a:ln>
+                <a:noFill/>
+              </a:ln>
+              <a:solidFill>
+                <a:srgbClr val="000000"/>
+              </a:solidFill>
+              <a:effectLst/>
+              <a:latin typeface="Arial Unicode MS"/>
+              <a:ea typeface="Source Code Pro"/>
+            </a:endParaRPr>
+          </a:p>
+          <a:p>
+            <a:pPr marL="0" marR="0" lvl="0" indent="0" algn="l" defTabSz="914400" rtl="0" eaLnBrk="0" fontAlgn="base" latinLnBrk="0" hangingPunct="0">
+              <a:lnSpc>
+                <a:spcPct val="100000"/>
+              </a:lnSpc>
+              <a:spcBef>
+                <a:spcPct val="0"/>
+              </a:spcBef>
+              <a:spcAft>
+                <a:spcPct val="0"/>
+              </a:spcAft>
+              <a:buClrTx/>
+              <a:buSzTx/>
+              <a:buFontTx/>
+              <a:buNone/>
+              <a:tabLst/>
+            </a:pPr>
+            <a:endParaRPr lang="en-US" altLang="zh-CN" sz="2400" dirty="0">
+              <a:solidFill>
+                <a:srgbClr val="000000"/>
+              </a:solidFill>
+              <a:latin typeface="Arial Unicode MS"/>
+            </a:endParaRPr>
+          </a:p>
+          <a:p>
+            <a:pPr marL="0" marR="0" lvl="0" indent="0" algn="l" defTabSz="914400" rtl="0" eaLnBrk="0" fontAlgn="base" latinLnBrk="0" hangingPunct="0">
+              <a:lnSpc>
+                <a:spcPct val="100000"/>
+              </a:lnSpc>
+              <a:spcBef>
+                <a:spcPct val="0"/>
+              </a:spcBef>
+              <a:spcAft>
+                <a:spcPct val="0"/>
+              </a:spcAft>
+              <a:buClrTx/>
+              <a:buSzTx/>
+              <a:buFontTx/>
+              <a:buNone/>
+              <a:tabLst/>
+            </a:pPr>
+            <a:r>
+              <a:rPr kumimoji="0" lang="en-US" altLang="zh-CN" sz="2400" b="0" i="0" u="none" strike="noStrike" cap="none" normalizeH="0" baseline="0" dirty="0" err="1">
+                <a:ln>
+                  <a:noFill/>
+                </a:ln>
+                <a:solidFill>
+                  <a:srgbClr val="000000"/>
+                </a:solidFill>
+                <a:effectLst/>
+                <a:latin typeface="Arial Unicode MS"/>
+              </a:rPr>
+              <a:t>Fn</a:t>
+            </a:r>
+            <a:r>
+              <a:rPr kumimoji="0" lang="en-US" altLang="zh-CN" sz="2400" b="0" i="0" u="none" strike="noStrike" cap="none" normalizeH="0" baseline="0" dirty="0">
+                <a:ln>
+                  <a:noFill/>
+                </a:ln>
+                <a:solidFill>
+                  <a:srgbClr val="000000"/>
+                </a:solidFill>
+                <a:effectLst/>
+                <a:latin typeface="Arial Unicode MS"/>
+              </a:rPr>
+              <a:t>() </a:t>
+            </a:r>
+            <a:endParaRPr kumimoji="0" lang="zh-CN" altLang="zh-CN" sz="2400" b="0" i="0" u="none" strike="noStrike" cap="none" normalizeH="0" baseline="0" dirty="0">
+              <a:ln>
+                <a:noFill/>
+              </a:ln>
+              <a:solidFill>
+                <a:schemeClr val="tx1"/>
+              </a:solidFill>
+              <a:effectLst/>
+              <a:latin typeface="Arial" panose="020B0604020202020204" pitchFamily="34" charset="0"/>
+            </a:endParaRPr>
+          </a:p>
+        </p:txBody>
+      </p:sp>
+      <p:sp>
+        <p:nvSpPr>
+          <p:cNvPr id="5" name="矩形 4">
+            <a:extLst>
+              <a:ext uri="{FF2B5EF4-FFF2-40B4-BE49-F238E27FC236}">
+                <a16:creationId xmlns:a16="http://schemas.microsoft.com/office/drawing/2014/main" id="{B83E6C86-983C-48F8-8ECB-481F616976B4}"/>
+              </a:ext>
+            </a:extLst>
+          </p:cNvPr>
+          <p:cNvSpPr/>
+          <p:nvPr/>
+        </p:nvSpPr>
+        <p:spPr>
+          <a:xfrm>
+            <a:off x="3297382" y="3583708"/>
+            <a:ext cx="1634836" cy="1422399"/>
+          </a:xfrm>
+          <a:prstGeom prst="rect">
+            <a:avLst/>
+          </a:prstGeom>
+          <a:noFill/>
+        </p:spPr>
+        <p:style>
+          <a:lnRef idx="2">
+            <a:schemeClr val="accent1">
+              <a:shade val="50000"/>
+            </a:schemeClr>
+          </a:lnRef>
+          <a:fillRef idx="1">
+            <a:schemeClr val="accent1"/>
+          </a:fillRef>
+          <a:effectRef idx="0">
+            <a:schemeClr val="accent1"/>
+          </a:effectRef>
+          <a:fontRef idx="minor">
+            <a:schemeClr val="lt1"/>
+          </a:fontRef>
+        </p:style>
+        <p:txBody>
+          <a:bodyPr rtlCol="0" anchor="ctr"/>
+          <a:lstStyle/>
+          <a:p>
+            <a:pPr algn="ctr"/>
+            <a:endParaRPr lang="zh-CN" altLang="en-US"/>
+          </a:p>
+        </p:txBody>
+      </p:sp>
+      <p:sp>
+        <p:nvSpPr>
+          <p:cNvPr id="7" name="文本框 6">
+            <a:extLst>
+              <a:ext uri="{FF2B5EF4-FFF2-40B4-BE49-F238E27FC236}">
+                <a16:creationId xmlns:a16="http://schemas.microsoft.com/office/drawing/2014/main" id="{0A5E5087-82B6-4AEC-A83F-DB93E7D0C05B}"/>
+              </a:ext>
+            </a:extLst>
+          </p:cNvPr>
+          <p:cNvSpPr txBox="1"/>
+          <p:nvPr/>
+        </p:nvSpPr>
+        <p:spPr>
+          <a:xfrm>
+            <a:off x="3389745" y="3796145"/>
+            <a:ext cx="1357746" cy="369332"/>
+          </a:xfrm>
+          <a:prstGeom prst="rect">
+            <a:avLst/>
+          </a:prstGeom>
+          <a:noFill/>
+        </p:spPr>
+        <p:txBody>
+          <a:bodyPr wrap="square" rtlCol="0">
+            <a:spAutoFit/>
+          </a:bodyPr>
+          <a:lstStyle/>
+          <a:p>
+            <a:r>
+              <a:rPr lang="en-US" altLang="zh-CN" dirty="0"/>
+              <a:t>‘Alert(2)’</a:t>
+            </a:r>
+            <a:endParaRPr lang="zh-CN" altLang="en-US" dirty="0"/>
+          </a:p>
+        </p:txBody>
+      </p:sp>
+      <p:sp>
+        <p:nvSpPr>
+          <p:cNvPr id="8" name="文本框 7">
+            <a:extLst>
+              <a:ext uri="{FF2B5EF4-FFF2-40B4-BE49-F238E27FC236}">
+                <a16:creationId xmlns:a16="http://schemas.microsoft.com/office/drawing/2014/main" id="{3ABB3766-3E93-40A3-AA63-C52992546A58}"/>
+              </a:ext>
+            </a:extLst>
+          </p:cNvPr>
+          <p:cNvSpPr txBox="1"/>
+          <p:nvPr/>
+        </p:nvSpPr>
+        <p:spPr>
+          <a:xfrm>
+            <a:off x="3297383" y="544945"/>
+            <a:ext cx="886170" cy="369332"/>
+          </a:xfrm>
+          <a:prstGeom prst="rect">
+            <a:avLst/>
+          </a:prstGeom>
+          <a:noFill/>
+        </p:spPr>
+        <p:txBody>
+          <a:bodyPr wrap="square" rtlCol="0">
+            <a:spAutoFit/>
+          </a:bodyPr>
+          <a:lstStyle/>
+          <a:p>
+            <a:r>
+              <a:rPr lang="en-US" altLang="zh-CN" dirty="0"/>
+              <a:t>aaff11</a:t>
+            </a:r>
+            <a:endParaRPr lang="zh-CN" altLang="en-US" dirty="0"/>
+          </a:p>
+        </p:txBody>
+      </p:sp>
+      <p:sp>
+        <p:nvSpPr>
+          <p:cNvPr id="9" name="文本框 8">
+            <a:extLst>
+              <a:ext uri="{FF2B5EF4-FFF2-40B4-BE49-F238E27FC236}">
+                <a16:creationId xmlns:a16="http://schemas.microsoft.com/office/drawing/2014/main" id="{E86080AF-CA54-4947-B6E4-A1BB6BD4ABB4}"/>
+              </a:ext>
+            </a:extLst>
+          </p:cNvPr>
+          <p:cNvSpPr txBox="1"/>
+          <p:nvPr/>
+        </p:nvSpPr>
+        <p:spPr>
+          <a:xfrm>
+            <a:off x="3297382" y="3244334"/>
+            <a:ext cx="793807" cy="369332"/>
+          </a:xfrm>
+          <a:prstGeom prst="rect">
+            <a:avLst/>
+          </a:prstGeom>
+          <a:noFill/>
+        </p:spPr>
+        <p:txBody>
+          <a:bodyPr wrap="none" rtlCol="0">
+            <a:spAutoFit/>
+          </a:bodyPr>
+          <a:lstStyle/>
+          <a:p>
+            <a:r>
+              <a:rPr lang="en-US" altLang="zh-CN" dirty="0"/>
+              <a:t>aaff22</a:t>
+            </a:r>
+            <a:endParaRPr lang="zh-CN" altLang="en-US" dirty="0"/>
+          </a:p>
+        </p:txBody>
+      </p:sp>
+      <p:cxnSp>
+        <p:nvCxnSpPr>
+          <p:cNvPr id="11" name="直接箭头连接符 10">
+            <a:extLst>
+              <a:ext uri="{FF2B5EF4-FFF2-40B4-BE49-F238E27FC236}">
+                <a16:creationId xmlns:a16="http://schemas.microsoft.com/office/drawing/2014/main" id="{89FF866A-9765-40F4-BDC3-5D101202DE95}"/>
+              </a:ext>
+            </a:extLst>
+          </p:cNvPr>
+          <p:cNvCxnSpPr>
+            <a:stCxn id="9" idx="1"/>
+          </p:cNvCxnSpPr>
+          <p:nvPr/>
+        </p:nvCxnSpPr>
+        <p:spPr>
+          <a:xfrm flipH="1" flipV="1">
+            <a:off x="1311564" y="2244436"/>
+            <a:ext cx="1985818" cy="1184564"/>
+          </a:xfrm>
+          <a:prstGeom prst="straightConnector1">
+            <a:avLst/>
+          </a:prstGeom>
+          <a:ln>
+            <a:tailEnd type="triangle"/>
+          </a:ln>
+        </p:spPr>
+        <p:style>
+          <a:lnRef idx="1">
+            <a:schemeClr val="accent1"/>
+          </a:lnRef>
+          <a:fillRef idx="0">
+            <a:schemeClr val="accent1"/>
+          </a:fillRef>
+          <a:effectRef idx="0">
+            <a:schemeClr val="accent1"/>
+          </a:effectRef>
+          <a:fontRef idx="minor">
+            <a:schemeClr val="tx1"/>
+          </a:fontRef>
+        </p:style>
+      </p:cxnSp>
+      <p:cxnSp>
+        <p:nvCxnSpPr>
+          <p:cNvPr id="13" name="直接箭头连接符 12">
+            <a:extLst>
+              <a:ext uri="{FF2B5EF4-FFF2-40B4-BE49-F238E27FC236}">
+                <a16:creationId xmlns:a16="http://schemas.microsoft.com/office/drawing/2014/main" id="{4CEFFE1A-0A39-4ED4-BE41-D13EC43DDC9E}"/>
+              </a:ext>
+            </a:extLst>
+          </p:cNvPr>
+          <p:cNvCxnSpPr>
+            <a:stCxn id="8" idx="1"/>
+          </p:cNvCxnSpPr>
+          <p:nvPr/>
+        </p:nvCxnSpPr>
+        <p:spPr>
+          <a:xfrm flipH="1">
+            <a:off x="1468582" y="729611"/>
+            <a:ext cx="1828801" cy="711262"/>
+          </a:xfrm>
+          <a:prstGeom prst="straightConnector1">
+            <a:avLst/>
+          </a:prstGeom>
+          <a:ln w="38100">
+            <a:tailEnd type="triangle"/>
+          </a:ln>
+        </p:spPr>
+        <p:style>
+          <a:lnRef idx="1">
+            <a:schemeClr val="accent1"/>
+          </a:lnRef>
+          <a:fillRef idx="0">
+            <a:schemeClr val="accent1"/>
+          </a:fillRef>
+          <a:effectRef idx="0">
+            <a:schemeClr val="accent1"/>
+          </a:effectRef>
+          <a:fontRef idx="minor">
+            <a:schemeClr val="tx1"/>
+          </a:fontRef>
+        </p:style>
+      </p:cxnSp>
+      <p:sp>
+        <p:nvSpPr>
+          <p:cNvPr id="14" name="矩形: 圆角 13">
+            <a:extLst>
+              <a:ext uri="{FF2B5EF4-FFF2-40B4-BE49-F238E27FC236}">
+                <a16:creationId xmlns:a16="http://schemas.microsoft.com/office/drawing/2014/main" id="{176CAE4C-1185-4D3A-9EB2-1D6D05BC58B1}"/>
+              </a:ext>
+            </a:extLst>
+          </p:cNvPr>
+          <p:cNvSpPr/>
+          <p:nvPr/>
+        </p:nvSpPr>
+        <p:spPr>
+          <a:xfrm>
+            <a:off x="5486400" y="3583708"/>
+            <a:ext cx="1634836" cy="1422399"/>
+          </a:xfrm>
+          <a:prstGeom prst="roundRect">
+            <a:avLst/>
+          </a:prstGeom>
+          <a:noFill/>
+        </p:spPr>
+        <p:style>
+          <a:lnRef idx="2">
+            <a:schemeClr val="accent1">
+              <a:shade val="50000"/>
+            </a:schemeClr>
+          </a:lnRef>
+          <a:fillRef idx="1">
+            <a:schemeClr val="accent1"/>
+          </a:fillRef>
+          <a:effectRef idx="0">
+            <a:schemeClr val="accent1"/>
+          </a:effectRef>
+          <a:fontRef idx="minor">
+            <a:schemeClr val="lt1"/>
+          </a:fontRef>
+        </p:style>
+        <p:txBody>
+          <a:bodyPr rtlCol="0" anchor="ctr"/>
+          <a:lstStyle/>
+          <a:p>
+            <a:pPr algn="ctr"/>
+            <a:endParaRPr lang="zh-CN" altLang="en-US"/>
+          </a:p>
+        </p:txBody>
+      </p:sp>
+      <p:sp>
+        <p:nvSpPr>
+          <p:cNvPr id="15" name="文本框 14">
+            <a:extLst>
+              <a:ext uri="{FF2B5EF4-FFF2-40B4-BE49-F238E27FC236}">
+                <a16:creationId xmlns:a16="http://schemas.microsoft.com/office/drawing/2014/main" id="{18022891-6265-45D5-BEE0-26E5521DF75B}"/>
+              </a:ext>
+            </a:extLst>
+          </p:cNvPr>
+          <p:cNvSpPr txBox="1"/>
+          <p:nvPr/>
+        </p:nvSpPr>
+        <p:spPr>
+          <a:xfrm>
+            <a:off x="5620587" y="3061855"/>
+            <a:ext cx="960519" cy="369332"/>
+          </a:xfrm>
+          <a:prstGeom prst="rect">
+            <a:avLst/>
+          </a:prstGeom>
+          <a:noFill/>
+        </p:spPr>
+        <p:txBody>
+          <a:bodyPr wrap="none" rtlCol="0">
+            <a:spAutoFit/>
+          </a:bodyPr>
+          <a:lstStyle/>
+          <a:p>
+            <a:r>
+              <a:rPr lang="en-US" altLang="zh-CN" dirty="0"/>
+              <a:t>Aaff22()</a:t>
+            </a:r>
+            <a:endParaRPr lang="zh-CN" altLang="en-US" dirty="0"/>
+          </a:p>
+        </p:txBody>
+      </p:sp>
+      <p:sp>
+        <p:nvSpPr>
+          <p:cNvPr id="16" name="文本框 15">
+            <a:extLst>
+              <a:ext uri="{FF2B5EF4-FFF2-40B4-BE49-F238E27FC236}">
+                <a16:creationId xmlns:a16="http://schemas.microsoft.com/office/drawing/2014/main" id="{34147EA1-F5BC-4EA8-A074-A9FBEFF5BCE9}"/>
+              </a:ext>
+            </a:extLst>
+          </p:cNvPr>
+          <p:cNvSpPr txBox="1"/>
+          <p:nvPr/>
+        </p:nvSpPr>
+        <p:spPr>
+          <a:xfrm>
+            <a:off x="5624945" y="3801947"/>
+            <a:ext cx="1357746" cy="369332"/>
+          </a:xfrm>
+          <a:prstGeom prst="rect">
+            <a:avLst/>
+          </a:prstGeom>
+          <a:noFill/>
+        </p:spPr>
+        <p:txBody>
+          <a:bodyPr wrap="square" rtlCol="0">
+            <a:spAutoFit/>
+          </a:bodyPr>
+          <a:lstStyle/>
+          <a:p>
+            <a:r>
+              <a:rPr lang="en-US" altLang="zh-CN" dirty="0"/>
+              <a:t>Alert(2)</a:t>
+            </a:r>
+            <a:endParaRPr lang="zh-CN" altLang="en-US" dirty="0"/>
+          </a:p>
+        </p:txBody>
+      </p:sp>
+      <p:sp>
+        <p:nvSpPr>
+          <p:cNvPr id="17" name="文本框 16">
+            <a:extLst>
+              <a:ext uri="{FF2B5EF4-FFF2-40B4-BE49-F238E27FC236}">
+                <a16:creationId xmlns:a16="http://schemas.microsoft.com/office/drawing/2014/main" id="{1541007D-BAFA-42B4-804A-8A532192BC6F}"/>
+              </a:ext>
+            </a:extLst>
+          </p:cNvPr>
+          <p:cNvSpPr txBox="1"/>
+          <p:nvPr/>
+        </p:nvSpPr>
+        <p:spPr>
+          <a:xfrm>
+            <a:off x="7259781" y="3694742"/>
+            <a:ext cx="2890982" cy="1200329"/>
+          </a:xfrm>
+          <a:prstGeom prst="rect">
+            <a:avLst/>
+          </a:prstGeom>
+          <a:noFill/>
+        </p:spPr>
+        <p:txBody>
+          <a:bodyPr wrap="square" rtlCol="0">
+            <a:spAutoFit/>
+          </a:bodyPr>
+          <a:lstStyle/>
+          <a:p>
+            <a:r>
+              <a:rPr lang="zh-CN" altLang="en-US" dirty="0"/>
+              <a:t>函数执行，将堆内存变成栈内存，将代码字符串变成</a:t>
+            </a:r>
+            <a:r>
+              <a:rPr lang="en-US" altLang="zh-CN" dirty="0" err="1"/>
+              <a:t>js</a:t>
+            </a:r>
+            <a:r>
+              <a:rPr lang="zh-CN" altLang="en-US" dirty="0"/>
+              <a:t>代码进行执行，遵循函数执行的步骤</a:t>
+            </a:r>
+          </a:p>
+        </p:txBody>
+      </p:sp>
     </p:spTree>
     <p:extLst>
       <p:ext uri="{BB962C8B-B14F-4D97-AF65-F5344CB8AC3E}">

--- a/week1/week1.pptx
+++ b/week1/week1.pptx
@@ -20,6 +20,8 @@
     <p:sldId id="269" r:id="rId14"/>
     <p:sldId id="270" r:id="rId15"/>
     <p:sldId id="266" r:id="rId16"/>
+    <p:sldId id="271" r:id="rId17"/>
+    <p:sldId id="272" r:id="rId18"/>
   </p:sldIdLst>
   <p:sldSz cx="12192000" cy="6858000"/>
   <p:notesSz cx="6858000" cy="9144000"/>
@@ -119,6 +121,35 @@
     </a:lvl9pPr>
   </p:defaultTextStyle>
   <p:extLst>
+    <p:ext uri="{521415D9-36F7-43E2-AB2F-B90AF26B5E84}">
+      <p14:sectionLst xmlns:p14="http://schemas.microsoft.com/office/powerpoint/2010/main">
+        <p14:section name="默认节" id="{AEA72F33-B1DF-4746-99BE-389DB5242927}">
+          <p14:sldIdLst>
+            <p14:sldId id="256"/>
+            <p14:sldId id="257"/>
+            <p14:sldId id="258"/>
+            <p14:sldId id="259"/>
+            <p14:sldId id="260"/>
+            <p14:sldId id="261"/>
+            <p14:sldId id="262"/>
+            <p14:sldId id="263"/>
+            <p14:sldId id="264"/>
+            <p14:sldId id="265"/>
+            <p14:sldId id="267"/>
+            <p14:sldId id="268"/>
+            <p14:sldId id="269"/>
+            <p14:sldId id="270"/>
+            <p14:sldId id="266"/>
+          </p14:sldIdLst>
+        </p14:section>
+        <p14:section name="周末" id="{D80C7592-29E6-4234-9FFD-A2D004A94913}">
+          <p14:sldIdLst>
+            <p14:sldId id="271"/>
+            <p14:sldId id="272"/>
+          </p14:sldIdLst>
+        </p14:section>
+      </p14:sectionLst>
+    </p:ext>
     <p:ext uri="{EFAFB233-063F-42B5-8137-9DF3F51BA10A}">
       <p15:sldGuideLst xmlns:p15="http://schemas.microsoft.com/office/powerpoint/2012/main"/>
     </p:ext>
@@ -285,7 +316,7 @@
           <a:p>
             <a:fld id="{49287F71-FD0A-4C21-A32B-CDFBC9274764}" type="datetimeFigureOut">
               <a:rPr lang="zh-CN" altLang="en-US" smtClean="0"/>
-              <a:t>2018/6/13</a:t>
+              <a:t>2018/6/17</a:t>
             </a:fld>
             <a:endParaRPr lang="zh-CN" altLang="en-US"/>
           </a:p>
@@ -483,7 +514,7 @@
           <a:p>
             <a:fld id="{49287F71-FD0A-4C21-A32B-CDFBC9274764}" type="datetimeFigureOut">
               <a:rPr lang="zh-CN" altLang="en-US" smtClean="0"/>
-              <a:t>2018/6/13</a:t>
+              <a:t>2018/6/17</a:t>
             </a:fld>
             <a:endParaRPr lang="zh-CN" altLang="en-US"/>
           </a:p>
@@ -691,7 +722,7 @@
           <a:p>
             <a:fld id="{49287F71-FD0A-4C21-A32B-CDFBC9274764}" type="datetimeFigureOut">
               <a:rPr lang="zh-CN" altLang="en-US" smtClean="0"/>
-              <a:t>2018/6/13</a:t>
+              <a:t>2018/6/17</a:t>
             </a:fld>
             <a:endParaRPr lang="zh-CN" altLang="en-US"/>
           </a:p>
@@ -889,7 +920,7 @@
           <a:p>
             <a:fld id="{49287F71-FD0A-4C21-A32B-CDFBC9274764}" type="datetimeFigureOut">
               <a:rPr lang="zh-CN" altLang="en-US" smtClean="0"/>
-              <a:t>2018/6/13</a:t>
+              <a:t>2018/6/17</a:t>
             </a:fld>
             <a:endParaRPr lang="zh-CN" altLang="en-US"/>
           </a:p>
@@ -1164,7 +1195,7 @@
           <a:p>
             <a:fld id="{49287F71-FD0A-4C21-A32B-CDFBC9274764}" type="datetimeFigureOut">
               <a:rPr lang="zh-CN" altLang="en-US" smtClean="0"/>
-              <a:t>2018/6/13</a:t>
+              <a:t>2018/6/17</a:t>
             </a:fld>
             <a:endParaRPr lang="zh-CN" altLang="en-US"/>
           </a:p>
@@ -1429,7 +1460,7 @@
           <a:p>
             <a:fld id="{49287F71-FD0A-4C21-A32B-CDFBC9274764}" type="datetimeFigureOut">
               <a:rPr lang="zh-CN" altLang="en-US" smtClean="0"/>
-              <a:t>2018/6/13</a:t>
+              <a:t>2018/6/17</a:t>
             </a:fld>
             <a:endParaRPr lang="zh-CN" altLang="en-US"/>
           </a:p>
@@ -1841,7 +1872,7 @@
           <a:p>
             <a:fld id="{49287F71-FD0A-4C21-A32B-CDFBC9274764}" type="datetimeFigureOut">
               <a:rPr lang="zh-CN" altLang="en-US" smtClean="0"/>
-              <a:t>2018/6/13</a:t>
+              <a:t>2018/6/17</a:t>
             </a:fld>
             <a:endParaRPr lang="zh-CN" altLang="en-US"/>
           </a:p>
@@ -1982,7 +2013,7 @@
           <a:p>
             <a:fld id="{49287F71-FD0A-4C21-A32B-CDFBC9274764}" type="datetimeFigureOut">
               <a:rPr lang="zh-CN" altLang="en-US" smtClean="0"/>
-              <a:t>2018/6/13</a:t>
+              <a:t>2018/6/17</a:t>
             </a:fld>
             <a:endParaRPr lang="zh-CN" altLang="en-US"/>
           </a:p>
@@ -2095,7 +2126,7 @@
           <a:p>
             <a:fld id="{49287F71-FD0A-4C21-A32B-CDFBC9274764}" type="datetimeFigureOut">
               <a:rPr lang="zh-CN" altLang="en-US" smtClean="0"/>
-              <a:t>2018/6/13</a:t>
+              <a:t>2018/6/17</a:t>
             </a:fld>
             <a:endParaRPr lang="zh-CN" altLang="en-US"/>
           </a:p>
@@ -2406,7 +2437,7 @@
           <a:p>
             <a:fld id="{49287F71-FD0A-4C21-A32B-CDFBC9274764}" type="datetimeFigureOut">
               <a:rPr lang="zh-CN" altLang="en-US" smtClean="0"/>
-              <a:t>2018/6/13</a:t>
+              <a:t>2018/6/17</a:t>
             </a:fld>
             <a:endParaRPr lang="zh-CN" altLang="en-US"/>
           </a:p>
@@ -2694,7 +2725,7 @@
           <a:p>
             <a:fld id="{49287F71-FD0A-4C21-A32B-CDFBC9274764}" type="datetimeFigureOut">
               <a:rPr lang="zh-CN" altLang="en-US" smtClean="0"/>
-              <a:t>2018/6/13</a:t>
+              <a:t>2018/6/17</a:t>
             </a:fld>
             <a:endParaRPr lang="zh-CN" altLang="en-US"/>
           </a:p>
@@ -2935,7 +2966,7 @@
           <a:p>
             <a:fld id="{49287F71-FD0A-4C21-A32B-CDFBC9274764}" type="datetimeFigureOut">
               <a:rPr lang="zh-CN" altLang="en-US" smtClean="0"/>
-              <a:t>2018/6/13</a:t>
+              <a:t>2018/6/17</a:t>
             </a:fld>
             <a:endParaRPr lang="zh-CN" altLang="en-US"/>
           </a:p>
@@ -11237,6 +11268,2585 @@
 </p:sld>
 </file>
 
+<file path=ppt/slides/slide16.xml><?xml version="1.0" encoding="utf-8"?>
+<p:sld xmlns:a="http://schemas.openxmlformats.org/drawingml/2006/main" xmlns:r="http://schemas.openxmlformats.org/officeDocument/2006/relationships" xmlns:p="http://schemas.openxmlformats.org/presentationml/2006/main">
+  <p:cSld>
+    <p:spTree>
+      <p:nvGrpSpPr>
+        <p:cNvPr id="1" name=""/>
+        <p:cNvGrpSpPr/>
+        <p:nvPr/>
+      </p:nvGrpSpPr>
+      <p:grpSpPr>
+        <a:xfrm>
+          <a:off x="0" y="0"/>
+          <a:ext cx="0" cy="0"/>
+          <a:chOff x="0" y="0"/>
+          <a:chExt cx="0" cy="0"/>
+        </a:xfrm>
+      </p:grpSpPr>
+      <p:sp>
+        <p:nvSpPr>
+          <p:cNvPr id="2" name="左大括号 1">
+            <a:extLst>
+              <a:ext uri="{FF2B5EF4-FFF2-40B4-BE49-F238E27FC236}">
+                <a16:creationId xmlns:a16="http://schemas.microsoft.com/office/drawing/2014/main" id="{43D1FE28-C13B-4F13-8F63-895A6E7D1118}"/>
+              </a:ext>
+            </a:extLst>
+          </p:cNvPr>
+          <p:cNvSpPr/>
+          <p:nvPr/>
+        </p:nvSpPr>
+        <p:spPr>
+          <a:xfrm rot="5400000">
+            <a:off x="5463136" y="-3879255"/>
+            <a:ext cx="411364" cy="10109204"/>
+          </a:xfrm>
+          <a:prstGeom prst="leftBrace">
+            <a:avLst/>
+          </a:prstGeom>
+        </p:spPr>
+        <p:style>
+          <a:lnRef idx="1">
+            <a:schemeClr val="accent1"/>
+          </a:lnRef>
+          <a:fillRef idx="0">
+            <a:schemeClr val="accent1"/>
+          </a:fillRef>
+          <a:effectRef idx="0">
+            <a:schemeClr val="accent1"/>
+          </a:effectRef>
+          <a:fontRef idx="minor">
+            <a:schemeClr val="tx1"/>
+          </a:fontRef>
+        </p:style>
+        <p:txBody>
+          <a:bodyPr rtlCol="0" anchor="ctr"/>
+          <a:lstStyle/>
+          <a:p>
+            <a:pPr algn="ctr"/>
+            <a:endParaRPr lang="zh-CN" altLang="en-US"/>
+          </a:p>
+        </p:txBody>
+      </p:sp>
+      <p:sp>
+        <p:nvSpPr>
+          <p:cNvPr id="3" name="文本框 2">
+            <a:extLst>
+              <a:ext uri="{FF2B5EF4-FFF2-40B4-BE49-F238E27FC236}">
+                <a16:creationId xmlns:a16="http://schemas.microsoft.com/office/drawing/2014/main" id="{11CE4E33-884F-43DA-A840-3A5E37230FBF}"/>
+              </a:ext>
+            </a:extLst>
+          </p:cNvPr>
+          <p:cNvSpPr txBox="1"/>
+          <p:nvPr/>
+        </p:nvSpPr>
+        <p:spPr>
+          <a:xfrm>
+            <a:off x="5121564" y="461820"/>
+            <a:ext cx="1597891" cy="461665"/>
+          </a:xfrm>
+          <a:prstGeom prst="rect">
+            <a:avLst/>
+          </a:prstGeom>
+          <a:noFill/>
+        </p:spPr>
+        <p:txBody>
+          <a:bodyPr wrap="square" rtlCol="0">
+            <a:spAutoFit/>
+          </a:bodyPr>
+          <a:lstStyle/>
+          <a:p>
+            <a:r>
+              <a:rPr lang="en-US" altLang="zh-CN" sz="2400" b="1" dirty="0"/>
+              <a:t>Object</a:t>
+            </a:r>
+            <a:endParaRPr lang="zh-CN" altLang="en-US" sz="2400" b="1" dirty="0"/>
+          </a:p>
+        </p:txBody>
+      </p:sp>
+      <p:sp>
+        <p:nvSpPr>
+          <p:cNvPr id="4" name="文本框 3">
+            <a:extLst>
+              <a:ext uri="{FF2B5EF4-FFF2-40B4-BE49-F238E27FC236}">
+                <a16:creationId xmlns:a16="http://schemas.microsoft.com/office/drawing/2014/main" id="{F6642457-12B0-4C87-899B-FC495033B819}"/>
+              </a:ext>
+            </a:extLst>
+          </p:cNvPr>
+          <p:cNvSpPr txBox="1"/>
+          <p:nvPr/>
+        </p:nvSpPr>
+        <p:spPr>
+          <a:xfrm>
+            <a:off x="360218" y="1597891"/>
+            <a:ext cx="3371273" cy="923330"/>
+          </a:xfrm>
+          <a:prstGeom prst="rect">
+            <a:avLst/>
+          </a:prstGeom>
+          <a:noFill/>
+        </p:spPr>
+        <p:txBody>
+          <a:bodyPr wrap="square" rtlCol="0">
+            <a:spAutoFit/>
+          </a:bodyPr>
+          <a:lstStyle/>
+          <a:p>
+            <a:r>
+              <a:rPr lang="en-US" altLang="zh-CN" dirty="0"/>
+              <a:t>Number String Boolean Object</a:t>
+            </a:r>
+          </a:p>
+          <a:p>
+            <a:r>
+              <a:rPr lang="en-US" altLang="zh-CN" dirty="0"/>
+              <a:t>Array </a:t>
+            </a:r>
+            <a:r>
+              <a:rPr lang="en-US" altLang="zh-CN" dirty="0" err="1"/>
+              <a:t>RegExp</a:t>
+            </a:r>
+            <a:r>
+              <a:rPr lang="en-US" altLang="zh-CN" dirty="0"/>
+              <a:t> Function Date </a:t>
+            </a:r>
+          </a:p>
+          <a:p>
+            <a:r>
+              <a:rPr lang="en-US" altLang="zh-CN" dirty="0"/>
+              <a:t>Set Map</a:t>
+            </a:r>
+            <a:endParaRPr lang="zh-CN" altLang="en-US" dirty="0"/>
+          </a:p>
+        </p:txBody>
+      </p:sp>
+      <p:sp>
+        <p:nvSpPr>
+          <p:cNvPr id="5" name="文本框 4">
+            <a:extLst>
+              <a:ext uri="{FF2B5EF4-FFF2-40B4-BE49-F238E27FC236}">
+                <a16:creationId xmlns:a16="http://schemas.microsoft.com/office/drawing/2014/main" id="{1DA2E18C-FFBB-4C2A-94F7-B7369A95441B}"/>
+              </a:ext>
+            </a:extLst>
+          </p:cNvPr>
+          <p:cNvSpPr txBox="1"/>
+          <p:nvPr/>
+        </p:nvSpPr>
+        <p:spPr>
+          <a:xfrm>
+            <a:off x="3870036" y="1597891"/>
+            <a:ext cx="1754909" cy="369332"/>
+          </a:xfrm>
+          <a:prstGeom prst="rect">
+            <a:avLst/>
+          </a:prstGeom>
+          <a:noFill/>
+        </p:spPr>
+        <p:txBody>
+          <a:bodyPr wrap="square" rtlCol="0">
+            <a:spAutoFit/>
+          </a:bodyPr>
+          <a:lstStyle/>
+          <a:p>
+            <a:r>
+              <a:rPr lang="en-US" altLang="zh-CN" dirty="0" err="1"/>
+              <a:t>HTMLCollection</a:t>
+            </a:r>
+            <a:endParaRPr lang="zh-CN" altLang="en-US" dirty="0"/>
+          </a:p>
+        </p:txBody>
+      </p:sp>
+      <p:sp>
+        <p:nvSpPr>
+          <p:cNvPr id="6" name="文本框 5">
+            <a:extLst>
+              <a:ext uri="{FF2B5EF4-FFF2-40B4-BE49-F238E27FC236}">
+                <a16:creationId xmlns:a16="http://schemas.microsoft.com/office/drawing/2014/main" id="{1C33B61B-52AD-4318-A687-3A299408DDAA}"/>
+              </a:ext>
+            </a:extLst>
+          </p:cNvPr>
+          <p:cNvSpPr txBox="1"/>
+          <p:nvPr/>
+        </p:nvSpPr>
+        <p:spPr>
+          <a:xfrm>
+            <a:off x="3971636" y="2142836"/>
+            <a:ext cx="2747819" cy="369332"/>
+          </a:xfrm>
+          <a:prstGeom prst="rect">
+            <a:avLst/>
+          </a:prstGeom>
+          <a:noFill/>
+        </p:spPr>
+        <p:txBody>
+          <a:bodyPr wrap="square" rtlCol="0">
+            <a:spAutoFit/>
+          </a:bodyPr>
+          <a:lstStyle/>
+          <a:p>
+            <a:r>
+              <a:rPr lang="zh-CN" altLang="en-US" dirty="0"/>
+              <a:t>元素集合</a:t>
+            </a:r>
+          </a:p>
+        </p:txBody>
+      </p:sp>
+      <p:sp>
+        <p:nvSpPr>
+          <p:cNvPr id="7" name="文本框 6">
+            <a:extLst>
+              <a:ext uri="{FF2B5EF4-FFF2-40B4-BE49-F238E27FC236}">
+                <a16:creationId xmlns:a16="http://schemas.microsoft.com/office/drawing/2014/main" id="{C5B4F065-B418-44F7-9A12-ABAA934B0F11}"/>
+              </a:ext>
+            </a:extLst>
+          </p:cNvPr>
+          <p:cNvSpPr txBox="1"/>
+          <p:nvPr/>
+        </p:nvSpPr>
+        <p:spPr>
+          <a:xfrm>
+            <a:off x="6142183" y="4405310"/>
+            <a:ext cx="3371273" cy="369332"/>
+          </a:xfrm>
+          <a:prstGeom prst="rect">
+            <a:avLst/>
+          </a:prstGeom>
+          <a:noFill/>
+        </p:spPr>
+        <p:txBody>
+          <a:bodyPr wrap="square" rtlCol="0">
+            <a:spAutoFit/>
+          </a:bodyPr>
+          <a:lstStyle/>
+          <a:p>
+            <a:r>
+              <a:rPr lang="en-US" altLang="zh-CN" dirty="0" err="1"/>
+              <a:t>HTMLDivElement</a:t>
+            </a:r>
+            <a:endParaRPr lang="zh-CN" altLang="en-US" dirty="0"/>
+          </a:p>
+        </p:txBody>
+      </p:sp>
+      <p:sp>
+        <p:nvSpPr>
+          <p:cNvPr id="8" name="文本框 7">
+            <a:extLst>
+              <a:ext uri="{FF2B5EF4-FFF2-40B4-BE49-F238E27FC236}">
+                <a16:creationId xmlns:a16="http://schemas.microsoft.com/office/drawing/2014/main" id="{8DD2E84C-7CD0-495D-8402-E58BA80678FA}"/>
+              </a:ext>
+            </a:extLst>
+          </p:cNvPr>
+          <p:cNvSpPr txBox="1"/>
+          <p:nvPr/>
+        </p:nvSpPr>
+        <p:spPr>
+          <a:xfrm>
+            <a:off x="6142183" y="4816674"/>
+            <a:ext cx="3371273" cy="369332"/>
+          </a:xfrm>
+          <a:prstGeom prst="rect">
+            <a:avLst/>
+          </a:prstGeom>
+          <a:noFill/>
+        </p:spPr>
+        <p:txBody>
+          <a:bodyPr wrap="square" rtlCol="0">
+            <a:spAutoFit/>
+          </a:bodyPr>
+          <a:lstStyle/>
+          <a:p>
+            <a:r>
+              <a:rPr lang="zh-CN" altLang="en-US" dirty="0"/>
+              <a:t>每一个标签都有它所属的类</a:t>
+            </a:r>
+          </a:p>
+        </p:txBody>
+      </p:sp>
+      <p:sp>
+        <p:nvSpPr>
+          <p:cNvPr id="9" name="左大括号 8">
+            <a:extLst>
+              <a:ext uri="{FF2B5EF4-FFF2-40B4-BE49-F238E27FC236}">
+                <a16:creationId xmlns:a16="http://schemas.microsoft.com/office/drawing/2014/main" id="{05A17729-C8D1-4F49-91E9-6D71D324D076}"/>
+              </a:ext>
+            </a:extLst>
+          </p:cNvPr>
+          <p:cNvSpPr/>
+          <p:nvPr/>
+        </p:nvSpPr>
+        <p:spPr>
+          <a:xfrm rot="5400000">
+            <a:off x="7819739" y="3416272"/>
+            <a:ext cx="263237" cy="1604821"/>
+          </a:xfrm>
+          <a:prstGeom prst="leftBrace">
+            <a:avLst/>
+          </a:prstGeom>
+        </p:spPr>
+        <p:style>
+          <a:lnRef idx="1">
+            <a:schemeClr val="accent1"/>
+          </a:lnRef>
+          <a:fillRef idx="0">
+            <a:schemeClr val="accent1"/>
+          </a:fillRef>
+          <a:effectRef idx="0">
+            <a:schemeClr val="accent1"/>
+          </a:effectRef>
+          <a:fontRef idx="minor">
+            <a:schemeClr val="tx1"/>
+          </a:fontRef>
+        </p:style>
+        <p:txBody>
+          <a:bodyPr rtlCol="0" anchor="ctr"/>
+          <a:lstStyle/>
+          <a:p>
+            <a:pPr algn="ctr"/>
+            <a:endParaRPr lang="zh-CN" altLang="en-US"/>
+          </a:p>
+        </p:txBody>
+      </p:sp>
+      <p:sp>
+        <p:nvSpPr>
+          <p:cNvPr id="10" name="文本框 9">
+            <a:extLst>
+              <a:ext uri="{FF2B5EF4-FFF2-40B4-BE49-F238E27FC236}">
+                <a16:creationId xmlns:a16="http://schemas.microsoft.com/office/drawing/2014/main" id="{EF4819D9-4C36-407D-A5CE-800065A5B410}"/>
+              </a:ext>
+            </a:extLst>
+          </p:cNvPr>
+          <p:cNvSpPr txBox="1"/>
+          <p:nvPr/>
+        </p:nvSpPr>
+        <p:spPr>
+          <a:xfrm>
+            <a:off x="7287493" y="3634450"/>
+            <a:ext cx="3371273" cy="369332"/>
+          </a:xfrm>
+          <a:prstGeom prst="rect">
+            <a:avLst/>
+          </a:prstGeom>
+          <a:noFill/>
+        </p:spPr>
+        <p:txBody>
+          <a:bodyPr wrap="square" rtlCol="0">
+            <a:spAutoFit/>
+          </a:bodyPr>
+          <a:lstStyle/>
+          <a:p>
+            <a:r>
+              <a:rPr lang="en-US" altLang="zh-CN" dirty="0" err="1"/>
+              <a:t>HTMLElement</a:t>
+            </a:r>
+            <a:endParaRPr lang="zh-CN" altLang="en-US" dirty="0"/>
+          </a:p>
+        </p:txBody>
+      </p:sp>
+      <p:sp>
+        <p:nvSpPr>
+          <p:cNvPr id="11" name="左大括号 10">
+            <a:extLst>
+              <a:ext uri="{FF2B5EF4-FFF2-40B4-BE49-F238E27FC236}">
+                <a16:creationId xmlns:a16="http://schemas.microsoft.com/office/drawing/2014/main" id="{04E0CC89-67D2-4E6F-9D41-67854DF3F592}"/>
+              </a:ext>
+            </a:extLst>
+          </p:cNvPr>
+          <p:cNvSpPr/>
+          <p:nvPr/>
+        </p:nvSpPr>
+        <p:spPr>
+          <a:xfrm rot="5400000">
+            <a:off x="8697193" y="2645188"/>
+            <a:ext cx="263237" cy="1604821"/>
+          </a:xfrm>
+          <a:prstGeom prst="leftBrace">
+            <a:avLst/>
+          </a:prstGeom>
+        </p:spPr>
+        <p:style>
+          <a:lnRef idx="1">
+            <a:schemeClr val="accent1"/>
+          </a:lnRef>
+          <a:fillRef idx="0">
+            <a:schemeClr val="accent1"/>
+          </a:fillRef>
+          <a:effectRef idx="0">
+            <a:schemeClr val="accent1"/>
+          </a:effectRef>
+          <a:fontRef idx="minor">
+            <a:schemeClr val="tx1"/>
+          </a:fontRef>
+        </p:style>
+        <p:txBody>
+          <a:bodyPr rtlCol="0" anchor="ctr"/>
+          <a:lstStyle/>
+          <a:p>
+            <a:pPr algn="ctr"/>
+            <a:endParaRPr lang="zh-CN" altLang="en-US"/>
+          </a:p>
+        </p:txBody>
+      </p:sp>
+      <p:sp>
+        <p:nvSpPr>
+          <p:cNvPr id="12" name="文本框 11">
+            <a:extLst>
+              <a:ext uri="{FF2B5EF4-FFF2-40B4-BE49-F238E27FC236}">
+                <a16:creationId xmlns:a16="http://schemas.microsoft.com/office/drawing/2014/main" id="{432C2EF3-50FD-4792-B691-A71680C86438}"/>
+              </a:ext>
+            </a:extLst>
+          </p:cNvPr>
+          <p:cNvSpPr txBox="1"/>
+          <p:nvPr/>
+        </p:nvSpPr>
+        <p:spPr>
+          <a:xfrm>
+            <a:off x="8460511" y="2821558"/>
+            <a:ext cx="1052946" cy="369332"/>
+          </a:xfrm>
+          <a:prstGeom prst="rect">
+            <a:avLst/>
+          </a:prstGeom>
+          <a:noFill/>
+        </p:spPr>
+        <p:txBody>
+          <a:bodyPr wrap="square" rtlCol="0">
+            <a:spAutoFit/>
+          </a:bodyPr>
+          <a:lstStyle/>
+          <a:p>
+            <a:r>
+              <a:rPr lang="en-US" altLang="zh-CN" dirty="0"/>
+              <a:t>Element</a:t>
+            </a:r>
+            <a:endParaRPr lang="zh-CN" altLang="en-US" dirty="0"/>
+          </a:p>
+        </p:txBody>
+      </p:sp>
+      <p:sp>
+        <p:nvSpPr>
+          <p:cNvPr id="13" name="左大括号 12">
+            <a:extLst>
+              <a:ext uri="{FF2B5EF4-FFF2-40B4-BE49-F238E27FC236}">
+                <a16:creationId xmlns:a16="http://schemas.microsoft.com/office/drawing/2014/main" id="{881F230D-742E-4552-A4F3-FDA7EF166DCF}"/>
+              </a:ext>
+            </a:extLst>
+          </p:cNvPr>
+          <p:cNvSpPr/>
+          <p:nvPr/>
+        </p:nvSpPr>
+        <p:spPr>
+          <a:xfrm rot="5400000">
+            <a:off x="9499603" y="1887529"/>
+            <a:ext cx="263237" cy="1604821"/>
+          </a:xfrm>
+          <a:prstGeom prst="leftBrace">
+            <a:avLst/>
+          </a:prstGeom>
+        </p:spPr>
+        <p:style>
+          <a:lnRef idx="1">
+            <a:schemeClr val="accent1"/>
+          </a:lnRef>
+          <a:fillRef idx="0">
+            <a:schemeClr val="accent1"/>
+          </a:fillRef>
+          <a:effectRef idx="0">
+            <a:schemeClr val="accent1"/>
+          </a:effectRef>
+          <a:fontRef idx="minor">
+            <a:schemeClr val="tx1"/>
+          </a:fontRef>
+        </p:style>
+        <p:txBody>
+          <a:bodyPr rtlCol="0" anchor="ctr"/>
+          <a:lstStyle/>
+          <a:p>
+            <a:pPr algn="ctr"/>
+            <a:endParaRPr lang="zh-CN" altLang="en-US"/>
+          </a:p>
+        </p:txBody>
+      </p:sp>
+      <p:sp>
+        <p:nvSpPr>
+          <p:cNvPr id="14" name="文本框 13">
+            <a:extLst>
+              <a:ext uri="{FF2B5EF4-FFF2-40B4-BE49-F238E27FC236}">
+                <a16:creationId xmlns:a16="http://schemas.microsoft.com/office/drawing/2014/main" id="{0AE250D5-FFC7-4F5B-96E8-4F8390C4520B}"/>
+              </a:ext>
+            </a:extLst>
+          </p:cNvPr>
+          <p:cNvSpPr txBox="1"/>
+          <p:nvPr/>
+        </p:nvSpPr>
+        <p:spPr>
+          <a:xfrm>
+            <a:off x="9252529" y="2063899"/>
+            <a:ext cx="1052946" cy="369332"/>
+          </a:xfrm>
+          <a:prstGeom prst="rect">
+            <a:avLst/>
+          </a:prstGeom>
+          <a:noFill/>
+        </p:spPr>
+        <p:txBody>
+          <a:bodyPr wrap="square" rtlCol="0">
+            <a:spAutoFit/>
+          </a:bodyPr>
+          <a:lstStyle/>
+          <a:p>
+            <a:r>
+              <a:rPr lang="en-US" altLang="zh-CN" dirty="0"/>
+              <a:t>Node</a:t>
+            </a:r>
+            <a:endParaRPr lang="zh-CN" altLang="en-US" dirty="0"/>
+          </a:p>
+        </p:txBody>
+      </p:sp>
+      <p:sp>
+        <p:nvSpPr>
+          <p:cNvPr id="15" name="左大括号 14">
+            <a:extLst>
+              <a:ext uri="{FF2B5EF4-FFF2-40B4-BE49-F238E27FC236}">
+                <a16:creationId xmlns:a16="http://schemas.microsoft.com/office/drawing/2014/main" id="{6B106B3A-B0D5-4497-88F6-2B2710F40F2B}"/>
+              </a:ext>
+            </a:extLst>
+          </p:cNvPr>
+          <p:cNvSpPr/>
+          <p:nvPr/>
+        </p:nvSpPr>
+        <p:spPr>
+          <a:xfrm rot="5400000">
+            <a:off x="10253522" y="1129870"/>
+            <a:ext cx="263237" cy="1604821"/>
+          </a:xfrm>
+          <a:prstGeom prst="leftBrace">
+            <a:avLst/>
+          </a:prstGeom>
+        </p:spPr>
+        <p:style>
+          <a:lnRef idx="1">
+            <a:schemeClr val="accent1"/>
+          </a:lnRef>
+          <a:fillRef idx="0">
+            <a:schemeClr val="accent1"/>
+          </a:fillRef>
+          <a:effectRef idx="0">
+            <a:schemeClr val="accent1"/>
+          </a:effectRef>
+          <a:fontRef idx="minor">
+            <a:schemeClr val="tx1"/>
+          </a:fontRef>
+        </p:style>
+        <p:txBody>
+          <a:bodyPr rtlCol="0" anchor="ctr"/>
+          <a:lstStyle/>
+          <a:p>
+            <a:pPr algn="ctr"/>
+            <a:endParaRPr lang="zh-CN" altLang="en-US"/>
+          </a:p>
+        </p:txBody>
+      </p:sp>
+      <p:sp>
+        <p:nvSpPr>
+          <p:cNvPr id="16" name="文本框 15">
+            <a:extLst>
+              <a:ext uri="{FF2B5EF4-FFF2-40B4-BE49-F238E27FC236}">
+                <a16:creationId xmlns:a16="http://schemas.microsoft.com/office/drawing/2014/main" id="{3E3E82F9-A3AE-4CB9-8DD8-FB0E2136BDC0}"/>
+              </a:ext>
+            </a:extLst>
+          </p:cNvPr>
+          <p:cNvSpPr txBox="1"/>
+          <p:nvPr/>
+        </p:nvSpPr>
+        <p:spPr>
+          <a:xfrm>
+            <a:off x="9918704" y="1431330"/>
+            <a:ext cx="1701800" cy="369332"/>
+          </a:xfrm>
+          <a:prstGeom prst="rect">
+            <a:avLst/>
+          </a:prstGeom>
+          <a:noFill/>
+        </p:spPr>
+        <p:txBody>
+          <a:bodyPr wrap="square" rtlCol="0">
+            <a:spAutoFit/>
+          </a:bodyPr>
+          <a:lstStyle/>
+          <a:p>
+            <a:r>
+              <a:rPr lang="en-US" altLang="zh-CN" dirty="0" err="1"/>
+              <a:t>EventTarget</a:t>
+            </a:r>
+            <a:endParaRPr lang="zh-CN" altLang="en-US" dirty="0"/>
+          </a:p>
+        </p:txBody>
+      </p:sp>
+    </p:spTree>
+    <p:extLst>
+      <p:ext uri="{BB962C8B-B14F-4D97-AF65-F5344CB8AC3E}">
+        <p14:creationId xmlns:p14="http://schemas.microsoft.com/office/powerpoint/2010/main" val="3418399316"/>
+      </p:ext>
+    </p:extLst>
+  </p:cSld>
+  <p:clrMapOvr>
+    <a:masterClrMapping/>
+  </p:clrMapOvr>
+</p:sld>
+</file>
+
+<file path=ppt/slides/slide17.xml><?xml version="1.0" encoding="utf-8"?>
+<p:sld xmlns:a="http://schemas.openxmlformats.org/drawingml/2006/main" xmlns:r="http://schemas.openxmlformats.org/officeDocument/2006/relationships" xmlns:p="http://schemas.openxmlformats.org/presentationml/2006/main">
+  <p:cSld>
+    <p:spTree>
+      <p:nvGrpSpPr>
+        <p:cNvPr id="1" name=""/>
+        <p:cNvGrpSpPr/>
+        <p:nvPr/>
+      </p:nvGrpSpPr>
+      <p:grpSpPr>
+        <a:xfrm>
+          <a:off x="0" y="0"/>
+          <a:ext cx="0" cy="0"/>
+          <a:chOff x="0" y="0"/>
+          <a:chExt cx="0" cy="0"/>
+        </a:xfrm>
+      </p:grpSpPr>
+      <p:sp>
+        <p:nvSpPr>
+          <p:cNvPr id="3" name="Rectangle 1">
+            <a:extLst>
+              <a:ext uri="{FF2B5EF4-FFF2-40B4-BE49-F238E27FC236}">
+                <a16:creationId xmlns:a16="http://schemas.microsoft.com/office/drawing/2014/main" id="{BCB6B2AF-DA71-4656-A643-CA948A3082BC}"/>
+              </a:ext>
+            </a:extLst>
+          </p:cNvPr>
+          <p:cNvSpPr>
+            <a:spLocks noChangeArrowheads="1"/>
+          </p:cNvSpPr>
+          <p:nvPr/>
+        </p:nvSpPr>
+        <p:spPr bwMode="auto">
+          <a:xfrm>
+            <a:off x="295564" y="709915"/>
+            <a:ext cx="3223492" cy="4611519"/>
+          </a:xfrm>
+          <a:prstGeom prst="rect">
+            <a:avLst/>
+          </a:prstGeom>
+          <a:solidFill>
+            <a:srgbClr val="FFFFFF"/>
+          </a:solidFill>
+          <a:ln>
+            <a:noFill/>
+          </a:ln>
+          <a:effectLst/>
+          <a:extLst>
+            <a:ext uri="{91240B29-F687-4F45-9708-019B960494DF}">
+              <a14:hiddenLine xmlns:a14="http://schemas.microsoft.com/office/drawing/2010/main" w="9525">
+                <a:solidFill>
+                  <a:schemeClr val="tx1"/>
+                </a:solidFill>
+                <a:miter lim="800000"/>
+                <a:headEnd/>
+                <a:tailEnd/>
+              </a14:hiddenLine>
+            </a:ext>
+            <a:ext uri="{AF507438-7753-43E0-B8FC-AC1667EBCBE1}">
+              <a14:hiddenEffects xmlns:a14="http://schemas.microsoft.com/office/drawing/2010/main">
+                <a:effectLst>
+                  <a:outerShdw dist="35921" dir="2700000" algn="ctr" rotWithShape="0">
+                    <a:schemeClr val="bg2"/>
+                  </a:outerShdw>
+                </a:effectLst>
+              </a14:hiddenEffects>
+            </a:ext>
+          </a:extLst>
+        </p:spPr>
+        <p:txBody>
+          <a:bodyPr vert="horz" wrap="square" lIns="91440" tIns="45720" rIns="91440" bIns="45720" numCol="1" anchor="ctr" anchorCtr="0" compatLnSpc="1">
+            <a:prstTxWarp prst="textNoShape">
+              <a:avLst/>
+            </a:prstTxWarp>
+            <a:spAutoFit/>
+          </a:bodyPr>
+          <a:lstStyle/>
+          <a:p>
+            <a:pPr marL="0" marR="0" lvl="0" indent="0" algn="l" defTabSz="914400" rtl="0" eaLnBrk="0" fontAlgn="base" latinLnBrk="0" hangingPunct="0">
+              <a:lnSpc>
+                <a:spcPct val="150000"/>
+              </a:lnSpc>
+              <a:spcBef>
+                <a:spcPct val="0"/>
+              </a:spcBef>
+              <a:spcAft>
+                <a:spcPct val="0"/>
+              </a:spcAft>
+              <a:buClrTx/>
+              <a:buSzTx/>
+              <a:buFontTx/>
+              <a:buNone/>
+              <a:tabLst/>
+            </a:pPr>
+            <a:r>
+              <a:rPr kumimoji="0" lang="zh-CN" altLang="zh-CN" b="1" i="0" u="none" strike="noStrike" cap="none" normalizeH="0" baseline="0" dirty="0">
+                <a:ln>
+                  <a:noFill/>
+                </a:ln>
+                <a:solidFill>
+                  <a:srgbClr val="000080"/>
+                </a:solidFill>
+                <a:effectLst/>
+                <a:latin typeface="Arial Unicode MS"/>
+                <a:ea typeface="Source Code Pro"/>
+              </a:rPr>
+              <a:t>function </a:t>
+            </a:r>
+            <a:r>
+              <a:rPr kumimoji="0" lang="zh-CN" altLang="zh-CN" b="0" i="1" u="none" strike="noStrike" cap="none" normalizeH="0" baseline="0" dirty="0">
+                <a:ln>
+                  <a:noFill/>
+                </a:ln>
+                <a:solidFill>
+                  <a:srgbClr val="000000"/>
+                </a:solidFill>
+                <a:effectLst/>
+                <a:latin typeface="Arial Unicode MS"/>
+                <a:ea typeface="Source Code Pro"/>
+              </a:rPr>
+              <a:t>Animal</a:t>
+            </a:r>
+            <a:r>
+              <a:rPr kumimoji="0" lang="zh-CN" altLang="zh-CN" b="0" i="0" u="none" strike="noStrike" cap="none" normalizeH="0" baseline="0" dirty="0">
+                <a:ln>
+                  <a:noFill/>
+                </a:ln>
+                <a:solidFill>
+                  <a:srgbClr val="000000"/>
+                </a:solidFill>
+                <a:effectLst/>
+                <a:latin typeface="Arial Unicode MS"/>
+                <a:ea typeface="Source Code Pro"/>
+              </a:rPr>
+              <a:t>(name,todo){</a:t>
+            </a:r>
+            <a:br>
+              <a:rPr kumimoji="0" lang="zh-CN" altLang="zh-CN" b="0" i="0" u="none" strike="noStrike" cap="none" normalizeH="0" baseline="0" dirty="0">
+                <a:ln>
+                  <a:noFill/>
+                </a:ln>
+                <a:solidFill>
+                  <a:srgbClr val="000000"/>
+                </a:solidFill>
+                <a:effectLst/>
+                <a:latin typeface="Arial Unicode MS"/>
+                <a:ea typeface="Source Code Pro"/>
+              </a:rPr>
+            </a:br>
+            <a:r>
+              <a:rPr kumimoji="0" lang="zh-CN" altLang="zh-CN" b="0" i="0" u="none" strike="noStrike" cap="none" normalizeH="0" baseline="0" dirty="0">
+                <a:ln>
+                  <a:noFill/>
+                </a:ln>
+                <a:solidFill>
+                  <a:srgbClr val="000000"/>
+                </a:solidFill>
+                <a:effectLst/>
+                <a:latin typeface="Arial Unicode MS"/>
+                <a:ea typeface="Source Code Pro"/>
+              </a:rPr>
+              <a:t>    </a:t>
+            </a:r>
+            <a:r>
+              <a:rPr kumimoji="0" lang="zh-CN" altLang="zh-CN" b="1" i="0" u="none" strike="noStrike" cap="none" normalizeH="0" baseline="0" dirty="0">
+                <a:ln>
+                  <a:noFill/>
+                </a:ln>
+                <a:solidFill>
+                  <a:srgbClr val="000080"/>
+                </a:solidFill>
+                <a:effectLst/>
+                <a:latin typeface="Arial Unicode MS"/>
+                <a:ea typeface="Source Code Pro"/>
+              </a:rPr>
+              <a:t>var </a:t>
+            </a:r>
+            <a:r>
+              <a:rPr kumimoji="0" lang="zh-CN" altLang="zh-CN" b="0" i="0" u="none" strike="noStrike" cap="none" normalizeH="0" baseline="0" dirty="0">
+                <a:ln>
+                  <a:noFill/>
+                </a:ln>
+                <a:solidFill>
+                  <a:srgbClr val="458383"/>
+                </a:solidFill>
+                <a:effectLst/>
+                <a:latin typeface="Arial Unicode MS"/>
+                <a:ea typeface="Source Code Pro"/>
+              </a:rPr>
+              <a:t>newName </a:t>
+            </a:r>
+            <a:r>
+              <a:rPr kumimoji="0" lang="zh-CN" altLang="zh-CN" b="0" i="0" u="none" strike="noStrike" cap="none" normalizeH="0" baseline="0" dirty="0">
+                <a:ln>
+                  <a:noFill/>
+                </a:ln>
+                <a:solidFill>
+                  <a:srgbClr val="000000"/>
+                </a:solidFill>
+                <a:effectLst/>
+                <a:latin typeface="Arial Unicode MS"/>
+                <a:ea typeface="Source Code Pro"/>
+              </a:rPr>
+              <a:t>= </a:t>
+            </a:r>
+            <a:r>
+              <a:rPr kumimoji="0" lang="zh-CN" altLang="zh-CN" b="1" i="0" u="none" strike="noStrike" cap="none" normalizeH="0" baseline="0" dirty="0">
+                <a:ln>
+                  <a:noFill/>
+                </a:ln>
+                <a:solidFill>
+                  <a:srgbClr val="008000"/>
+                </a:solidFill>
+                <a:effectLst/>
+                <a:latin typeface="Arial Unicode MS"/>
+                <a:ea typeface="Source Code Pro"/>
+              </a:rPr>
+              <a:t>'</a:t>
+            </a:r>
+            <a:r>
+              <a:rPr kumimoji="0" lang="zh-CN" altLang="zh-CN" b="1" i="0" u="none" strike="noStrike" cap="none" normalizeH="0" baseline="0" dirty="0">
+                <a:ln>
+                  <a:noFill/>
+                </a:ln>
+                <a:solidFill>
+                  <a:srgbClr val="008000"/>
+                </a:solidFill>
+                <a:effectLst/>
+                <a:latin typeface="宋体" panose="02010600030101010101" pitchFamily="2" charset="-122"/>
+                <a:ea typeface="宋体" panose="02010600030101010101" pitchFamily="2" charset="-122"/>
+              </a:rPr>
+              <a:t>佩奇</a:t>
+            </a:r>
+            <a:r>
+              <a:rPr kumimoji="0" lang="zh-CN" altLang="zh-CN" b="1" i="0" u="none" strike="noStrike" cap="none" normalizeH="0" baseline="0" dirty="0">
+                <a:ln>
+                  <a:noFill/>
+                </a:ln>
+                <a:solidFill>
+                  <a:srgbClr val="008000"/>
+                </a:solidFill>
+                <a:effectLst/>
+                <a:latin typeface="Arial Unicode MS"/>
+                <a:ea typeface="Source Code Pro"/>
+              </a:rPr>
+              <a:t>'</a:t>
+            </a:r>
+            <a:br>
+              <a:rPr kumimoji="0" lang="zh-CN" altLang="zh-CN" b="1" i="0" u="none" strike="noStrike" cap="none" normalizeH="0" baseline="0" dirty="0">
+                <a:ln>
+                  <a:noFill/>
+                </a:ln>
+                <a:solidFill>
+                  <a:srgbClr val="008000"/>
+                </a:solidFill>
+                <a:effectLst/>
+                <a:latin typeface="Arial Unicode MS"/>
+                <a:ea typeface="Source Code Pro"/>
+              </a:rPr>
+            </a:br>
+            <a:r>
+              <a:rPr kumimoji="0" lang="zh-CN" altLang="zh-CN" b="1" i="0" u="none" strike="noStrike" cap="none" normalizeH="0" baseline="0" dirty="0">
+                <a:ln>
+                  <a:noFill/>
+                </a:ln>
+                <a:solidFill>
+                  <a:srgbClr val="008000"/>
+                </a:solidFill>
+                <a:effectLst/>
+                <a:latin typeface="Arial Unicode MS"/>
+                <a:ea typeface="Source Code Pro"/>
+              </a:rPr>
+              <a:t>    </a:t>
+            </a:r>
+            <a:r>
+              <a:rPr kumimoji="0" lang="zh-CN" altLang="zh-CN" b="1" i="0" u="none" strike="noStrike" cap="none" normalizeH="0" baseline="0" dirty="0">
+                <a:ln>
+                  <a:noFill/>
+                </a:ln>
+                <a:solidFill>
+                  <a:srgbClr val="000080"/>
+                </a:solidFill>
+                <a:effectLst/>
+                <a:latin typeface="Arial Unicode MS"/>
+                <a:ea typeface="Source Code Pro"/>
+              </a:rPr>
+              <a:t>function </a:t>
+            </a:r>
+            <a:r>
+              <a:rPr kumimoji="0" lang="zh-CN" altLang="zh-CN" b="0" i="1" u="none" strike="noStrike" cap="none" normalizeH="0" baseline="0" dirty="0">
+                <a:ln>
+                  <a:noFill/>
+                </a:ln>
+                <a:solidFill>
+                  <a:srgbClr val="000000"/>
+                </a:solidFill>
+                <a:effectLst/>
+                <a:latin typeface="Arial Unicode MS"/>
+                <a:ea typeface="Source Code Pro"/>
+              </a:rPr>
+              <a:t>todoList</a:t>
+            </a:r>
+            <a:r>
+              <a:rPr kumimoji="0" lang="zh-CN" altLang="zh-CN" b="0" i="0" u="none" strike="noStrike" cap="none" normalizeH="0" baseline="0" dirty="0">
+                <a:ln>
+                  <a:noFill/>
+                </a:ln>
+                <a:solidFill>
+                  <a:srgbClr val="000000"/>
+                </a:solidFill>
+                <a:effectLst/>
+                <a:latin typeface="Arial Unicode MS"/>
+                <a:ea typeface="Source Code Pro"/>
+              </a:rPr>
+              <a:t>() {</a:t>
+            </a:r>
+            <a:br>
+              <a:rPr kumimoji="0" lang="zh-CN" altLang="zh-CN" b="0" i="0" u="none" strike="noStrike" cap="none" normalizeH="0" baseline="0" dirty="0">
+                <a:ln>
+                  <a:noFill/>
+                </a:ln>
+                <a:solidFill>
+                  <a:srgbClr val="000000"/>
+                </a:solidFill>
+                <a:effectLst/>
+                <a:latin typeface="Arial Unicode MS"/>
+                <a:ea typeface="Source Code Pro"/>
+              </a:rPr>
+            </a:br>
+            <a:r>
+              <a:rPr kumimoji="0" lang="zh-CN" altLang="zh-CN" b="0" i="0" u="none" strike="noStrike" cap="none" normalizeH="0" baseline="0" dirty="0">
+                <a:ln>
+                  <a:noFill/>
+                </a:ln>
+                <a:solidFill>
+                  <a:srgbClr val="000000"/>
+                </a:solidFill>
+                <a:effectLst/>
+                <a:latin typeface="Arial Unicode MS"/>
+                <a:ea typeface="Source Code Pro"/>
+              </a:rPr>
+              <a:t>        </a:t>
+            </a:r>
+            <a:r>
+              <a:rPr kumimoji="0" lang="zh-CN" altLang="zh-CN" b="1" i="1" u="none" strike="noStrike" cap="none" normalizeH="0" baseline="0" dirty="0">
+                <a:ln>
+                  <a:noFill/>
+                </a:ln>
+                <a:solidFill>
+                  <a:srgbClr val="660E7A"/>
+                </a:solidFill>
+                <a:effectLst/>
+                <a:latin typeface="Arial Unicode MS"/>
+                <a:ea typeface="Source Code Pro"/>
+              </a:rPr>
+              <a:t>console</a:t>
+            </a:r>
+            <a:r>
+              <a:rPr kumimoji="0" lang="zh-CN" altLang="zh-CN" b="0" i="0" u="none" strike="noStrike" cap="none" normalizeH="0" baseline="0" dirty="0">
+                <a:ln>
+                  <a:noFill/>
+                </a:ln>
+                <a:solidFill>
+                  <a:srgbClr val="000000"/>
+                </a:solidFill>
+                <a:effectLst/>
+                <a:latin typeface="Arial Unicode MS"/>
+                <a:ea typeface="Source Code Pro"/>
+              </a:rPr>
+              <a:t>.</a:t>
+            </a:r>
+            <a:r>
+              <a:rPr kumimoji="0" lang="zh-CN" altLang="zh-CN" b="0" i="0" u="none" strike="noStrike" cap="none" normalizeH="0" baseline="0" dirty="0">
+                <a:ln>
+                  <a:noFill/>
+                </a:ln>
+                <a:solidFill>
+                  <a:srgbClr val="7A7A43"/>
+                </a:solidFill>
+                <a:effectLst/>
+                <a:latin typeface="Arial Unicode MS"/>
+                <a:ea typeface="Source Code Pro"/>
+              </a:rPr>
+              <a:t>log</a:t>
+            </a:r>
+            <a:r>
+              <a:rPr kumimoji="0" lang="zh-CN" altLang="zh-CN" b="0" i="0" u="none" strike="noStrike" cap="none" normalizeH="0" baseline="0" dirty="0">
+                <a:ln>
+                  <a:noFill/>
+                </a:ln>
+                <a:solidFill>
+                  <a:srgbClr val="000000"/>
+                </a:solidFill>
+                <a:effectLst/>
+                <a:latin typeface="Arial Unicode MS"/>
+                <a:ea typeface="Source Code Pro"/>
+              </a:rPr>
+              <a:t>(todo)</a:t>
+            </a:r>
+            <a:br>
+              <a:rPr kumimoji="0" lang="zh-CN" altLang="zh-CN" b="0" i="0" u="none" strike="noStrike" cap="none" normalizeH="0" baseline="0" dirty="0">
+                <a:ln>
+                  <a:noFill/>
+                </a:ln>
+                <a:solidFill>
+                  <a:srgbClr val="000000"/>
+                </a:solidFill>
+                <a:effectLst/>
+                <a:latin typeface="Arial Unicode MS"/>
+                <a:ea typeface="Source Code Pro"/>
+              </a:rPr>
+            </a:br>
+            <a:r>
+              <a:rPr kumimoji="0" lang="zh-CN" altLang="zh-CN" b="0" i="0" u="none" strike="noStrike" cap="none" normalizeH="0" baseline="0" dirty="0">
+                <a:ln>
+                  <a:noFill/>
+                </a:ln>
+                <a:solidFill>
+                  <a:srgbClr val="000000"/>
+                </a:solidFill>
+                <a:effectLst/>
+                <a:latin typeface="Arial Unicode MS"/>
+                <a:ea typeface="Source Code Pro"/>
+              </a:rPr>
+              <a:t>    }</a:t>
+            </a:r>
+            <a:br>
+              <a:rPr kumimoji="0" lang="zh-CN" altLang="zh-CN" b="0" i="0" u="none" strike="noStrike" cap="none" normalizeH="0" baseline="0" dirty="0">
+                <a:ln>
+                  <a:noFill/>
+                </a:ln>
+                <a:solidFill>
+                  <a:srgbClr val="000000"/>
+                </a:solidFill>
+                <a:effectLst/>
+                <a:latin typeface="Arial Unicode MS"/>
+                <a:ea typeface="Source Code Pro"/>
+              </a:rPr>
+            </a:br>
+            <a:r>
+              <a:rPr kumimoji="0" lang="zh-CN" altLang="zh-CN" b="0" i="0" u="none" strike="noStrike" cap="none" normalizeH="0" baseline="0" dirty="0">
+                <a:ln>
+                  <a:noFill/>
+                </a:ln>
+                <a:solidFill>
+                  <a:srgbClr val="000000"/>
+                </a:solidFill>
+                <a:effectLst/>
+                <a:latin typeface="Arial Unicode MS"/>
+                <a:ea typeface="Source Code Pro"/>
+              </a:rPr>
+              <a:t>    </a:t>
+            </a:r>
+            <a:r>
+              <a:rPr kumimoji="0" lang="zh-CN" altLang="zh-CN" b="1" i="0" u="none" strike="noStrike" cap="none" normalizeH="0" baseline="0" dirty="0">
+                <a:ln>
+                  <a:noFill/>
+                </a:ln>
+                <a:solidFill>
+                  <a:srgbClr val="000080"/>
+                </a:solidFill>
+                <a:effectLst/>
+                <a:latin typeface="Arial Unicode MS"/>
+                <a:ea typeface="Source Code Pro"/>
+              </a:rPr>
+              <a:t>this</a:t>
+            </a:r>
+            <a:r>
+              <a:rPr kumimoji="0" lang="zh-CN" altLang="zh-CN" b="0" i="0" u="none" strike="noStrike" cap="none" normalizeH="0" baseline="0" dirty="0">
+                <a:ln>
+                  <a:noFill/>
+                </a:ln>
+                <a:solidFill>
+                  <a:srgbClr val="000000"/>
+                </a:solidFill>
+                <a:effectLst/>
+                <a:latin typeface="Arial Unicode MS"/>
+                <a:ea typeface="Source Code Pro"/>
+              </a:rPr>
+              <a:t>.</a:t>
+            </a:r>
+            <a:r>
+              <a:rPr kumimoji="0" lang="zh-CN" altLang="zh-CN" b="1" i="0" u="none" strike="noStrike" cap="none" normalizeH="0" baseline="0" dirty="0">
+                <a:ln>
+                  <a:noFill/>
+                </a:ln>
+                <a:solidFill>
+                  <a:srgbClr val="660E7A"/>
+                </a:solidFill>
+                <a:effectLst/>
+                <a:latin typeface="Arial Unicode MS"/>
+                <a:ea typeface="Source Code Pro"/>
+              </a:rPr>
+              <a:t>name </a:t>
+            </a:r>
+            <a:r>
+              <a:rPr kumimoji="0" lang="zh-CN" altLang="zh-CN" b="0" i="0" u="none" strike="noStrike" cap="none" normalizeH="0" baseline="0" dirty="0">
+                <a:ln>
+                  <a:noFill/>
+                </a:ln>
+                <a:solidFill>
+                  <a:srgbClr val="000000"/>
+                </a:solidFill>
+                <a:effectLst/>
+                <a:latin typeface="Arial Unicode MS"/>
+                <a:ea typeface="Source Code Pro"/>
+              </a:rPr>
+              <a:t>= name;</a:t>
+            </a:r>
+            <a:br>
+              <a:rPr kumimoji="0" lang="zh-CN" altLang="zh-CN" b="0" i="0" u="none" strike="noStrike" cap="none" normalizeH="0" baseline="0" dirty="0">
+                <a:ln>
+                  <a:noFill/>
+                </a:ln>
+                <a:solidFill>
+                  <a:srgbClr val="000000"/>
+                </a:solidFill>
+                <a:effectLst/>
+                <a:latin typeface="Arial Unicode MS"/>
+                <a:ea typeface="Source Code Pro"/>
+              </a:rPr>
+            </a:br>
+            <a:r>
+              <a:rPr kumimoji="0" lang="zh-CN" altLang="zh-CN" b="0" i="0" u="none" strike="noStrike" cap="none" normalizeH="0" baseline="0" dirty="0">
+                <a:ln>
+                  <a:noFill/>
+                </a:ln>
+                <a:solidFill>
+                  <a:srgbClr val="000000"/>
+                </a:solidFill>
+                <a:effectLst/>
+                <a:latin typeface="Arial Unicode MS"/>
+                <a:ea typeface="Source Code Pro"/>
+              </a:rPr>
+              <a:t>    </a:t>
+            </a:r>
+            <a:r>
+              <a:rPr kumimoji="0" lang="zh-CN" altLang="zh-CN" b="1" i="0" u="none" strike="noStrike" cap="none" normalizeH="0" baseline="0" dirty="0">
+                <a:ln>
+                  <a:noFill/>
+                </a:ln>
+                <a:solidFill>
+                  <a:srgbClr val="000080"/>
+                </a:solidFill>
+                <a:effectLst/>
+                <a:latin typeface="Arial Unicode MS"/>
+                <a:ea typeface="Source Code Pro"/>
+              </a:rPr>
+              <a:t>this</a:t>
+            </a:r>
+            <a:r>
+              <a:rPr kumimoji="0" lang="zh-CN" altLang="zh-CN" b="0" i="0" u="none" strike="noStrike" cap="none" normalizeH="0" baseline="0" dirty="0">
+                <a:ln>
+                  <a:noFill/>
+                </a:ln>
+                <a:solidFill>
+                  <a:srgbClr val="000000"/>
+                </a:solidFill>
+                <a:effectLst/>
+                <a:latin typeface="Arial Unicode MS"/>
+                <a:ea typeface="Source Code Pro"/>
+              </a:rPr>
+              <a:t>.</a:t>
+            </a:r>
+            <a:r>
+              <a:rPr kumimoji="0" lang="zh-CN" altLang="zh-CN" b="0" i="0" u="none" strike="noStrike" cap="none" normalizeH="0" baseline="0" dirty="0">
+                <a:ln>
+                  <a:noFill/>
+                </a:ln>
+                <a:solidFill>
+                  <a:srgbClr val="7A7A43"/>
+                </a:solidFill>
+                <a:effectLst/>
+                <a:latin typeface="Arial Unicode MS"/>
+                <a:ea typeface="Source Code Pro"/>
+              </a:rPr>
+              <a:t>todoList </a:t>
+            </a:r>
+            <a:r>
+              <a:rPr kumimoji="0" lang="zh-CN" altLang="zh-CN" b="0" i="0" u="none" strike="noStrike" cap="none" normalizeH="0" baseline="0" dirty="0">
+                <a:ln>
+                  <a:noFill/>
+                </a:ln>
+                <a:solidFill>
+                  <a:srgbClr val="000000"/>
+                </a:solidFill>
+                <a:effectLst/>
+                <a:latin typeface="Arial Unicode MS"/>
+                <a:ea typeface="Source Code Pro"/>
+              </a:rPr>
+              <a:t>= </a:t>
+            </a:r>
+            <a:r>
+              <a:rPr kumimoji="0" lang="zh-CN" altLang="zh-CN" b="0" i="1" u="none" strike="noStrike" cap="none" normalizeH="0" baseline="0" dirty="0">
+                <a:ln>
+                  <a:noFill/>
+                </a:ln>
+                <a:solidFill>
+                  <a:srgbClr val="000000"/>
+                </a:solidFill>
+                <a:effectLst/>
+                <a:latin typeface="Arial Unicode MS"/>
+                <a:ea typeface="Source Code Pro"/>
+              </a:rPr>
+              <a:t>todo</a:t>
+            </a:r>
+            <a:r>
+              <a:rPr kumimoji="0" lang="zh-CN" altLang="zh-CN" b="0" i="0" u="none" strike="noStrike" cap="none" normalizeH="0" baseline="0" dirty="0">
+                <a:ln>
+                  <a:noFill/>
+                </a:ln>
+                <a:solidFill>
+                  <a:srgbClr val="000000"/>
+                </a:solidFill>
+                <a:effectLst/>
+                <a:latin typeface="Arial Unicode MS"/>
+                <a:ea typeface="Source Code Pro"/>
+              </a:rPr>
+              <a:t>;</a:t>
+            </a:r>
+            <a:br>
+              <a:rPr kumimoji="0" lang="zh-CN" altLang="zh-CN" b="0" i="0" u="none" strike="noStrike" cap="none" normalizeH="0" baseline="0" dirty="0">
+                <a:ln>
+                  <a:noFill/>
+                </a:ln>
+                <a:solidFill>
+                  <a:srgbClr val="000000"/>
+                </a:solidFill>
+                <a:effectLst/>
+                <a:latin typeface="Arial Unicode MS"/>
+                <a:ea typeface="Source Code Pro"/>
+              </a:rPr>
+            </a:br>
+            <a:r>
+              <a:rPr kumimoji="0" lang="zh-CN" altLang="zh-CN" b="0" i="0" u="none" strike="noStrike" cap="none" normalizeH="0" baseline="0" dirty="0">
+                <a:ln>
+                  <a:noFill/>
+                </a:ln>
+                <a:solidFill>
+                  <a:srgbClr val="000000"/>
+                </a:solidFill>
+                <a:effectLst/>
+                <a:latin typeface="Arial Unicode MS"/>
+                <a:ea typeface="Source Code Pro"/>
+              </a:rPr>
+              <a:t>}</a:t>
+            </a:r>
+            <a:br>
+              <a:rPr kumimoji="0" lang="zh-CN" altLang="zh-CN" b="0" i="0" u="none" strike="noStrike" cap="none" normalizeH="0" baseline="0" dirty="0">
+                <a:ln>
+                  <a:noFill/>
+                </a:ln>
+                <a:solidFill>
+                  <a:srgbClr val="000000"/>
+                </a:solidFill>
+                <a:effectLst/>
+                <a:latin typeface="Arial Unicode MS"/>
+                <a:ea typeface="Source Code Pro"/>
+              </a:rPr>
+            </a:br>
+            <a:r>
+              <a:rPr kumimoji="0" lang="zh-CN" altLang="zh-CN" b="1" i="0" u="none" strike="noStrike" cap="none" normalizeH="0" baseline="0" dirty="0">
+                <a:ln>
+                  <a:noFill/>
+                </a:ln>
+                <a:solidFill>
+                  <a:srgbClr val="000080"/>
+                </a:solidFill>
+                <a:effectLst/>
+                <a:latin typeface="Arial Unicode MS"/>
+                <a:ea typeface="Source Code Pro"/>
+              </a:rPr>
+              <a:t>var </a:t>
+            </a:r>
+            <a:r>
+              <a:rPr kumimoji="0" lang="zh-CN" altLang="zh-CN" b="1" i="1" u="none" strike="noStrike" cap="none" normalizeH="0" baseline="0" dirty="0">
+                <a:ln>
+                  <a:noFill/>
+                </a:ln>
+                <a:solidFill>
+                  <a:srgbClr val="660E7A"/>
+                </a:solidFill>
+                <a:effectLst/>
+                <a:latin typeface="Arial Unicode MS"/>
+                <a:ea typeface="Source Code Pro"/>
+              </a:rPr>
+              <a:t>cat </a:t>
+            </a:r>
+            <a:r>
+              <a:rPr kumimoji="0" lang="zh-CN" altLang="zh-CN" b="0" i="0" u="none" strike="noStrike" cap="none" normalizeH="0" baseline="0" dirty="0">
+                <a:ln>
+                  <a:noFill/>
+                </a:ln>
+                <a:solidFill>
+                  <a:srgbClr val="000000"/>
+                </a:solidFill>
+                <a:effectLst/>
+                <a:latin typeface="Arial Unicode MS"/>
+                <a:ea typeface="Source Code Pro"/>
+              </a:rPr>
+              <a:t>= </a:t>
+            </a:r>
+            <a:r>
+              <a:rPr kumimoji="0" lang="zh-CN" altLang="zh-CN" b="1" i="0" u="none" strike="noStrike" cap="none" normalizeH="0" baseline="0" dirty="0">
+                <a:ln>
+                  <a:noFill/>
+                </a:ln>
+                <a:solidFill>
+                  <a:srgbClr val="000080"/>
+                </a:solidFill>
+                <a:effectLst/>
+                <a:latin typeface="Arial Unicode MS"/>
+                <a:ea typeface="Source Code Pro"/>
+              </a:rPr>
+              <a:t>new </a:t>
+            </a:r>
+            <a:r>
+              <a:rPr kumimoji="0" lang="zh-CN" altLang="zh-CN" b="0" i="1" u="none" strike="noStrike" cap="none" normalizeH="0" baseline="0" dirty="0">
+                <a:ln>
+                  <a:noFill/>
+                </a:ln>
+                <a:solidFill>
+                  <a:srgbClr val="000000"/>
+                </a:solidFill>
+                <a:effectLst/>
+                <a:latin typeface="Arial Unicode MS"/>
+                <a:ea typeface="Source Code Pro"/>
+              </a:rPr>
+              <a:t>Animal</a:t>
+            </a:r>
+            <a:r>
+              <a:rPr kumimoji="0" lang="zh-CN" altLang="zh-CN" b="0" i="0" u="none" strike="noStrike" cap="none" normalizeH="0" baseline="0" dirty="0">
+                <a:ln>
+                  <a:noFill/>
+                </a:ln>
+                <a:solidFill>
+                  <a:srgbClr val="000000"/>
+                </a:solidFill>
+                <a:effectLst/>
+                <a:latin typeface="Arial Unicode MS"/>
+                <a:ea typeface="Source Code Pro"/>
+              </a:rPr>
+              <a:t>(</a:t>
+            </a:r>
+            <a:r>
+              <a:rPr kumimoji="0" lang="zh-CN" altLang="zh-CN" b="1" i="0" u="none" strike="noStrike" cap="none" normalizeH="0" baseline="0" dirty="0">
+                <a:ln>
+                  <a:noFill/>
+                </a:ln>
+                <a:solidFill>
+                  <a:srgbClr val="008000"/>
+                </a:solidFill>
+                <a:effectLst/>
+                <a:latin typeface="Arial Unicode MS"/>
+                <a:ea typeface="Source Code Pro"/>
+              </a:rPr>
+              <a:t>'tom'</a:t>
+            </a:r>
+            <a:r>
+              <a:rPr kumimoji="0" lang="zh-CN" altLang="zh-CN" b="0" i="0" u="none" strike="noStrike" cap="none" normalizeH="0" baseline="0" dirty="0">
+                <a:ln>
+                  <a:noFill/>
+                </a:ln>
+                <a:solidFill>
+                  <a:srgbClr val="000000"/>
+                </a:solidFill>
+                <a:effectLst/>
+                <a:latin typeface="Arial Unicode MS"/>
+                <a:ea typeface="Source Code Pro"/>
+              </a:rPr>
+              <a:t>,</a:t>
+            </a:r>
+            <a:r>
+              <a:rPr kumimoji="0" lang="zh-CN" altLang="zh-CN" b="1" i="0" u="none" strike="noStrike" cap="none" normalizeH="0" baseline="0" dirty="0">
+                <a:ln>
+                  <a:noFill/>
+                </a:ln>
+                <a:solidFill>
+                  <a:srgbClr val="008000"/>
+                </a:solidFill>
+                <a:effectLst/>
+                <a:latin typeface="Arial Unicode MS"/>
+                <a:ea typeface="Source Code Pro"/>
+              </a:rPr>
+              <a:t>'</a:t>
+            </a:r>
+            <a:r>
+              <a:rPr kumimoji="0" lang="zh-CN" altLang="zh-CN" b="1" i="0" u="none" strike="noStrike" cap="none" normalizeH="0" baseline="0" dirty="0">
+                <a:ln>
+                  <a:noFill/>
+                </a:ln>
+                <a:solidFill>
+                  <a:srgbClr val="008000"/>
+                </a:solidFill>
+                <a:effectLst/>
+                <a:latin typeface="宋体" panose="02010600030101010101" pitchFamily="2" charset="-122"/>
+                <a:ea typeface="宋体" panose="02010600030101010101" pitchFamily="2" charset="-122"/>
+              </a:rPr>
+              <a:t>喵喵</a:t>
+            </a:r>
+            <a:r>
+              <a:rPr kumimoji="0" lang="zh-CN" altLang="zh-CN" b="1" i="0" u="none" strike="noStrike" cap="none" normalizeH="0" baseline="0" dirty="0">
+                <a:ln>
+                  <a:noFill/>
+                </a:ln>
+                <a:solidFill>
+                  <a:srgbClr val="008000"/>
+                </a:solidFill>
+                <a:effectLst/>
+                <a:latin typeface="Arial Unicode MS"/>
+                <a:ea typeface="Source Code Pro"/>
+              </a:rPr>
+              <a:t>'</a:t>
+            </a:r>
+            <a:r>
+              <a:rPr kumimoji="0" lang="zh-CN" altLang="zh-CN" b="0" i="0" u="none" strike="noStrike" cap="none" normalizeH="0" baseline="0" dirty="0">
+                <a:ln>
+                  <a:noFill/>
+                </a:ln>
+                <a:solidFill>
+                  <a:srgbClr val="000000"/>
+                </a:solidFill>
+                <a:effectLst/>
+                <a:latin typeface="Arial Unicode MS"/>
+                <a:ea typeface="Source Code Pro"/>
+              </a:rPr>
+              <a:t>)</a:t>
+            </a:r>
+            <a:br>
+              <a:rPr kumimoji="0" lang="zh-CN" altLang="zh-CN" b="0" i="0" u="none" strike="noStrike" cap="none" normalizeH="0" baseline="0" dirty="0">
+                <a:ln>
+                  <a:noFill/>
+                </a:ln>
+                <a:solidFill>
+                  <a:srgbClr val="000000"/>
+                </a:solidFill>
+                <a:effectLst/>
+                <a:latin typeface="Arial Unicode MS"/>
+                <a:ea typeface="Source Code Pro"/>
+              </a:rPr>
+            </a:br>
+            <a:r>
+              <a:rPr kumimoji="0" lang="zh-CN" altLang="zh-CN" b="1" i="1" u="none" strike="noStrike" cap="none" normalizeH="0" baseline="0" dirty="0">
+                <a:ln>
+                  <a:noFill/>
+                </a:ln>
+                <a:solidFill>
+                  <a:srgbClr val="660E7A"/>
+                </a:solidFill>
+                <a:effectLst/>
+                <a:latin typeface="Arial Unicode MS"/>
+                <a:ea typeface="Source Code Pro"/>
+              </a:rPr>
+              <a:t>console</a:t>
+            </a:r>
+            <a:r>
+              <a:rPr kumimoji="0" lang="zh-CN" altLang="zh-CN" b="0" i="0" u="none" strike="noStrike" cap="none" normalizeH="0" baseline="0" dirty="0">
+                <a:ln>
+                  <a:noFill/>
+                </a:ln>
+                <a:solidFill>
+                  <a:srgbClr val="000000"/>
+                </a:solidFill>
+                <a:effectLst/>
+                <a:latin typeface="Arial Unicode MS"/>
+                <a:ea typeface="Source Code Pro"/>
+              </a:rPr>
+              <a:t>.</a:t>
+            </a:r>
+            <a:r>
+              <a:rPr kumimoji="0" lang="zh-CN" altLang="zh-CN" b="0" i="0" u="none" strike="noStrike" cap="none" normalizeH="0" baseline="0" dirty="0">
+                <a:ln>
+                  <a:noFill/>
+                </a:ln>
+                <a:solidFill>
+                  <a:srgbClr val="7A7A43"/>
+                </a:solidFill>
+                <a:effectLst/>
+                <a:latin typeface="Arial Unicode MS"/>
+                <a:ea typeface="Source Code Pro"/>
+              </a:rPr>
+              <a:t>log</a:t>
+            </a:r>
+            <a:r>
+              <a:rPr kumimoji="0" lang="zh-CN" altLang="zh-CN" b="0" i="0" u="none" strike="noStrike" cap="none" normalizeH="0" baseline="0" dirty="0">
+                <a:ln>
+                  <a:noFill/>
+                </a:ln>
+                <a:solidFill>
+                  <a:srgbClr val="000000"/>
+                </a:solidFill>
+                <a:effectLst/>
+                <a:latin typeface="Arial Unicode MS"/>
+                <a:ea typeface="Source Code Pro"/>
+              </a:rPr>
+              <a:t>(</a:t>
+            </a:r>
+            <a:r>
+              <a:rPr kumimoji="0" lang="zh-CN" altLang="zh-CN" b="1" i="1" u="none" strike="noStrike" cap="none" normalizeH="0" baseline="0" dirty="0">
+                <a:ln>
+                  <a:noFill/>
+                </a:ln>
+                <a:solidFill>
+                  <a:srgbClr val="660E7A"/>
+                </a:solidFill>
+                <a:effectLst/>
+                <a:latin typeface="Arial Unicode MS"/>
+                <a:ea typeface="Source Code Pro"/>
+              </a:rPr>
+              <a:t>cat</a:t>
+            </a:r>
+            <a:r>
+              <a:rPr kumimoji="0" lang="zh-CN" altLang="zh-CN" b="0" i="0" u="none" strike="noStrike" cap="none" normalizeH="0" baseline="0" dirty="0">
+                <a:ln>
+                  <a:noFill/>
+                </a:ln>
+                <a:solidFill>
+                  <a:srgbClr val="000000"/>
+                </a:solidFill>
+                <a:effectLst/>
+                <a:latin typeface="Arial Unicode MS"/>
+                <a:ea typeface="Source Code Pro"/>
+              </a:rPr>
+              <a:t>);</a:t>
+            </a:r>
+            <a:endParaRPr kumimoji="0" lang="zh-CN" altLang="zh-CN" sz="2800" b="0" i="0" u="none" strike="noStrike" cap="none" normalizeH="0" baseline="0" dirty="0">
+              <a:ln>
+                <a:noFill/>
+              </a:ln>
+              <a:solidFill>
+                <a:schemeClr val="tx1"/>
+              </a:solidFill>
+              <a:effectLst/>
+              <a:latin typeface="Arial" panose="020B0604020202020204" pitchFamily="34" charset="0"/>
+            </a:endParaRPr>
+          </a:p>
+        </p:txBody>
+      </p:sp>
+      <p:sp>
+        <p:nvSpPr>
+          <p:cNvPr id="4" name="矩形 3">
+            <a:extLst>
+              <a:ext uri="{FF2B5EF4-FFF2-40B4-BE49-F238E27FC236}">
+                <a16:creationId xmlns:a16="http://schemas.microsoft.com/office/drawing/2014/main" id="{6B4D500A-63AC-4230-B589-26604FF4C6DA}"/>
+              </a:ext>
+            </a:extLst>
+          </p:cNvPr>
+          <p:cNvSpPr/>
+          <p:nvPr/>
+        </p:nvSpPr>
+        <p:spPr>
+          <a:xfrm>
+            <a:off x="3768436" y="840509"/>
+            <a:ext cx="2789382" cy="4091709"/>
+          </a:xfrm>
+          <a:prstGeom prst="rect">
+            <a:avLst/>
+          </a:prstGeom>
+          <a:noFill/>
+        </p:spPr>
+        <p:style>
+          <a:lnRef idx="2">
+            <a:schemeClr val="accent1">
+              <a:shade val="50000"/>
+            </a:schemeClr>
+          </a:lnRef>
+          <a:fillRef idx="1">
+            <a:schemeClr val="accent1"/>
+          </a:fillRef>
+          <a:effectRef idx="0">
+            <a:schemeClr val="accent1"/>
+          </a:effectRef>
+          <a:fontRef idx="minor">
+            <a:schemeClr val="lt1"/>
+          </a:fontRef>
+        </p:style>
+        <p:txBody>
+          <a:bodyPr rtlCol="0" anchor="ctr"/>
+          <a:lstStyle/>
+          <a:p>
+            <a:pPr algn="ctr"/>
+            <a:endParaRPr lang="zh-CN" altLang="en-US"/>
+          </a:p>
+        </p:txBody>
+      </p:sp>
+      <p:sp>
+        <p:nvSpPr>
+          <p:cNvPr id="5" name="文本框 4">
+            <a:extLst>
+              <a:ext uri="{FF2B5EF4-FFF2-40B4-BE49-F238E27FC236}">
+                <a16:creationId xmlns:a16="http://schemas.microsoft.com/office/drawing/2014/main" id="{3445CAA6-0A0A-4D23-867C-AF9644C8D029}"/>
+              </a:ext>
+            </a:extLst>
+          </p:cNvPr>
+          <p:cNvSpPr txBox="1"/>
+          <p:nvPr/>
+        </p:nvSpPr>
+        <p:spPr>
+          <a:xfrm>
+            <a:off x="3768436" y="340583"/>
+            <a:ext cx="1293091" cy="369332"/>
+          </a:xfrm>
+          <a:prstGeom prst="rect">
+            <a:avLst/>
+          </a:prstGeom>
+          <a:noFill/>
+        </p:spPr>
+        <p:txBody>
+          <a:bodyPr wrap="square" rtlCol="0">
+            <a:spAutoFit/>
+          </a:bodyPr>
+          <a:lstStyle/>
+          <a:p>
+            <a:r>
+              <a:rPr lang="zh-CN" altLang="zh-CN" i="1" dirty="0">
+                <a:solidFill>
+                  <a:srgbClr val="000000"/>
+                </a:solidFill>
+                <a:latin typeface="Arial Unicode MS"/>
+                <a:ea typeface="Source Code Pro"/>
+              </a:rPr>
+              <a:t>Animal</a:t>
+            </a:r>
+            <a:endParaRPr lang="zh-CN" altLang="en-US" dirty="0"/>
+          </a:p>
+        </p:txBody>
+      </p:sp>
+      <p:cxnSp>
+        <p:nvCxnSpPr>
+          <p:cNvPr id="7" name="直接连接符 6">
+            <a:extLst>
+              <a:ext uri="{FF2B5EF4-FFF2-40B4-BE49-F238E27FC236}">
+                <a16:creationId xmlns:a16="http://schemas.microsoft.com/office/drawing/2014/main" id="{CEDEA3A6-DE78-4213-9432-06F220196B76}"/>
+              </a:ext>
+            </a:extLst>
+          </p:cNvPr>
+          <p:cNvCxnSpPr/>
+          <p:nvPr/>
+        </p:nvCxnSpPr>
+        <p:spPr>
+          <a:xfrm>
+            <a:off x="3768436" y="2216727"/>
+            <a:ext cx="2789382" cy="0"/>
+          </a:xfrm>
+          <a:prstGeom prst="line">
+            <a:avLst/>
+          </a:prstGeom>
+        </p:spPr>
+        <p:style>
+          <a:lnRef idx="1">
+            <a:schemeClr val="accent1"/>
+          </a:lnRef>
+          <a:fillRef idx="0">
+            <a:schemeClr val="accent1"/>
+          </a:fillRef>
+          <a:effectRef idx="0">
+            <a:schemeClr val="accent1"/>
+          </a:effectRef>
+          <a:fontRef idx="minor">
+            <a:schemeClr val="tx1"/>
+          </a:fontRef>
+        </p:style>
+      </p:cxnSp>
+      <p:sp>
+        <p:nvSpPr>
+          <p:cNvPr id="8" name="文本框 7">
+            <a:extLst>
+              <a:ext uri="{FF2B5EF4-FFF2-40B4-BE49-F238E27FC236}">
+                <a16:creationId xmlns:a16="http://schemas.microsoft.com/office/drawing/2014/main" id="{DD2A603E-A4DF-4457-A5D4-DE2EEF394201}"/>
+              </a:ext>
+            </a:extLst>
+          </p:cNvPr>
+          <p:cNvSpPr txBox="1"/>
+          <p:nvPr/>
+        </p:nvSpPr>
+        <p:spPr>
+          <a:xfrm>
+            <a:off x="3833091" y="932873"/>
+            <a:ext cx="2650836" cy="646331"/>
+          </a:xfrm>
+          <a:prstGeom prst="rect">
+            <a:avLst/>
+          </a:prstGeom>
+          <a:noFill/>
+        </p:spPr>
+        <p:txBody>
+          <a:bodyPr wrap="square" rtlCol="0">
+            <a:spAutoFit/>
+          </a:bodyPr>
+          <a:lstStyle/>
+          <a:p>
+            <a:r>
+              <a:rPr lang="zh-CN" altLang="en-US" dirty="0"/>
+              <a:t>形参赋值：</a:t>
+            </a:r>
+            <a:r>
+              <a:rPr lang="en-US" altLang="zh-CN" dirty="0" err="1"/>
+              <a:t>name:’tom</a:t>
+            </a:r>
+            <a:r>
+              <a:rPr lang="en-US" altLang="zh-CN" dirty="0"/>
+              <a:t>’</a:t>
+            </a:r>
+          </a:p>
+          <a:p>
+            <a:r>
+              <a:rPr lang="en-US" altLang="zh-CN" dirty="0" err="1"/>
+              <a:t>todo</a:t>
+            </a:r>
+            <a:r>
+              <a:rPr lang="en-US" altLang="zh-CN" dirty="0"/>
+              <a:t>:’</a:t>
+            </a:r>
+            <a:r>
+              <a:rPr lang="zh-CN" altLang="en-US" dirty="0"/>
+              <a:t>喵喵</a:t>
+            </a:r>
+            <a:r>
+              <a:rPr lang="en-US" altLang="zh-CN" dirty="0"/>
+              <a:t>’</a:t>
+            </a:r>
+            <a:endParaRPr lang="zh-CN" altLang="en-US" dirty="0"/>
+          </a:p>
+        </p:txBody>
+      </p:sp>
+      <p:sp>
+        <p:nvSpPr>
+          <p:cNvPr id="9" name="文本框 8">
+            <a:extLst>
+              <a:ext uri="{FF2B5EF4-FFF2-40B4-BE49-F238E27FC236}">
+                <a16:creationId xmlns:a16="http://schemas.microsoft.com/office/drawing/2014/main" id="{454658AC-B9A6-4637-89C7-E9E5C8E1549E}"/>
+              </a:ext>
+            </a:extLst>
+          </p:cNvPr>
+          <p:cNvSpPr txBox="1"/>
+          <p:nvPr/>
+        </p:nvSpPr>
+        <p:spPr>
+          <a:xfrm>
+            <a:off x="3833091" y="1559874"/>
+            <a:ext cx="2724728" cy="646331"/>
+          </a:xfrm>
+          <a:prstGeom prst="rect">
+            <a:avLst/>
+          </a:prstGeom>
+          <a:noFill/>
+        </p:spPr>
+        <p:txBody>
+          <a:bodyPr wrap="square" rtlCol="0">
+            <a:spAutoFit/>
+          </a:bodyPr>
+          <a:lstStyle/>
+          <a:p>
+            <a:r>
+              <a:rPr lang="zh-CN" altLang="en-US" dirty="0"/>
+              <a:t>变量提升：</a:t>
+            </a:r>
+            <a:r>
+              <a:rPr lang="en-US" altLang="zh-CN" dirty="0"/>
+              <a:t>var newname</a:t>
+            </a:r>
+          </a:p>
+          <a:p>
+            <a:r>
+              <a:rPr lang="en-US" altLang="zh-CN" dirty="0"/>
+              <a:t>f()=&gt;</a:t>
+            </a:r>
+            <a:r>
+              <a:rPr lang="en-US" altLang="zh-CN" dirty="0" err="1"/>
+              <a:t>todoList</a:t>
+            </a:r>
+            <a:r>
+              <a:rPr lang="en-US" altLang="zh-CN" dirty="0"/>
+              <a:t>=&gt;</a:t>
+            </a:r>
+            <a:endParaRPr lang="zh-CN" altLang="en-US" dirty="0"/>
+          </a:p>
+        </p:txBody>
+      </p:sp>
+      <p:sp>
+        <p:nvSpPr>
+          <p:cNvPr id="10" name="矩形 9">
+            <a:extLst>
+              <a:ext uri="{FF2B5EF4-FFF2-40B4-BE49-F238E27FC236}">
+                <a16:creationId xmlns:a16="http://schemas.microsoft.com/office/drawing/2014/main" id="{E9A2417C-0E4B-4B7C-A6B8-951D804D1952}"/>
+              </a:ext>
+            </a:extLst>
+          </p:cNvPr>
+          <p:cNvSpPr/>
+          <p:nvPr/>
+        </p:nvSpPr>
+        <p:spPr>
+          <a:xfrm>
+            <a:off x="6890327" y="840509"/>
+            <a:ext cx="1736437" cy="1034473"/>
+          </a:xfrm>
+          <a:prstGeom prst="rect">
+            <a:avLst/>
+          </a:prstGeom>
+          <a:noFill/>
+        </p:spPr>
+        <p:style>
+          <a:lnRef idx="2">
+            <a:schemeClr val="accent1">
+              <a:shade val="50000"/>
+            </a:schemeClr>
+          </a:lnRef>
+          <a:fillRef idx="1">
+            <a:schemeClr val="accent1"/>
+          </a:fillRef>
+          <a:effectRef idx="0">
+            <a:schemeClr val="accent1"/>
+          </a:effectRef>
+          <a:fontRef idx="minor">
+            <a:schemeClr val="lt1"/>
+          </a:fontRef>
+        </p:style>
+        <p:txBody>
+          <a:bodyPr rtlCol="0" anchor="ctr"/>
+          <a:lstStyle/>
+          <a:p>
+            <a:pPr algn="ctr"/>
+            <a:endParaRPr lang="zh-CN" altLang="en-US"/>
+          </a:p>
+        </p:txBody>
+      </p:sp>
+      <p:sp>
+        <p:nvSpPr>
+          <p:cNvPr id="11" name="矩形 10">
+            <a:extLst>
+              <a:ext uri="{FF2B5EF4-FFF2-40B4-BE49-F238E27FC236}">
+                <a16:creationId xmlns:a16="http://schemas.microsoft.com/office/drawing/2014/main" id="{F86D1D4B-B073-420A-B014-12A813A7C76A}"/>
+              </a:ext>
+            </a:extLst>
+          </p:cNvPr>
+          <p:cNvSpPr/>
+          <p:nvPr/>
+        </p:nvSpPr>
+        <p:spPr>
+          <a:xfrm>
+            <a:off x="6853382" y="1098209"/>
+            <a:ext cx="1810327" cy="923330"/>
+          </a:xfrm>
+          <a:prstGeom prst="rect">
+            <a:avLst/>
+          </a:prstGeom>
+        </p:spPr>
+        <p:txBody>
+          <a:bodyPr wrap="square">
+            <a:spAutoFit/>
+          </a:bodyPr>
+          <a:lstStyle/>
+          <a:p>
+            <a:r>
+              <a:rPr lang="zh-CN" altLang="zh-CN" b="1" i="1" dirty="0">
+                <a:solidFill>
+                  <a:srgbClr val="660E7A"/>
+                </a:solidFill>
+                <a:latin typeface="Arial Unicode MS"/>
+                <a:ea typeface="Source Code Pro"/>
+              </a:rPr>
+              <a:t>console</a:t>
+            </a:r>
+            <a:r>
+              <a:rPr lang="zh-CN" altLang="zh-CN" dirty="0">
+                <a:solidFill>
+                  <a:srgbClr val="000000"/>
+                </a:solidFill>
+                <a:latin typeface="Arial Unicode MS"/>
+                <a:ea typeface="Source Code Pro"/>
+              </a:rPr>
+              <a:t>.</a:t>
+            </a:r>
+            <a:r>
+              <a:rPr lang="zh-CN" altLang="zh-CN" dirty="0">
+                <a:solidFill>
+                  <a:srgbClr val="7A7A43"/>
+                </a:solidFill>
+                <a:latin typeface="Arial Unicode MS"/>
+                <a:ea typeface="Source Code Pro"/>
+              </a:rPr>
+              <a:t>log</a:t>
+            </a:r>
+            <a:r>
+              <a:rPr lang="zh-CN" altLang="zh-CN" dirty="0">
+                <a:solidFill>
+                  <a:srgbClr val="000000"/>
+                </a:solidFill>
+                <a:latin typeface="Arial Unicode MS"/>
+                <a:ea typeface="Source Code Pro"/>
+              </a:rPr>
+              <a:t>(todo)</a:t>
+            </a:r>
+            <a:br>
+              <a:rPr lang="zh-CN" altLang="zh-CN" dirty="0">
+                <a:solidFill>
+                  <a:srgbClr val="000000"/>
+                </a:solidFill>
+                <a:latin typeface="Arial Unicode MS"/>
+                <a:ea typeface="Source Code Pro"/>
+              </a:rPr>
+            </a:br>
+            <a:endParaRPr lang="zh-CN" altLang="en-US" dirty="0"/>
+          </a:p>
+        </p:txBody>
+      </p:sp>
+      <p:sp>
+        <p:nvSpPr>
+          <p:cNvPr id="12" name="文本框 11">
+            <a:extLst>
+              <a:ext uri="{FF2B5EF4-FFF2-40B4-BE49-F238E27FC236}">
+                <a16:creationId xmlns:a16="http://schemas.microsoft.com/office/drawing/2014/main" id="{AD478727-7F0D-4347-A9E0-9FC5AC65F270}"/>
+              </a:ext>
+            </a:extLst>
+          </p:cNvPr>
+          <p:cNvSpPr txBox="1"/>
+          <p:nvPr/>
+        </p:nvSpPr>
+        <p:spPr>
+          <a:xfrm>
+            <a:off x="6853382" y="405880"/>
+            <a:ext cx="2133600" cy="369332"/>
+          </a:xfrm>
+          <a:prstGeom prst="rect">
+            <a:avLst/>
+          </a:prstGeom>
+          <a:noFill/>
+        </p:spPr>
+        <p:txBody>
+          <a:bodyPr wrap="square" rtlCol="0">
+            <a:spAutoFit/>
+          </a:bodyPr>
+          <a:lstStyle/>
+          <a:p>
+            <a:r>
+              <a:rPr lang="en-US" altLang="zh-CN" dirty="0"/>
+              <a:t>AAFF11</a:t>
+            </a:r>
+            <a:endParaRPr lang="zh-CN" altLang="en-US" dirty="0"/>
+          </a:p>
+        </p:txBody>
+      </p:sp>
+      <p:cxnSp>
+        <p:nvCxnSpPr>
+          <p:cNvPr id="14" name="直接箭头连接符 13">
+            <a:extLst>
+              <a:ext uri="{FF2B5EF4-FFF2-40B4-BE49-F238E27FC236}">
+                <a16:creationId xmlns:a16="http://schemas.microsoft.com/office/drawing/2014/main" id="{3F02544C-FC44-402B-BFBF-9658A3A7CE16}"/>
+              </a:ext>
+            </a:extLst>
+          </p:cNvPr>
+          <p:cNvCxnSpPr>
+            <a:cxnSpLocks/>
+            <a:stCxn id="12" idx="1"/>
+          </p:cNvCxnSpPr>
+          <p:nvPr/>
+        </p:nvCxnSpPr>
+        <p:spPr>
+          <a:xfrm flipH="1">
+            <a:off x="5578764" y="590546"/>
+            <a:ext cx="1274618" cy="1430993"/>
+          </a:xfrm>
+          <a:prstGeom prst="straightConnector1">
+            <a:avLst/>
+          </a:prstGeom>
+          <a:ln w="38100">
+            <a:tailEnd type="triangle"/>
+          </a:ln>
+        </p:spPr>
+        <p:style>
+          <a:lnRef idx="1">
+            <a:schemeClr val="accent1"/>
+          </a:lnRef>
+          <a:fillRef idx="0">
+            <a:schemeClr val="accent1"/>
+          </a:fillRef>
+          <a:effectRef idx="0">
+            <a:schemeClr val="accent1"/>
+          </a:effectRef>
+          <a:fontRef idx="minor">
+            <a:schemeClr val="tx1"/>
+          </a:fontRef>
+        </p:style>
+      </p:cxnSp>
+      <p:sp>
+        <p:nvSpPr>
+          <p:cNvPr id="16" name="文本框 15">
+            <a:extLst>
+              <a:ext uri="{FF2B5EF4-FFF2-40B4-BE49-F238E27FC236}">
+                <a16:creationId xmlns:a16="http://schemas.microsoft.com/office/drawing/2014/main" id="{72A2A1B6-75A2-47DB-A97D-524E47A2EBB0}"/>
+              </a:ext>
+            </a:extLst>
+          </p:cNvPr>
+          <p:cNvSpPr txBox="1"/>
+          <p:nvPr/>
+        </p:nvSpPr>
+        <p:spPr>
+          <a:xfrm>
+            <a:off x="3846946" y="2374167"/>
+            <a:ext cx="2650836" cy="646331"/>
+          </a:xfrm>
+          <a:prstGeom prst="rect">
+            <a:avLst/>
+          </a:prstGeom>
+          <a:noFill/>
+        </p:spPr>
+        <p:txBody>
+          <a:bodyPr wrap="square" rtlCol="0">
+            <a:spAutoFit/>
+          </a:bodyPr>
+          <a:lstStyle/>
+          <a:p>
+            <a:r>
+              <a:rPr lang="zh-CN" altLang="en-US" dirty="0">
+                <a:solidFill>
+                  <a:srgbClr val="FF0000"/>
+                </a:solidFill>
+              </a:rPr>
+              <a:t>浏览器</a:t>
+            </a:r>
+            <a:r>
+              <a:rPr lang="zh-CN" altLang="en-US" dirty="0"/>
+              <a:t>创建对象</a:t>
+            </a:r>
+            <a:endParaRPr lang="en-US" altLang="zh-CN" dirty="0"/>
+          </a:p>
+          <a:p>
+            <a:r>
+              <a:rPr lang="en-US" altLang="zh-CN" b="1" dirty="0">
+                <a:solidFill>
+                  <a:srgbClr val="FF0000"/>
+                </a:solidFill>
+              </a:rPr>
+              <a:t>this</a:t>
+            </a:r>
+            <a:endParaRPr lang="zh-CN" altLang="en-US" b="1" dirty="0">
+              <a:solidFill>
+                <a:srgbClr val="FF0000"/>
+              </a:solidFill>
+            </a:endParaRPr>
+          </a:p>
+        </p:txBody>
+      </p:sp>
+      <p:sp>
+        <p:nvSpPr>
+          <p:cNvPr id="18" name="矩形 17">
+            <a:extLst>
+              <a:ext uri="{FF2B5EF4-FFF2-40B4-BE49-F238E27FC236}">
+                <a16:creationId xmlns:a16="http://schemas.microsoft.com/office/drawing/2014/main" id="{7C1DEC2A-2279-4201-A71C-D212E44B466E}"/>
+              </a:ext>
+            </a:extLst>
+          </p:cNvPr>
+          <p:cNvSpPr/>
+          <p:nvPr/>
+        </p:nvSpPr>
+        <p:spPr>
+          <a:xfrm>
+            <a:off x="6890327" y="2622852"/>
+            <a:ext cx="1736437" cy="1201004"/>
+          </a:xfrm>
+          <a:prstGeom prst="rect">
+            <a:avLst/>
+          </a:prstGeom>
+          <a:noFill/>
+        </p:spPr>
+        <p:style>
+          <a:lnRef idx="2">
+            <a:schemeClr val="accent1">
+              <a:shade val="50000"/>
+            </a:schemeClr>
+          </a:lnRef>
+          <a:fillRef idx="1">
+            <a:schemeClr val="accent1"/>
+          </a:fillRef>
+          <a:effectRef idx="0">
+            <a:schemeClr val="accent1"/>
+          </a:effectRef>
+          <a:fontRef idx="minor">
+            <a:schemeClr val="lt1"/>
+          </a:fontRef>
+        </p:style>
+        <p:txBody>
+          <a:bodyPr rtlCol="0" anchor="ctr"/>
+          <a:lstStyle/>
+          <a:p>
+            <a:pPr algn="ctr"/>
+            <a:endParaRPr lang="zh-CN" altLang="en-US"/>
+          </a:p>
+        </p:txBody>
+      </p:sp>
+      <p:sp>
+        <p:nvSpPr>
+          <p:cNvPr id="19" name="文本框 18">
+            <a:extLst>
+              <a:ext uri="{FF2B5EF4-FFF2-40B4-BE49-F238E27FC236}">
+                <a16:creationId xmlns:a16="http://schemas.microsoft.com/office/drawing/2014/main" id="{FC51BEDF-098A-4B5C-90F8-563ED7D9B958}"/>
+              </a:ext>
+            </a:extLst>
+          </p:cNvPr>
+          <p:cNvSpPr txBox="1"/>
+          <p:nvPr/>
+        </p:nvSpPr>
+        <p:spPr>
+          <a:xfrm>
+            <a:off x="6890327" y="2152133"/>
+            <a:ext cx="2133600" cy="369332"/>
+          </a:xfrm>
+          <a:prstGeom prst="rect">
+            <a:avLst/>
+          </a:prstGeom>
+          <a:noFill/>
+        </p:spPr>
+        <p:txBody>
+          <a:bodyPr wrap="square" rtlCol="0">
+            <a:spAutoFit/>
+          </a:bodyPr>
+          <a:lstStyle/>
+          <a:p>
+            <a:r>
+              <a:rPr lang="en-US" altLang="zh-CN" dirty="0"/>
+              <a:t>AAFF22</a:t>
+            </a:r>
+            <a:endParaRPr lang="zh-CN" altLang="en-US" dirty="0"/>
+          </a:p>
+        </p:txBody>
+      </p:sp>
+      <p:cxnSp>
+        <p:nvCxnSpPr>
+          <p:cNvPr id="21" name="直接箭头连接符 20">
+            <a:extLst>
+              <a:ext uri="{FF2B5EF4-FFF2-40B4-BE49-F238E27FC236}">
+                <a16:creationId xmlns:a16="http://schemas.microsoft.com/office/drawing/2014/main" id="{8FD16204-AC2F-461A-882B-93A9D000DBFE}"/>
+              </a:ext>
+            </a:extLst>
+          </p:cNvPr>
+          <p:cNvCxnSpPr>
+            <a:stCxn id="19" idx="1"/>
+          </p:cNvCxnSpPr>
+          <p:nvPr/>
+        </p:nvCxnSpPr>
+        <p:spPr>
+          <a:xfrm flipH="1">
+            <a:off x="4424218" y="2336799"/>
+            <a:ext cx="2466109" cy="471056"/>
+          </a:xfrm>
+          <a:prstGeom prst="straightConnector1">
+            <a:avLst/>
+          </a:prstGeom>
+          <a:ln w="38100">
+            <a:tailEnd type="triangle"/>
+          </a:ln>
+        </p:spPr>
+        <p:style>
+          <a:lnRef idx="1">
+            <a:schemeClr val="accent1"/>
+          </a:lnRef>
+          <a:fillRef idx="0">
+            <a:schemeClr val="accent1"/>
+          </a:fillRef>
+          <a:effectRef idx="0">
+            <a:schemeClr val="accent1"/>
+          </a:effectRef>
+          <a:fontRef idx="minor">
+            <a:schemeClr val="tx1"/>
+          </a:fontRef>
+        </p:style>
+      </p:cxnSp>
+      <p:sp>
+        <p:nvSpPr>
+          <p:cNvPr id="22" name="文本框 21">
+            <a:extLst>
+              <a:ext uri="{FF2B5EF4-FFF2-40B4-BE49-F238E27FC236}">
+                <a16:creationId xmlns:a16="http://schemas.microsoft.com/office/drawing/2014/main" id="{93B0FBB8-D19D-4241-A992-62430AC2D7F0}"/>
+              </a:ext>
+            </a:extLst>
+          </p:cNvPr>
+          <p:cNvSpPr txBox="1"/>
+          <p:nvPr/>
+        </p:nvSpPr>
+        <p:spPr>
+          <a:xfrm>
+            <a:off x="8986982" y="2152133"/>
+            <a:ext cx="2697018" cy="923330"/>
+          </a:xfrm>
+          <a:prstGeom prst="rect">
+            <a:avLst/>
+          </a:prstGeom>
+          <a:noFill/>
+        </p:spPr>
+        <p:txBody>
+          <a:bodyPr wrap="square" rtlCol="0">
+            <a:spAutoFit/>
+          </a:bodyPr>
+          <a:lstStyle/>
+          <a:p>
+            <a:r>
+              <a:rPr lang="zh-CN" altLang="en-US" dirty="0"/>
+              <a:t>在代码执行之前，浏览器会自动创建一个堆内存，然后将指针指向</a:t>
+            </a:r>
+            <a:r>
+              <a:rPr lang="en-US" altLang="zh-CN" dirty="0"/>
+              <a:t>this</a:t>
+            </a:r>
+            <a:endParaRPr lang="zh-CN" altLang="en-US" dirty="0"/>
+          </a:p>
+        </p:txBody>
+      </p:sp>
+      <p:sp>
+        <p:nvSpPr>
+          <p:cNvPr id="23" name="文本框 22">
+            <a:extLst>
+              <a:ext uri="{FF2B5EF4-FFF2-40B4-BE49-F238E27FC236}">
+                <a16:creationId xmlns:a16="http://schemas.microsoft.com/office/drawing/2014/main" id="{ADD06254-02D3-410F-A67B-7C984F813CE7}"/>
+              </a:ext>
+            </a:extLst>
+          </p:cNvPr>
+          <p:cNvSpPr txBox="1"/>
+          <p:nvPr/>
+        </p:nvSpPr>
+        <p:spPr>
+          <a:xfrm>
+            <a:off x="3851565" y="3038688"/>
+            <a:ext cx="2632362" cy="1754326"/>
+          </a:xfrm>
+          <a:prstGeom prst="rect">
+            <a:avLst/>
+          </a:prstGeom>
+          <a:noFill/>
+        </p:spPr>
+        <p:txBody>
+          <a:bodyPr wrap="square" rtlCol="0">
+            <a:spAutoFit/>
+          </a:bodyPr>
+          <a:lstStyle/>
+          <a:p>
+            <a:r>
+              <a:rPr lang="en-US" altLang="zh-CN" dirty="0"/>
+              <a:t>newname=‘</a:t>
+            </a:r>
+            <a:r>
+              <a:rPr lang="zh-CN" altLang="en-US" dirty="0"/>
+              <a:t>佩奇</a:t>
+            </a:r>
+            <a:r>
+              <a:rPr lang="en-US" altLang="zh-CN" dirty="0"/>
+              <a:t>’</a:t>
+            </a:r>
+          </a:p>
+          <a:p>
+            <a:r>
+              <a:rPr lang="en-US" altLang="zh-CN" dirty="0"/>
+              <a:t>this.name=name=‘tom’</a:t>
+            </a:r>
+          </a:p>
+          <a:p>
+            <a:r>
+              <a:rPr lang="en-US" altLang="zh-CN" dirty="0" err="1"/>
+              <a:t>this.todoList</a:t>
+            </a:r>
+            <a:r>
+              <a:rPr lang="en-US" altLang="zh-CN" dirty="0"/>
+              <a:t>=</a:t>
+            </a:r>
+            <a:r>
+              <a:rPr lang="en-US" altLang="zh-CN" dirty="0" err="1"/>
+              <a:t>todo</a:t>
+            </a:r>
+            <a:r>
+              <a:rPr lang="en-US" altLang="zh-CN" dirty="0"/>
+              <a:t> =‘</a:t>
+            </a:r>
+            <a:r>
+              <a:rPr lang="zh-CN" altLang="en-US" dirty="0"/>
+              <a:t>喵喵</a:t>
+            </a:r>
+            <a:r>
+              <a:rPr lang="en-US" altLang="zh-CN" dirty="0"/>
+              <a:t>’</a:t>
+            </a:r>
+          </a:p>
+          <a:p>
+            <a:r>
+              <a:rPr lang="zh-CN" altLang="en-US" dirty="0"/>
+              <a:t>返回</a:t>
+            </a:r>
+            <a:r>
+              <a:rPr lang="en-US" altLang="zh-CN" dirty="0"/>
+              <a:t>this</a:t>
+            </a:r>
+          </a:p>
+          <a:p>
+            <a:r>
+              <a:rPr lang="en-US" altLang="zh-CN" dirty="0">
+                <a:solidFill>
+                  <a:srgbClr val="FF0000"/>
+                </a:solidFill>
+              </a:rPr>
+              <a:t>return this</a:t>
+            </a:r>
+            <a:endParaRPr lang="zh-CN" altLang="en-US" dirty="0">
+              <a:solidFill>
+                <a:srgbClr val="FF0000"/>
+              </a:solidFill>
+            </a:endParaRPr>
+          </a:p>
+        </p:txBody>
+      </p:sp>
+      <p:sp>
+        <p:nvSpPr>
+          <p:cNvPr id="24" name="文本框 23">
+            <a:extLst>
+              <a:ext uri="{FF2B5EF4-FFF2-40B4-BE49-F238E27FC236}">
+                <a16:creationId xmlns:a16="http://schemas.microsoft.com/office/drawing/2014/main" id="{E0827176-759A-4F93-A70A-E1F812306326}"/>
+              </a:ext>
+            </a:extLst>
+          </p:cNvPr>
+          <p:cNvSpPr txBox="1"/>
+          <p:nvPr/>
+        </p:nvSpPr>
+        <p:spPr>
+          <a:xfrm>
+            <a:off x="6982691" y="2740904"/>
+            <a:ext cx="1570182" cy="646331"/>
+          </a:xfrm>
+          <a:prstGeom prst="rect">
+            <a:avLst/>
+          </a:prstGeom>
+          <a:noFill/>
+        </p:spPr>
+        <p:txBody>
+          <a:bodyPr wrap="square" rtlCol="0">
+            <a:spAutoFit/>
+          </a:bodyPr>
+          <a:lstStyle/>
+          <a:p>
+            <a:r>
+              <a:rPr lang="en-US" altLang="zh-CN" dirty="0" err="1"/>
+              <a:t>name:’tom</a:t>
+            </a:r>
+            <a:r>
+              <a:rPr lang="en-US" altLang="zh-CN" dirty="0"/>
+              <a:t>’</a:t>
+            </a:r>
+          </a:p>
+          <a:p>
+            <a:r>
+              <a:rPr lang="en-US" altLang="zh-CN" dirty="0" err="1"/>
+              <a:t>todoList</a:t>
+            </a:r>
+            <a:r>
+              <a:rPr lang="en-US" altLang="zh-CN" dirty="0"/>
+              <a:t>:”</a:t>
+            </a:r>
+            <a:r>
+              <a:rPr lang="zh-CN" altLang="en-US" dirty="0"/>
+              <a:t>喵喵</a:t>
+            </a:r>
+            <a:r>
+              <a:rPr lang="en-US" altLang="zh-CN" dirty="0"/>
+              <a:t>”</a:t>
+            </a:r>
+            <a:endParaRPr lang="zh-CN" altLang="en-US" dirty="0"/>
+          </a:p>
+        </p:txBody>
+      </p:sp>
+      <p:sp>
+        <p:nvSpPr>
+          <p:cNvPr id="25" name="文本框 24">
+            <a:extLst>
+              <a:ext uri="{FF2B5EF4-FFF2-40B4-BE49-F238E27FC236}">
+                <a16:creationId xmlns:a16="http://schemas.microsoft.com/office/drawing/2014/main" id="{03D46681-13D7-4434-8A1F-828F516E9449}"/>
+              </a:ext>
+            </a:extLst>
+          </p:cNvPr>
+          <p:cNvSpPr txBox="1"/>
+          <p:nvPr/>
+        </p:nvSpPr>
+        <p:spPr>
+          <a:xfrm>
+            <a:off x="3666836" y="5070764"/>
+            <a:ext cx="8349673" cy="1477328"/>
+          </a:xfrm>
+          <a:prstGeom prst="rect">
+            <a:avLst/>
+          </a:prstGeom>
+          <a:noFill/>
+        </p:spPr>
+        <p:txBody>
+          <a:bodyPr wrap="square" rtlCol="0">
+            <a:spAutoFit/>
+          </a:bodyPr>
+          <a:lstStyle/>
+          <a:p>
+            <a:r>
+              <a:rPr lang="zh-CN" altLang="en-US" dirty="0"/>
+              <a:t>浏览器自动机制，帮我们</a:t>
+            </a:r>
+            <a:r>
+              <a:rPr lang="en-US" altLang="zh-CN" dirty="0"/>
+              <a:t>return</a:t>
+            </a:r>
+            <a:r>
+              <a:rPr lang="zh-CN" altLang="en-US" dirty="0"/>
+              <a:t>了</a:t>
+            </a:r>
+            <a:r>
+              <a:rPr lang="en-US" altLang="zh-CN" dirty="0"/>
+              <a:t>this</a:t>
+            </a:r>
+            <a:r>
+              <a:rPr lang="zh-CN" altLang="en-US" dirty="0"/>
+              <a:t>，我们没有写</a:t>
+            </a:r>
+            <a:r>
+              <a:rPr lang="en-US" altLang="zh-CN" dirty="0"/>
+              <a:t>return</a:t>
+            </a:r>
+            <a:r>
+              <a:rPr lang="zh-CN" altLang="en-US" dirty="0"/>
+              <a:t>，默认返回</a:t>
+            </a:r>
+            <a:r>
+              <a:rPr lang="en-US" altLang="zh-CN" dirty="0"/>
+              <a:t>this</a:t>
+            </a:r>
+            <a:r>
+              <a:rPr lang="zh-CN" altLang="en-US" dirty="0"/>
+              <a:t>，</a:t>
+            </a:r>
+            <a:endParaRPr lang="en-US" altLang="zh-CN" dirty="0"/>
+          </a:p>
+          <a:p>
+            <a:r>
+              <a:rPr lang="zh-CN" altLang="en-US" dirty="0"/>
+              <a:t>如果我们写了</a:t>
+            </a:r>
+            <a:r>
+              <a:rPr lang="en-US" altLang="zh-CN" dirty="0"/>
+              <a:t>return</a:t>
+            </a:r>
+          </a:p>
+          <a:p>
+            <a:r>
+              <a:rPr lang="zh-CN" altLang="en-US" dirty="0"/>
+              <a:t>我们需要判断，</a:t>
+            </a:r>
+            <a:r>
+              <a:rPr lang="en-US" altLang="zh-CN" dirty="0"/>
+              <a:t>return</a:t>
+            </a:r>
+            <a:r>
+              <a:rPr lang="zh-CN" altLang="en-US" dirty="0"/>
+              <a:t>后面的值是什么数据类型，</a:t>
+            </a:r>
+            <a:endParaRPr lang="en-US" altLang="zh-CN" dirty="0"/>
+          </a:p>
+          <a:p>
+            <a:r>
+              <a:rPr lang="zh-CN" altLang="en-US" dirty="0"/>
+              <a:t>如果是基本数据类型，</a:t>
+            </a:r>
+            <a:r>
+              <a:rPr lang="en-US" altLang="zh-CN" dirty="0"/>
+              <a:t>this</a:t>
+            </a:r>
+            <a:r>
+              <a:rPr lang="zh-CN" altLang="en-US" dirty="0"/>
+              <a:t>不会发生任何变化</a:t>
+            </a:r>
+            <a:endParaRPr lang="en-US" altLang="zh-CN" dirty="0"/>
+          </a:p>
+          <a:p>
+            <a:r>
+              <a:rPr lang="zh-CN" altLang="en-US" dirty="0"/>
+              <a:t>如果是引用数据类型，</a:t>
+            </a:r>
+            <a:r>
+              <a:rPr lang="en-US" altLang="zh-CN" dirty="0"/>
+              <a:t>return</a:t>
+            </a:r>
+            <a:r>
+              <a:rPr lang="zh-CN" altLang="en-US" dirty="0"/>
+              <a:t>是谁返回值就是谁</a:t>
+            </a:r>
+          </a:p>
+        </p:txBody>
+      </p:sp>
+      <p:sp>
+        <p:nvSpPr>
+          <p:cNvPr id="26" name="文本框 25">
+            <a:extLst>
+              <a:ext uri="{FF2B5EF4-FFF2-40B4-BE49-F238E27FC236}">
+                <a16:creationId xmlns:a16="http://schemas.microsoft.com/office/drawing/2014/main" id="{070F69B6-E478-43D4-95F2-553EE136F5E1}"/>
+              </a:ext>
+            </a:extLst>
+          </p:cNvPr>
+          <p:cNvSpPr txBox="1"/>
+          <p:nvPr/>
+        </p:nvSpPr>
+        <p:spPr>
+          <a:xfrm>
+            <a:off x="295564" y="5393929"/>
+            <a:ext cx="3223491" cy="369332"/>
+          </a:xfrm>
+          <a:prstGeom prst="rect">
+            <a:avLst/>
+          </a:prstGeom>
+          <a:noFill/>
+        </p:spPr>
+        <p:txBody>
+          <a:bodyPr wrap="square" rtlCol="0">
+            <a:spAutoFit/>
+          </a:bodyPr>
+          <a:lstStyle/>
+          <a:p>
+            <a:r>
+              <a:rPr lang="en-US" altLang="zh-CN" dirty="0"/>
+              <a:t>{name:’tom’,</a:t>
+            </a:r>
+            <a:r>
+              <a:rPr lang="en-US" altLang="zh-CN" dirty="0" err="1"/>
+              <a:t>todoList</a:t>
+            </a:r>
+            <a:r>
+              <a:rPr lang="en-US" altLang="zh-CN" dirty="0"/>
+              <a:t>:’</a:t>
+            </a:r>
+            <a:r>
+              <a:rPr lang="zh-CN" altLang="en-US" dirty="0"/>
+              <a:t>喵喵</a:t>
+            </a:r>
+            <a:r>
+              <a:rPr lang="en-US" altLang="zh-CN" dirty="0"/>
+              <a:t>’}</a:t>
+            </a:r>
+            <a:endParaRPr lang="zh-CN" altLang="en-US" dirty="0"/>
+          </a:p>
+        </p:txBody>
+      </p:sp>
+    </p:spTree>
+    <p:extLst>
+      <p:ext uri="{BB962C8B-B14F-4D97-AF65-F5344CB8AC3E}">
+        <p14:creationId xmlns:p14="http://schemas.microsoft.com/office/powerpoint/2010/main" val="1349995565"/>
+      </p:ext>
+    </p:extLst>
+  </p:cSld>
+  <p:clrMapOvr>
+    <a:masterClrMapping/>
+  </p:clrMapOvr>
+</p:sld>
+</file>
+
 <file path=ppt/slides/slide2.xml><?xml version="1.0" encoding="utf-8"?>
 <p:sld xmlns:a="http://schemas.openxmlformats.org/drawingml/2006/main" xmlns:r="http://schemas.openxmlformats.org/officeDocument/2006/relationships" xmlns:p="http://schemas.openxmlformats.org/presentationml/2006/main">
   <p:cSld>
@@ -20406,7 +23016,31 @@
       </a:bgFillStyleLst>
     </a:fmtScheme>
   </a:themeElements>
-  <a:objectDefaults/>
+  <a:objectDefaults>
+    <a:lnDef>
+      <a:spPr>
+        <a:ln w="38100">
+          <a:tailEnd type="triangle"/>
+        </a:ln>
+      </a:spPr>
+      <a:bodyPr/>
+      <a:lstStyle/>
+      <a:style>
+        <a:lnRef idx="1">
+          <a:schemeClr val="accent1"/>
+        </a:lnRef>
+        <a:fillRef idx="0">
+          <a:schemeClr val="accent1"/>
+        </a:fillRef>
+        <a:effectRef idx="0">
+          <a:schemeClr val="accent1"/>
+        </a:effectRef>
+        <a:fontRef idx="minor">
+          <a:schemeClr val="tx1"/>
+        </a:fontRef>
+      </a:style>
+    </a:lnDef>
+  </a:objectDefaults>
   <a:extraClrSchemeLst/>
   <a:extLst>
     <a:ext uri="{05A4C25C-085E-4340-85A3-A5531E510DB2}">

--- a/week1/week1.pptx
+++ b/week1/week1.pptx
@@ -22,6 +22,8 @@
     <p:sldId id="266" r:id="rId16"/>
     <p:sldId id="271" r:id="rId17"/>
     <p:sldId id="272" r:id="rId18"/>
+    <p:sldId id="273" r:id="rId19"/>
+    <p:sldId id="274" r:id="rId20"/>
   </p:sldIdLst>
   <p:sldSz cx="12192000" cy="6858000"/>
   <p:notesSz cx="6858000" cy="9144000"/>
@@ -146,6 +148,8 @@
           <p14:sldIdLst>
             <p14:sldId id="271"/>
             <p14:sldId id="272"/>
+            <p14:sldId id="273"/>
+            <p14:sldId id="274"/>
           </p14:sldIdLst>
         </p14:section>
       </p14:sectionLst>
@@ -13847,6 +13851,1545 @@
 </p:sld>
 </file>
 
+<file path=ppt/slides/slide18.xml><?xml version="1.0" encoding="utf-8"?>
+<p:sld xmlns:a="http://schemas.openxmlformats.org/drawingml/2006/main" xmlns:r="http://schemas.openxmlformats.org/officeDocument/2006/relationships" xmlns:p="http://schemas.openxmlformats.org/presentationml/2006/main">
+  <p:cSld>
+    <p:spTree>
+      <p:nvGrpSpPr>
+        <p:cNvPr id="1" name=""/>
+        <p:cNvGrpSpPr/>
+        <p:nvPr/>
+      </p:nvGrpSpPr>
+      <p:grpSpPr>
+        <a:xfrm>
+          <a:off x="0" y="0"/>
+          <a:ext cx="0" cy="0"/>
+          <a:chOff x="0" y="0"/>
+          <a:chExt cx="0" cy="0"/>
+        </a:xfrm>
+      </p:grpSpPr>
+      <p:sp>
+        <p:nvSpPr>
+          <p:cNvPr id="2" name="椭圆 1">
+            <a:extLst>
+              <a:ext uri="{FF2B5EF4-FFF2-40B4-BE49-F238E27FC236}">
+                <a16:creationId xmlns:a16="http://schemas.microsoft.com/office/drawing/2014/main" id="{616E1860-2C7E-4477-9715-6F12368401DD}"/>
+              </a:ext>
+            </a:extLst>
+          </p:cNvPr>
+          <p:cNvSpPr/>
+          <p:nvPr/>
+        </p:nvSpPr>
+        <p:spPr>
+          <a:xfrm>
+            <a:off x="1265381" y="1145309"/>
+            <a:ext cx="3971637" cy="3971637"/>
+          </a:xfrm>
+          <a:prstGeom prst="ellipse">
+            <a:avLst/>
+          </a:prstGeom>
+          <a:noFill/>
+        </p:spPr>
+        <p:style>
+          <a:lnRef idx="2">
+            <a:schemeClr val="accent1">
+              <a:shade val="50000"/>
+            </a:schemeClr>
+          </a:lnRef>
+          <a:fillRef idx="1">
+            <a:schemeClr val="accent1"/>
+          </a:fillRef>
+          <a:effectRef idx="0">
+            <a:schemeClr val="accent1"/>
+          </a:effectRef>
+          <a:fontRef idx="minor">
+            <a:schemeClr val="lt1"/>
+          </a:fontRef>
+        </p:style>
+        <p:txBody>
+          <a:bodyPr rtlCol="0" anchor="ctr"/>
+          <a:lstStyle/>
+          <a:p>
+            <a:pPr algn="ctr"/>
+            <a:r>
+              <a:rPr lang="en-US" altLang="zh-CN" dirty="0" err="1">
+                <a:solidFill>
+                  <a:schemeClr val="tx1">
+                    <a:lumMod val="95000"/>
+                    <a:lumOff val="5000"/>
+                  </a:schemeClr>
+                </a:solidFill>
+              </a:rPr>
+              <a:t>Fn</a:t>
+            </a:r>
+            <a:r>
+              <a:rPr lang="en-US" altLang="zh-CN" dirty="0">
+                <a:solidFill>
+                  <a:schemeClr val="tx1">
+                    <a:lumMod val="95000"/>
+                    <a:lumOff val="5000"/>
+                  </a:schemeClr>
+                </a:solidFill>
+              </a:rPr>
+              <a:t>(</a:t>
+            </a:r>
+            <a:r>
+              <a:rPr lang="zh-CN" altLang="en-US" dirty="0">
+                <a:solidFill>
+                  <a:schemeClr val="tx1">
+                    <a:lumMod val="95000"/>
+                    <a:lumOff val="5000"/>
+                  </a:schemeClr>
+                </a:solidFill>
+              </a:rPr>
+              <a:t>自定义类</a:t>
+            </a:r>
+            <a:r>
+              <a:rPr lang="en-US" altLang="zh-CN" dirty="0">
+                <a:solidFill>
+                  <a:schemeClr val="tx1">
+                    <a:lumMod val="95000"/>
+                    <a:lumOff val="5000"/>
+                  </a:schemeClr>
+                </a:solidFill>
+              </a:rPr>
+              <a:t>)</a:t>
+            </a:r>
+            <a:endParaRPr lang="zh-CN" altLang="en-US" dirty="0">
+              <a:solidFill>
+                <a:schemeClr val="tx1">
+                  <a:lumMod val="95000"/>
+                  <a:lumOff val="5000"/>
+                </a:schemeClr>
+              </a:solidFill>
+            </a:endParaRPr>
+          </a:p>
+        </p:txBody>
+      </p:sp>
+      <p:sp>
+        <p:nvSpPr>
+          <p:cNvPr id="3" name="椭圆 2">
+            <a:extLst>
+              <a:ext uri="{FF2B5EF4-FFF2-40B4-BE49-F238E27FC236}">
+                <a16:creationId xmlns:a16="http://schemas.microsoft.com/office/drawing/2014/main" id="{3DD69F57-BE69-48D1-9D83-94B627AD3B20}"/>
+              </a:ext>
+            </a:extLst>
+          </p:cNvPr>
+          <p:cNvSpPr/>
+          <p:nvPr/>
+        </p:nvSpPr>
+        <p:spPr>
+          <a:xfrm>
+            <a:off x="2392217" y="1219201"/>
+            <a:ext cx="1717963" cy="1717963"/>
+          </a:xfrm>
+          <a:prstGeom prst="ellipse">
+            <a:avLst/>
+          </a:prstGeom>
+          <a:noFill/>
+        </p:spPr>
+        <p:style>
+          <a:lnRef idx="2">
+            <a:schemeClr val="accent1">
+              <a:shade val="50000"/>
+            </a:schemeClr>
+          </a:lnRef>
+          <a:fillRef idx="1">
+            <a:schemeClr val="accent1"/>
+          </a:fillRef>
+          <a:effectRef idx="0">
+            <a:schemeClr val="accent1"/>
+          </a:effectRef>
+          <a:fontRef idx="minor">
+            <a:schemeClr val="lt1"/>
+          </a:fontRef>
+        </p:style>
+        <p:txBody>
+          <a:bodyPr rtlCol="0" anchor="ctr"/>
+          <a:lstStyle/>
+          <a:p>
+            <a:pPr algn="ctr"/>
+            <a:r>
+              <a:rPr lang="en-US" altLang="zh-CN" dirty="0">
+                <a:solidFill>
+                  <a:srgbClr val="FF0000"/>
+                </a:solidFill>
+              </a:rPr>
+              <a:t>prototype</a:t>
+            </a:r>
+            <a:endParaRPr lang="zh-CN" altLang="en-US" dirty="0">
+              <a:solidFill>
+                <a:srgbClr val="FF0000"/>
+              </a:solidFill>
+            </a:endParaRPr>
+          </a:p>
+        </p:txBody>
+      </p:sp>
+      <p:sp>
+        <p:nvSpPr>
+          <p:cNvPr id="4" name="椭圆 3">
+            <a:extLst>
+              <a:ext uri="{FF2B5EF4-FFF2-40B4-BE49-F238E27FC236}">
+                <a16:creationId xmlns:a16="http://schemas.microsoft.com/office/drawing/2014/main" id="{AC02F919-A257-4068-B019-E2C4058DDE99}"/>
+              </a:ext>
+            </a:extLst>
+          </p:cNvPr>
+          <p:cNvSpPr/>
+          <p:nvPr/>
+        </p:nvSpPr>
+        <p:spPr>
+          <a:xfrm>
+            <a:off x="6446982" y="1667162"/>
+            <a:ext cx="3971637" cy="3971637"/>
+          </a:xfrm>
+          <a:prstGeom prst="ellipse">
+            <a:avLst/>
+          </a:prstGeom>
+          <a:noFill/>
+        </p:spPr>
+        <p:style>
+          <a:lnRef idx="2">
+            <a:schemeClr val="accent1">
+              <a:shade val="50000"/>
+            </a:schemeClr>
+          </a:lnRef>
+          <a:fillRef idx="1">
+            <a:schemeClr val="accent1"/>
+          </a:fillRef>
+          <a:effectRef idx="0">
+            <a:schemeClr val="accent1"/>
+          </a:effectRef>
+          <a:fontRef idx="minor">
+            <a:schemeClr val="lt1"/>
+          </a:fontRef>
+        </p:style>
+        <p:txBody>
+          <a:bodyPr rtlCol="0" anchor="ctr"/>
+          <a:lstStyle/>
+          <a:p>
+            <a:pPr algn="ctr"/>
+            <a:r>
+              <a:rPr lang="en-US" altLang="zh-CN" dirty="0">
+                <a:solidFill>
+                  <a:srgbClr val="FF0000"/>
+                </a:solidFill>
+              </a:rPr>
+              <a:t>prototype</a:t>
+            </a:r>
+            <a:endParaRPr lang="zh-CN" altLang="en-US" dirty="0">
+              <a:solidFill>
+                <a:srgbClr val="FF0000"/>
+              </a:solidFill>
+            </a:endParaRPr>
+          </a:p>
+        </p:txBody>
+      </p:sp>
+      <p:cxnSp>
+        <p:nvCxnSpPr>
+          <p:cNvPr id="6" name="直接箭头连接符 5">
+            <a:extLst>
+              <a:ext uri="{FF2B5EF4-FFF2-40B4-BE49-F238E27FC236}">
+                <a16:creationId xmlns:a16="http://schemas.microsoft.com/office/drawing/2014/main" id="{16A6792C-390A-47D0-AE73-2AB451F9B942}"/>
+              </a:ext>
+            </a:extLst>
+          </p:cNvPr>
+          <p:cNvCxnSpPr>
+            <a:cxnSpLocks/>
+            <a:stCxn id="3" idx="6"/>
+            <a:endCxn id="4" idx="2"/>
+          </p:cNvCxnSpPr>
+          <p:nvPr/>
+        </p:nvCxnSpPr>
+        <p:spPr>
+          <a:xfrm>
+            <a:off x="4110180" y="2078183"/>
+            <a:ext cx="2336802" cy="1574798"/>
+          </a:xfrm>
+          <a:prstGeom prst="straightConnector1">
+            <a:avLst/>
+          </a:prstGeom>
+          <a:ln w="38100">
+            <a:tailEnd type="triangle"/>
+          </a:ln>
+        </p:spPr>
+        <p:style>
+          <a:lnRef idx="1">
+            <a:schemeClr val="accent1"/>
+          </a:lnRef>
+          <a:fillRef idx="0">
+            <a:schemeClr val="accent1"/>
+          </a:fillRef>
+          <a:effectRef idx="0">
+            <a:schemeClr val="accent1"/>
+          </a:effectRef>
+          <a:fontRef idx="minor">
+            <a:schemeClr val="tx1"/>
+          </a:fontRef>
+        </p:style>
+      </p:cxnSp>
+      <p:sp>
+        <p:nvSpPr>
+          <p:cNvPr id="7" name="椭圆 6">
+            <a:extLst>
+              <a:ext uri="{FF2B5EF4-FFF2-40B4-BE49-F238E27FC236}">
+                <a16:creationId xmlns:a16="http://schemas.microsoft.com/office/drawing/2014/main" id="{07C7E968-5DD3-435D-91E4-ABD6429B9588}"/>
+              </a:ext>
+            </a:extLst>
+          </p:cNvPr>
+          <p:cNvSpPr/>
+          <p:nvPr/>
+        </p:nvSpPr>
+        <p:spPr>
+          <a:xfrm>
+            <a:off x="7389091" y="1711037"/>
+            <a:ext cx="1985819" cy="1717963"/>
+          </a:xfrm>
+          <a:prstGeom prst="ellipse">
+            <a:avLst/>
+          </a:prstGeom>
+          <a:noFill/>
+        </p:spPr>
+        <p:style>
+          <a:lnRef idx="2">
+            <a:schemeClr val="accent1">
+              <a:shade val="50000"/>
+            </a:schemeClr>
+          </a:lnRef>
+          <a:fillRef idx="1">
+            <a:schemeClr val="accent1"/>
+          </a:fillRef>
+          <a:effectRef idx="0">
+            <a:schemeClr val="accent1"/>
+          </a:effectRef>
+          <a:fontRef idx="minor">
+            <a:schemeClr val="lt1"/>
+          </a:fontRef>
+        </p:style>
+        <p:txBody>
+          <a:bodyPr rtlCol="0" anchor="ctr"/>
+          <a:lstStyle/>
+          <a:p>
+            <a:pPr algn="ctr"/>
+            <a:r>
+              <a:rPr lang="en-US" altLang="zh-CN" dirty="0">
+                <a:solidFill>
+                  <a:schemeClr val="tx1">
+                    <a:lumMod val="95000"/>
+                    <a:lumOff val="5000"/>
+                  </a:schemeClr>
+                </a:solidFill>
+              </a:rPr>
+              <a:t>constructor</a:t>
+            </a:r>
+            <a:endParaRPr lang="zh-CN" altLang="en-US" dirty="0">
+              <a:solidFill>
+                <a:schemeClr val="tx1">
+                  <a:lumMod val="95000"/>
+                  <a:lumOff val="5000"/>
+                </a:schemeClr>
+              </a:solidFill>
+            </a:endParaRPr>
+          </a:p>
+        </p:txBody>
+      </p:sp>
+      <p:cxnSp>
+        <p:nvCxnSpPr>
+          <p:cNvPr id="9" name="直接箭头连接符 8">
+            <a:extLst>
+              <a:ext uri="{FF2B5EF4-FFF2-40B4-BE49-F238E27FC236}">
+                <a16:creationId xmlns:a16="http://schemas.microsoft.com/office/drawing/2014/main" id="{68284763-982A-4EA5-9A48-3160BDF37B6E}"/>
+              </a:ext>
+            </a:extLst>
+          </p:cNvPr>
+          <p:cNvCxnSpPr>
+            <a:cxnSpLocks/>
+            <a:stCxn id="7" idx="2"/>
+          </p:cNvCxnSpPr>
+          <p:nvPr/>
+        </p:nvCxnSpPr>
+        <p:spPr>
+          <a:xfrm flipH="1">
+            <a:off x="5237016" y="2570019"/>
+            <a:ext cx="2152075" cy="1004454"/>
+          </a:xfrm>
+          <a:prstGeom prst="straightConnector1">
+            <a:avLst/>
+          </a:prstGeom>
+          <a:ln w="38100">
+            <a:tailEnd type="triangle"/>
+          </a:ln>
+        </p:spPr>
+        <p:style>
+          <a:lnRef idx="1">
+            <a:schemeClr val="accent1"/>
+          </a:lnRef>
+          <a:fillRef idx="0">
+            <a:schemeClr val="accent1"/>
+          </a:fillRef>
+          <a:effectRef idx="0">
+            <a:schemeClr val="accent1"/>
+          </a:effectRef>
+          <a:fontRef idx="minor">
+            <a:schemeClr val="tx1"/>
+          </a:fontRef>
+        </p:style>
+      </p:cxnSp>
+    </p:spTree>
+    <p:extLst>
+      <p:ext uri="{BB962C8B-B14F-4D97-AF65-F5344CB8AC3E}">
+        <p14:creationId xmlns:p14="http://schemas.microsoft.com/office/powerpoint/2010/main" val="1455466381"/>
+      </p:ext>
+    </p:extLst>
+  </p:cSld>
+  <p:clrMapOvr>
+    <a:masterClrMapping/>
+  </p:clrMapOvr>
+</p:sld>
+</file>
+
+<file path=ppt/slides/slide19.xml><?xml version="1.0" encoding="utf-8"?>
+<p:sld xmlns:a="http://schemas.openxmlformats.org/drawingml/2006/main" xmlns:r="http://schemas.openxmlformats.org/officeDocument/2006/relationships" xmlns:p="http://schemas.openxmlformats.org/presentationml/2006/main">
+  <p:cSld>
+    <p:spTree>
+      <p:nvGrpSpPr>
+        <p:cNvPr id="1" name=""/>
+        <p:cNvGrpSpPr/>
+        <p:nvPr/>
+      </p:nvGrpSpPr>
+      <p:grpSpPr>
+        <a:xfrm>
+          <a:off x="0" y="0"/>
+          <a:ext cx="0" cy="0"/>
+          <a:chOff x="0" y="0"/>
+          <a:chExt cx="0" cy="0"/>
+        </a:xfrm>
+      </p:grpSpPr>
+      <p:sp>
+        <p:nvSpPr>
+          <p:cNvPr id="2" name="矩形 1">
+            <a:extLst>
+              <a:ext uri="{FF2B5EF4-FFF2-40B4-BE49-F238E27FC236}">
+                <a16:creationId xmlns:a16="http://schemas.microsoft.com/office/drawing/2014/main" id="{A0A674D4-CA12-4DDF-90ED-860161DE1B95}"/>
+              </a:ext>
+            </a:extLst>
+          </p:cNvPr>
+          <p:cNvSpPr/>
+          <p:nvPr/>
+        </p:nvSpPr>
+        <p:spPr>
+          <a:xfrm>
+            <a:off x="1200727" y="840509"/>
+            <a:ext cx="1496291" cy="1962727"/>
+          </a:xfrm>
+          <a:prstGeom prst="rect">
+            <a:avLst/>
+          </a:prstGeom>
+          <a:noFill/>
+        </p:spPr>
+        <p:style>
+          <a:lnRef idx="2">
+            <a:schemeClr val="accent1">
+              <a:shade val="50000"/>
+            </a:schemeClr>
+          </a:lnRef>
+          <a:fillRef idx="1">
+            <a:schemeClr val="accent1"/>
+          </a:fillRef>
+          <a:effectRef idx="0">
+            <a:schemeClr val="accent1"/>
+          </a:effectRef>
+          <a:fontRef idx="minor">
+            <a:schemeClr val="lt1"/>
+          </a:fontRef>
+        </p:style>
+        <p:txBody>
+          <a:bodyPr rot="0" spcFirstLastPara="0" vertOverflow="overflow" horzOverflow="overflow" vert="horz" wrap="square" lIns="91440" tIns="45720" rIns="91440" bIns="45720" numCol="1" spcCol="0" rtlCol="0" fromWordArt="0" anchor="ctr" anchorCtr="0" forceAA="0" compatLnSpc="1">
+            <a:prstTxWarp prst="textNoShape">
+              <a:avLst/>
+            </a:prstTxWarp>
+            <a:noAutofit/>
+          </a:bodyPr>
+          <a:lstStyle/>
+          <a:p>
+            <a:pPr algn="ctr"/>
+            <a:endParaRPr lang="zh-CN" altLang="en-US" dirty="0" err="1">
+              <a:solidFill>
+                <a:schemeClr val="tx1">
+                  <a:lumMod val="95000"/>
+                  <a:lumOff val="5000"/>
+                </a:schemeClr>
+              </a:solidFill>
+            </a:endParaRPr>
+          </a:p>
+        </p:txBody>
+      </p:sp>
+      <p:sp>
+        <p:nvSpPr>
+          <p:cNvPr id="3" name="文本框 2">
+            <a:extLst>
+              <a:ext uri="{FF2B5EF4-FFF2-40B4-BE49-F238E27FC236}">
+                <a16:creationId xmlns:a16="http://schemas.microsoft.com/office/drawing/2014/main" id="{8485C724-0FBD-4F70-A4B1-76ECB0184D69}"/>
+              </a:ext>
+            </a:extLst>
+          </p:cNvPr>
+          <p:cNvSpPr txBox="1"/>
+          <p:nvPr/>
+        </p:nvSpPr>
+        <p:spPr>
+          <a:xfrm>
+            <a:off x="1200727" y="1191490"/>
+            <a:ext cx="1607128" cy="369332"/>
+          </a:xfrm>
+          <a:prstGeom prst="rect">
+            <a:avLst/>
+          </a:prstGeom>
+          <a:noFill/>
+        </p:spPr>
+        <p:txBody>
+          <a:bodyPr wrap="square" rtlCol="0">
+            <a:spAutoFit/>
+          </a:bodyPr>
+          <a:lstStyle/>
+          <a:p>
+            <a:r>
+              <a:rPr lang="en-US" altLang="zh-CN" dirty="0" err="1"/>
+              <a:t>Fn</a:t>
+            </a:r>
+            <a:r>
+              <a:rPr lang="en-US" altLang="zh-CN" dirty="0"/>
+              <a:t>(</a:t>
+            </a:r>
+            <a:r>
+              <a:rPr lang="zh-CN" altLang="en-US" dirty="0"/>
+              <a:t>自定义类</a:t>
+            </a:r>
+            <a:r>
+              <a:rPr lang="en-US" altLang="zh-CN" dirty="0"/>
+              <a:t>)</a:t>
+            </a:r>
+            <a:endParaRPr lang="zh-CN" altLang="en-US" dirty="0"/>
+          </a:p>
+        </p:txBody>
+      </p:sp>
+      <p:sp>
+        <p:nvSpPr>
+          <p:cNvPr id="4" name="文本框 3">
+            <a:extLst>
+              <a:ext uri="{FF2B5EF4-FFF2-40B4-BE49-F238E27FC236}">
+                <a16:creationId xmlns:a16="http://schemas.microsoft.com/office/drawing/2014/main" id="{7D697913-85C7-4AE3-B89B-AE9E305BBE67}"/>
+              </a:ext>
+            </a:extLst>
+          </p:cNvPr>
+          <p:cNvSpPr txBox="1"/>
+          <p:nvPr/>
+        </p:nvSpPr>
+        <p:spPr>
+          <a:xfrm>
+            <a:off x="1634834" y="4054764"/>
+            <a:ext cx="1607128" cy="1200329"/>
+          </a:xfrm>
+          <a:prstGeom prst="rect">
+            <a:avLst/>
+          </a:prstGeom>
+          <a:noFill/>
+        </p:spPr>
+        <p:txBody>
+          <a:bodyPr wrap="square" rtlCol="0">
+            <a:spAutoFit/>
+          </a:bodyPr>
+          <a:lstStyle/>
+          <a:p>
+            <a:r>
+              <a:rPr lang="en-US" altLang="zh-CN" dirty="0"/>
+              <a:t>f</a:t>
+            </a:r>
+          </a:p>
+          <a:p>
+            <a:r>
+              <a:rPr lang="en-US" altLang="zh-CN" dirty="0"/>
+              <a:t>name: "</a:t>
+            </a:r>
+            <a:r>
+              <a:rPr lang="zh-CN" altLang="en-US" dirty="0"/>
+              <a:t>大猫</a:t>
+            </a:r>
+            <a:r>
+              <a:rPr lang="en-US" altLang="zh-CN" dirty="0"/>
+              <a:t>", age: "8", </a:t>
+            </a:r>
+          </a:p>
+          <a:p>
+            <a:r>
+              <a:rPr lang="en-US" altLang="zh-CN" dirty="0"/>
+              <a:t>say: ƒ</a:t>
+            </a:r>
+            <a:endParaRPr lang="zh-CN" altLang="en-US" dirty="0"/>
+          </a:p>
+        </p:txBody>
+      </p:sp>
+      <p:sp>
+        <p:nvSpPr>
+          <p:cNvPr id="5" name="文本框 4">
+            <a:extLst>
+              <a:ext uri="{FF2B5EF4-FFF2-40B4-BE49-F238E27FC236}">
+                <a16:creationId xmlns:a16="http://schemas.microsoft.com/office/drawing/2014/main" id="{A8B0A811-F438-4534-BC0E-4705423FF88A}"/>
+              </a:ext>
+            </a:extLst>
+          </p:cNvPr>
+          <p:cNvSpPr txBox="1"/>
+          <p:nvPr/>
+        </p:nvSpPr>
+        <p:spPr>
+          <a:xfrm>
+            <a:off x="3870036" y="4063878"/>
+            <a:ext cx="1607128" cy="1477328"/>
+          </a:xfrm>
+          <a:prstGeom prst="rect">
+            <a:avLst/>
+          </a:prstGeom>
+          <a:noFill/>
+        </p:spPr>
+        <p:txBody>
+          <a:bodyPr wrap="square" rtlCol="0">
+            <a:spAutoFit/>
+          </a:bodyPr>
+          <a:lstStyle/>
+          <a:p>
+            <a:r>
+              <a:rPr lang="en-US" altLang="zh-CN" dirty="0"/>
+              <a:t>f1</a:t>
+            </a:r>
+          </a:p>
+          <a:p>
+            <a:r>
+              <a:rPr lang="en-US" altLang="zh-CN" dirty="0"/>
+              <a:t>name: "</a:t>
+            </a:r>
+            <a:r>
+              <a:rPr lang="zh-CN" altLang="en-US" dirty="0"/>
+              <a:t>大猫</a:t>
+            </a:r>
+            <a:r>
+              <a:rPr lang="en-US" altLang="zh-CN" dirty="0"/>
+              <a:t>", age: "8", </a:t>
+            </a:r>
+          </a:p>
+          <a:p>
+            <a:r>
+              <a:rPr lang="en-US" altLang="zh-CN" dirty="0"/>
+              <a:t>say: ƒ</a:t>
+            </a:r>
+            <a:endParaRPr lang="zh-CN" altLang="en-US" dirty="0"/>
+          </a:p>
+          <a:p>
+            <a:endParaRPr lang="zh-CN" altLang="en-US" dirty="0"/>
+          </a:p>
+        </p:txBody>
+      </p:sp>
+      <p:sp>
+        <p:nvSpPr>
+          <p:cNvPr id="6" name="矩形 5">
+            <a:extLst>
+              <a:ext uri="{FF2B5EF4-FFF2-40B4-BE49-F238E27FC236}">
+                <a16:creationId xmlns:a16="http://schemas.microsoft.com/office/drawing/2014/main" id="{6F0BB2E6-7BA0-46DD-AE5B-0F154AEB83E4}"/>
+              </a:ext>
+            </a:extLst>
+          </p:cNvPr>
+          <p:cNvSpPr/>
+          <p:nvPr/>
+        </p:nvSpPr>
+        <p:spPr>
+          <a:xfrm>
+            <a:off x="1542472" y="4054764"/>
+            <a:ext cx="1681018" cy="1690254"/>
+          </a:xfrm>
+          <a:prstGeom prst="rect">
+            <a:avLst/>
+          </a:prstGeom>
+          <a:noFill/>
+        </p:spPr>
+        <p:style>
+          <a:lnRef idx="2">
+            <a:schemeClr val="accent1">
+              <a:shade val="50000"/>
+            </a:schemeClr>
+          </a:lnRef>
+          <a:fillRef idx="1">
+            <a:schemeClr val="accent1"/>
+          </a:fillRef>
+          <a:effectRef idx="0">
+            <a:schemeClr val="accent1"/>
+          </a:effectRef>
+          <a:fontRef idx="minor">
+            <a:schemeClr val="lt1"/>
+          </a:fontRef>
+        </p:style>
+        <p:txBody>
+          <a:bodyPr rot="0" spcFirstLastPara="0" vertOverflow="overflow" horzOverflow="overflow" vert="horz" wrap="square" lIns="91440" tIns="45720" rIns="91440" bIns="45720" numCol="1" spcCol="0" rtlCol="0" fromWordArt="0" anchor="ctr" anchorCtr="0" forceAA="0" compatLnSpc="1">
+            <a:prstTxWarp prst="textNoShape">
+              <a:avLst/>
+            </a:prstTxWarp>
+            <a:noAutofit/>
+          </a:bodyPr>
+          <a:lstStyle/>
+          <a:p>
+            <a:pPr algn="ctr"/>
+            <a:endParaRPr lang="zh-CN" altLang="en-US" dirty="0" err="1">
+              <a:solidFill>
+                <a:schemeClr val="tx1">
+                  <a:lumMod val="95000"/>
+                  <a:lumOff val="5000"/>
+                </a:schemeClr>
+              </a:solidFill>
+            </a:endParaRPr>
+          </a:p>
+        </p:txBody>
+      </p:sp>
+      <p:sp>
+        <p:nvSpPr>
+          <p:cNvPr id="7" name="矩形 6">
+            <a:extLst>
+              <a:ext uri="{FF2B5EF4-FFF2-40B4-BE49-F238E27FC236}">
+                <a16:creationId xmlns:a16="http://schemas.microsoft.com/office/drawing/2014/main" id="{671732D6-2F50-4519-8CD6-908D560B56E6}"/>
+              </a:ext>
+            </a:extLst>
+          </p:cNvPr>
+          <p:cNvSpPr/>
+          <p:nvPr/>
+        </p:nvSpPr>
+        <p:spPr>
+          <a:xfrm>
+            <a:off x="3833091" y="4054764"/>
+            <a:ext cx="1681018" cy="1690254"/>
+          </a:xfrm>
+          <a:prstGeom prst="rect">
+            <a:avLst/>
+          </a:prstGeom>
+          <a:noFill/>
+        </p:spPr>
+        <p:style>
+          <a:lnRef idx="2">
+            <a:schemeClr val="accent1">
+              <a:shade val="50000"/>
+            </a:schemeClr>
+          </a:lnRef>
+          <a:fillRef idx="1">
+            <a:schemeClr val="accent1"/>
+          </a:fillRef>
+          <a:effectRef idx="0">
+            <a:schemeClr val="accent1"/>
+          </a:effectRef>
+          <a:fontRef idx="minor">
+            <a:schemeClr val="lt1"/>
+          </a:fontRef>
+        </p:style>
+        <p:txBody>
+          <a:bodyPr rot="0" spcFirstLastPara="0" vertOverflow="overflow" horzOverflow="overflow" vert="horz" wrap="square" lIns="91440" tIns="45720" rIns="91440" bIns="45720" numCol="1" spcCol="0" rtlCol="0" fromWordArt="0" anchor="ctr" anchorCtr="0" forceAA="0" compatLnSpc="1">
+            <a:prstTxWarp prst="textNoShape">
+              <a:avLst/>
+            </a:prstTxWarp>
+            <a:noAutofit/>
+          </a:bodyPr>
+          <a:lstStyle/>
+          <a:p>
+            <a:pPr algn="ctr"/>
+            <a:endParaRPr lang="zh-CN" altLang="en-US" dirty="0" err="1">
+              <a:solidFill>
+                <a:schemeClr val="tx1">
+                  <a:lumMod val="95000"/>
+                  <a:lumOff val="5000"/>
+                </a:schemeClr>
+              </a:solidFill>
+            </a:endParaRPr>
+          </a:p>
+        </p:txBody>
+      </p:sp>
+      <p:sp>
+        <p:nvSpPr>
+          <p:cNvPr id="8" name="文本框 7">
+            <a:extLst>
+              <a:ext uri="{FF2B5EF4-FFF2-40B4-BE49-F238E27FC236}">
+                <a16:creationId xmlns:a16="http://schemas.microsoft.com/office/drawing/2014/main" id="{9BF71F10-33D8-48A9-AEB5-6817B815CED4}"/>
+              </a:ext>
+            </a:extLst>
+          </p:cNvPr>
+          <p:cNvSpPr txBox="1"/>
+          <p:nvPr/>
+        </p:nvSpPr>
+        <p:spPr>
+          <a:xfrm>
+            <a:off x="1357745" y="2433904"/>
+            <a:ext cx="1219200" cy="369332"/>
+          </a:xfrm>
+          <a:prstGeom prst="rect">
+            <a:avLst/>
+          </a:prstGeom>
+          <a:noFill/>
+        </p:spPr>
+        <p:txBody>
+          <a:bodyPr wrap="square" rtlCol="0">
+            <a:spAutoFit/>
+          </a:bodyPr>
+          <a:lstStyle/>
+          <a:p>
+            <a:r>
+              <a:rPr lang="en-US" altLang="zh-CN" dirty="0"/>
+              <a:t>prototype</a:t>
+            </a:r>
+            <a:endParaRPr lang="zh-CN" altLang="en-US" dirty="0"/>
+          </a:p>
+        </p:txBody>
+      </p:sp>
+      <p:sp>
+        <p:nvSpPr>
+          <p:cNvPr id="9" name="矩形 8">
+            <a:extLst>
+              <a:ext uri="{FF2B5EF4-FFF2-40B4-BE49-F238E27FC236}">
+                <a16:creationId xmlns:a16="http://schemas.microsoft.com/office/drawing/2014/main" id="{4483A023-A212-4C74-8A71-0A2C2111E3E9}"/>
+              </a:ext>
+            </a:extLst>
+          </p:cNvPr>
+          <p:cNvSpPr/>
+          <p:nvPr/>
+        </p:nvSpPr>
+        <p:spPr>
+          <a:xfrm>
+            <a:off x="3454400" y="840509"/>
+            <a:ext cx="1393098" cy="1881418"/>
+          </a:xfrm>
+          <a:prstGeom prst="rect">
+            <a:avLst/>
+          </a:prstGeom>
+          <a:noFill/>
+        </p:spPr>
+        <p:style>
+          <a:lnRef idx="2">
+            <a:schemeClr val="accent1">
+              <a:shade val="50000"/>
+            </a:schemeClr>
+          </a:lnRef>
+          <a:fillRef idx="1">
+            <a:schemeClr val="accent1"/>
+          </a:fillRef>
+          <a:effectRef idx="0">
+            <a:schemeClr val="accent1"/>
+          </a:effectRef>
+          <a:fontRef idx="minor">
+            <a:schemeClr val="lt1"/>
+          </a:fontRef>
+        </p:style>
+        <p:txBody>
+          <a:bodyPr rot="0" spcFirstLastPara="0" vertOverflow="overflow" horzOverflow="overflow" vert="horz" wrap="square" lIns="91440" tIns="45720" rIns="91440" bIns="45720" numCol="1" spcCol="0" rtlCol="0" fromWordArt="0" anchor="ctr" anchorCtr="0" forceAA="0" compatLnSpc="1">
+            <a:prstTxWarp prst="textNoShape">
+              <a:avLst/>
+            </a:prstTxWarp>
+            <a:noAutofit/>
+          </a:bodyPr>
+          <a:lstStyle/>
+          <a:p>
+            <a:pPr algn="ctr"/>
+            <a:endParaRPr lang="zh-CN" altLang="en-US" dirty="0" err="1">
+              <a:solidFill>
+                <a:schemeClr val="tx1">
+                  <a:lumMod val="95000"/>
+                  <a:lumOff val="5000"/>
+                </a:schemeClr>
+              </a:solidFill>
+            </a:endParaRPr>
+          </a:p>
+        </p:txBody>
+      </p:sp>
+      <p:sp>
+        <p:nvSpPr>
+          <p:cNvPr id="10" name="文本框 9">
+            <a:extLst>
+              <a:ext uri="{FF2B5EF4-FFF2-40B4-BE49-F238E27FC236}">
+                <a16:creationId xmlns:a16="http://schemas.microsoft.com/office/drawing/2014/main" id="{D07C9874-6A0A-444E-9DF8-DFF4D42F0B8A}"/>
+              </a:ext>
+            </a:extLst>
+          </p:cNvPr>
+          <p:cNvSpPr txBox="1"/>
+          <p:nvPr/>
+        </p:nvSpPr>
+        <p:spPr>
+          <a:xfrm>
+            <a:off x="3565236" y="947461"/>
+            <a:ext cx="1496291" cy="369332"/>
+          </a:xfrm>
+          <a:prstGeom prst="rect">
+            <a:avLst/>
+          </a:prstGeom>
+          <a:noFill/>
+        </p:spPr>
+        <p:txBody>
+          <a:bodyPr wrap="square" rtlCol="0">
+            <a:spAutoFit/>
+          </a:bodyPr>
+          <a:lstStyle/>
+          <a:p>
+            <a:r>
+              <a:rPr lang="en-US" altLang="zh-CN" dirty="0"/>
+              <a:t>constructor</a:t>
+            </a:r>
+            <a:endParaRPr lang="zh-CN" altLang="en-US" dirty="0"/>
+          </a:p>
+        </p:txBody>
+      </p:sp>
+      <p:cxnSp>
+        <p:nvCxnSpPr>
+          <p:cNvPr id="12" name="连接符: 肘形 11">
+            <a:extLst>
+              <a:ext uri="{FF2B5EF4-FFF2-40B4-BE49-F238E27FC236}">
+                <a16:creationId xmlns:a16="http://schemas.microsoft.com/office/drawing/2014/main" id="{5B0A866E-E1F3-4944-95E8-3CBD1D8373EC}"/>
+              </a:ext>
+            </a:extLst>
+          </p:cNvPr>
+          <p:cNvCxnSpPr>
+            <a:endCxn id="2" idx="3"/>
+          </p:cNvCxnSpPr>
+          <p:nvPr/>
+        </p:nvCxnSpPr>
+        <p:spPr>
+          <a:xfrm rot="10800000" flipV="1">
+            <a:off x="2697019" y="1132127"/>
+            <a:ext cx="757381" cy="689745"/>
+          </a:xfrm>
+          <a:prstGeom prst="bentConnector3">
+            <a:avLst/>
+          </a:prstGeom>
+          <a:ln w="38100">
+            <a:tailEnd type="triangle"/>
+          </a:ln>
+        </p:spPr>
+        <p:style>
+          <a:lnRef idx="1">
+            <a:schemeClr val="accent1"/>
+          </a:lnRef>
+          <a:fillRef idx="0">
+            <a:schemeClr val="accent1"/>
+          </a:fillRef>
+          <a:effectRef idx="0">
+            <a:schemeClr val="accent1"/>
+          </a:effectRef>
+          <a:fontRef idx="minor">
+            <a:schemeClr val="tx1"/>
+          </a:fontRef>
+        </p:style>
+      </p:cxnSp>
+      <p:sp>
+        <p:nvSpPr>
+          <p:cNvPr id="13" name="文本框 12">
+            <a:extLst>
+              <a:ext uri="{FF2B5EF4-FFF2-40B4-BE49-F238E27FC236}">
+                <a16:creationId xmlns:a16="http://schemas.microsoft.com/office/drawing/2014/main" id="{13F1A813-282C-4E49-886D-44867937C1B5}"/>
+              </a:ext>
+            </a:extLst>
+          </p:cNvPr>
+          <p:cNvSpPr txBox="1"/>
+          <p:nvPr/>
+        </p:nvSpPr>
+        <p:spPr>
+          <a:xfrm>
+            <a:off x="1579417" y="5371673"/>
+            <a:ext cx="1607128" cy="369332"/>
+          </a:xfrm>
+          <a:prstGeom prst="rect">
+            <a:avLst/>
+          </a:prstGeom>
+          <a:noFill/>
+        </p:spPr>
+        <p:txBody>
+          <a:bodyPr wrap="square" rtlCol="0">
+            <a:spAutoFit/>
+          </a:bodyPr>
+          <a:lstStyle/>
+          <a:p>
+            <a:r>
+              <a:rPr lang="en-US" altLang="zh-CN" dirty="0"/>
+              <a:t>__proto__</a:t>
+            </a:r>
+            <a:endParaRPr lang="zh-CN" altLang="en-US" dirty="0"/>
+          </a:p>
+        </p:txBody>
+      </p:sp>
+      <p:sp>
+        <p:nvSpPr>
+          <p:cNvPr id="14" name="文本框 13">
+            <a:extLst>
+              <a:ext uri="{FF2B5EF4-FFF2-40B4-BE49-F238E27FC236}">
+                <a16:creationId xmlns:a16="http://schemas.microsoft.com/office/drawing/2014/main" id="{B47A87F9-F8CC-4007-A774-9A0DE1DE9A6B}"/>
+              </a:ext>
+            </a:extLst>
+          </p:cNvPr>
+          <p:cNvSpPr txBox="1"/>
+          <p:nvPr/>
+        </p:nvSpPr>
+        <p:spPr>
+          <a:xfrm>
+            <a:off x="3962399" y="5334491"/>
+            <a:ext cx="1607128" cy="369332"/>
+          </a:xfrm>
+          <a:prstGeom prst="rect">
+            <a:avLst/>
+          </a:prstGeom>
+          <a:noFill/>
+        </p:spPr>
+        <p:txBody>
+          <a:bodyPr wrap="square" rtlCol="0">
+            <a:spAutoFit/>
+          </a:bodyPr>
+          <a:lstStyle/>
+          <a:p>
+            <a:r>
+              <a:rPr lang="en-US" altLang="zh-CN" dirty="0"/>
+              <a:t>__proto__</a:t>
+            </a:r>
+            <a:endParaRPr lang="zh-CN" altLang="en-US" dirty="0"/>
+          </a:p>
+        </p:txBody>
+      </p:sp>
+      <p:cxnSp>
+        <p:nvCxnSpPr>
+          <p:cNvPr id="16" name="直接箭头连接符 15">
+            <a:extLst>
+              <a:ext uri="{FF2B5EF4-FFF2-40B4-BE49-F238E27FC236}">
+                <a16:creationId xmlns:a16="http://schemas.microsoft.com/office/drawing/2014/main" id="{26052BC6-04DE-4B64-8958-DFDE718D3727}"/>
+              </a:ext>
+            </a:extLst>
+          </p:cNvPr>
+          <p:cNvCxnSpPr>
+            <a:stCxn id="13" idx="0"/>
+          </p:cNvCxnSpPr>
+          <p:nvPr/>
+        </p:nvCxnSpPr>
+        <p:spPr>
+          <a:xfrm flipV="1">
+            <a:off x="2382981" y="2715491"/>
+            <a:ext cx="1071418" cy="2656182"/>
+          </a:xfrm>
+          <a:prstGeom prst="straightConnector1">
+            <a:avLst/>
+          </a:prstGeom>
+          <a:ln w="38100">
+            <a:tailEnd type="triangle"/>
+          </a:ln>
+        </p:spPr>
+        <p:style>
+          <a:lnRef idx="1">
+            <a:schemeClr val="accent1"/>
+          </a:lnRef>
+          <a:fillRef idx="0">
+            <a:schemeClr val="accent1"/>
+          </a:fillRef>
+          <a:effectRef idx="0">
+            <a:schemeClr val="accent1"/>
+          </a:effectRef>
+          <a:fontRef idx="minor">
+            <a:schemeClr val="tx1"/>
+          </a:fontRef>
+        </p:style>
+      </p:cxnSp>
+      <p:cxnSp>
+        <p:nvCxnSpPr>
+          <p:cNvPr id="18" name="直接箭头连接符 17">
+            <a:extLst>
+              <a:ext uri="{FF2B5EF4-FFF2-40B4-BE49-F238E27FC236}">
+                <a16:creationId xmlns:a16="http://schemas.microsoft.com/office/drawing/2014/main" id="{0A4CAEC6-787F-433C-B90C-C084D1EA994A}"/>
+              </a:ext>
+            </a:extLst>
+          </p:cNvPr>
+          <p:cNvCxnSpPr>
+            <a:stCxn id="14" idx="0"/>
+          </p:cNvCxnSpPr>
+          <p:nvPr/>
+        </p:nvCxnSpPr>
+        <p:spPr>
+          <a:xfrm flipH="1" flipV="1">
+            <a:off x="4562764" y="2812350"/>
+            <a:ext cx="203199" cy="2522141"/>
+          </a:xfrm>
+          <a:prstGeom prst="straightConnector1">
+            <a:avLst/>
+          </a:prstGeom>
+          <a:ln w="38100">
+            <a:tailEnd type="triangle"/>
+          </a:ln>
+        </p:spPr>
+        <p:style>
+          <a:lnRef idx="1">
+            <a:schemeClr val="accent1"/>
+          </a:lnRef>
+          <a:fillRef idx="0">
+            <a:schemeClr val="accent1"/>
+          </a:fillRef>
+          <a:effectRef idx="0">
+            <a:schemeClr val="accent1"/>
+          </a:effectRef>
+          <a:fontRef idx="minor">
+            <a:schemeClr val="tx1"/>
+          </a:fontRef>
+        </p:style>
+      </p:cxnSp>
+      <p:cxnSp>
+        <p:nvCxnSpPr>
+          <p:cNvPr id="20" name="连接符: 肘形 19">
+            <a:extLst>
+              <a:ext uri="{FF2B5EF4-FFF2-40B4-BE49-F238E27FC236}">
+                <a16:creationId xmlns:a16="http://schemas.microsoft.com/office/drawing/2014/main" id="{AD172DFE-55E6-4583-B8A4-06DE0B49FC38}"/>
+              </a:ext>
+            </a:extLst>
+          </p:cNvPr>
+          <p:cNvCxnSpPr>
+            <a:cxnSpLocks/>
+          </p:cNvCxnSpPr>
+          <p:nvPr/>
+        </p:nvCxnSpPr>
+        <p:spPr>
+          <a:xfrm flipV="1">
+            <a:off x="2512291" y="2172853"/>
+            <a:ext cx="942107" cy="385803"/>
+          </a:xfrm>
+          <a:prstGeom prst="bentConnector3">
+            <a:avLst/>
+          </a:prstGeom>
+          <a:ln w="38100">
+            <a:tailEnd type="triangle"/>
+          </a:ln>
+        </p:spPr>
+        <p:style>
+          <a:lnRef idx="1">
+            <a:schemeClr val="accent1"/>
+          </a:lnRef>
+          <a:fillRef idx="0">
+            <a:schemeClr val="accent1"/>
+          </a:fillRef>
+          <a:effectRef idx="0">
+            <a:schemeClr val="accent1"/>
+          </a:effectRef>
+          <a:fontRef idx="minor">
+            <a:schemeClr val="tx1"/>
+          </a:fontRef>
+        </p:style>
+      </p:cxnSp>
+      <p:sp>
+        <p:nvSpPr>
+          <p:cNvPr id="22" name="文本框 21">
+            <a:extLst>
+              <a:ext uri="{FF2B5EF4-FFF2-40B4-BE49-F238E27FC236}">
+                <a16:creationId xmlns:a16="http://schemas.microsoft.com/office/drawing/2014/main" id="{084F0951-5422-404E-AAC8-798E703C0569}"/>
+              </a:ext>
+            </a:extLst>
+          </p:cNvPr>
+          <p:cNvSpPr txBox="1"/>
+          <p:nvPr/>
+        </p:nvSpPr>
+        <p:spPr>
+          <a:xfrm>
+            <a:off x="3500582" y="2352595"/>
+            <a:ext cx="1238309" cy="369332"/>
+          </a:xfrm>
+          <a:prstGeom prst="rect">
+            <a:avLst/>
+          </a:prstGeom>
+          <a:noFill/>
+        </p:spPr>
+        <p:txBody>
+          <a:bodyPr wrap="square" rtlCol="0">
+            <a:spAutoFit/>
+          </a:bodyPr>
+          <a:lstStyle/>
+          <a:p>
+            <a:r>
+              <a:rPr lang="en-US" altLang="zh-CN" dirty="0"/>
+              <a:t>__proto__</a:t>
+            </a:r>
+            <a:endParaRPr lang="zh-CN" altLang="en-US" dirty="0"/>
+          </a:p>
+        </p:txBody>
+      </p:sp>
+      <p:sp>
+        <p:nvSpPr>
+          <p:cNvPr id="23" name="矩形 22">
+            <a:extLst>
+              <a:ext uri="{FF2B5EF4-FFF2-40B4-BE49-F238E27FC236}">
+                <a16:creationId xmlns:a16="http://schemas.microsoft.com/office/drawing/2014/main" id="{313006CA-AF61-4BEF-AC1D-0CE807D7976C}"/>
+              </a:ext>
+            </a:extLst>
+          </p:cNvPr>
+          <p:cNvSpPr/>
+          <p:nvPr/>
+        </p:nvSpPr>
+        <p:spPr>
+          <a:xfrm>
+            <a:off x="8756075" y="799854"/>
+            <a:ext cx="1496291" cy="1962727"/>
+          </a:xfrm>
+          <a:prstGeom prst="rect">
+            <a:avLst/>
+          </a:prstGeom>
+          <a:noFill/>
+        </p:spPr>
+        <p:style>
+          <a:lnRef idx="2">
+            <a:schemeClr val="accent1">
+              <a:shade val="50000"/>
+            </a:schemeClr>
+          </a:lnRef>
+          <a:fillRef idx="1">
+            <a:schemeClr val="accent1"/>
+          </a:fillRef>
+          <a:effectRef idx="0">
+            <a:schemeClr val="accent1"/>
+          </a:effectRef>
+          <a:fontRef idx="minor">
+            <a:schemeClr val="lt1"/>
+          </a:fontRef>
+        </p:style>
+        <p:txBody>
+          <a:bodyPr rot="0" spcFirstLastPara="0" vertOverflow="overflow" horzOverflow="overflow" vert="horz" wrap="square" lIns="91440" tIns="45720" rIns="91440" bIns="45720" numCol="1" spcCol="0" rtlCol="0" fromWordArt="0" anchor="ctr" anchorCtr="0" forceAA="0" compatLnSpc="1">
+            <a:prstTxWarp prst="textNoShape">
+              <a:avLst/>
+            </a:prstTxWarp>
+            <a:noAutofit/>
+          </a:bodyPr>
+          <a:lstStyle/>
+          <a:p>
+            <a:pPr algn="ctr"/>
+            <a:r>
+              <a:rPr lang="en-US" altLang="zh-CN" dirty="0">
+                <a:solidFill>
+                  <a:schemeClr val="tx1">
+                    <a:lumMod val="95000"/>
+                    <a:lumOff val="5000"/>
+                  </a:schemeClr>
+                </a:solidFill>
+              </a:rPr>
+              <a:t>Object</a:t>
+            </a:r>
+            <a:endParaRPr lang="zh-CN" altLang="en-US" dirty="0" err="1">
+              <a:solidFill>
+                <a:schemeClr val="tx1">
+                  <a:lumMod val="95000"/>
+                  <a:lumOff val="5000"/>
+                </a:schemeClr>
+              </a:solidFill>
+            </a:endParaRPr>
+          </a:p>
+        </p:txBody>
+      </p:sp>
+      <p:sp>
+        <p:nvSpPr>
+          <p:cNvPr id="24" name="文本框 23">
+            <a:extLst>
+              <a:ext uri="{FF2B5EF4-FFF2-40B4-BE49-F238E27FC236}">
+                <a16:creationId xmlns:a16="http://schemas.microsoft.com/office/drawing/2014/main" id="{CABBDAF2-E397-4EB0-862F-F2A3E7FBC335}"/>
+              </a:ext>
+            </a:extLst>
+          </p:cNvPr>
+          <p:cNvSpPr txBox="1"/>
+          <p:nvPr/>
+        </p:nvSpPr>
+        <p:spPr>
+          <a:xfrm>
+            <a:off x="8808309" y="2346159"/>
+            <a:ext cx="1277800" cy="369332"/>
+          </a:xfrm>
+          <a:prstGeom prst="rect">
+            <a:avLst/>
+          </a:prstGeom>
+          <a:noFill/>
+        </p:spPr>
+        <p:txBody>
+          <a:bodyPr wrap="square" rtlCol="0">
+            <a:spAutoFit/>
+          </a:bodyPr>
+          <a:lstStyle/>
+          <a:p>
+            <a:r>
+              <a:rPr lang="en-US" altLang="zh-CN" dirty="0"/>
+              <a:t>prototype</a:t>
+            </a:r>
+            <a:endParaRPr lang="zh-CN" altLang="en-US" dirty="0"/>
+          </a:p>
+        </p:txBody>
+      </p:sp>
+      <p:sp>
+        <p:nvSpPr>
+          <p:cNvPr id="25" name="矩形 24">
+            <a:extLst>
+              <a:ext uri="{FF2B5EF4-FFF2-40B4-BE49-F238E27FC236}">
+                <a16:creationId xmlns:a16="http://schemas.microsoft.com/office/drawing/2014/main" id="{446D8ED5-4CF5-4338-BFF0-7AC523ECAD7C}"/>
+              </a:ext>
+            </a:extLst>
+          </p:cNvPr>
+          <p:cNvSpPr/>
+          <p:nvPr/>
+        </p:nvSpPr>
+        <p:spPr>
+          <a:xfrm>
+            <a:off x="6775033" y="834073"/>
+            <a:ext cx="1393098" cy="1928508"/>
+          </a:xfrm>
+          <a:prstGeom prst="rect">
+            <a:avLst/>
+          </a:prstGeom>
+          <a:noFill/>
+        </p:spPr>
+        <p:style>
+          <a:lnRef idx="2">
+            <a:schemeClr val="accent1">
+              <a:shade val="50000"/>
+            </a:schemeClr>
+          </a:lnRef>
+          <a:fillRef idx="1">
+            <a:schemeClr val="accent1"/>
+          </a:fillRef>
+          <a:effectRef idx="0">
+            <a:schemeClr val="accent1"/>
+          </a:effectRef>
+          <a:fontRef idx="minor">
+            <a:schemeClr val="lt1"/>
+          </a:fontRef>
+        </p:style>
+        <p:txBody>
+          <a:bodyPr rot="0" spcFirstLastPara="0" vertOverflow="overflow" horzOverflow="overflow" vert="horz" wrap="square" lIns="91440" tIns="45720" rIns="91440" bIns="45720" numCol="1" spcCol="0" rtlCol="0" fromWordArt="0" anchor="ctr" anchorCtr="0" forceAA="0" compatLnSpc="1">
+            <a:prstTxWarp prst="textNoShape">
+              <a:avLst/>
+            </a:prstTxWarp>
+            <a:noAutofit/>
+          </a:bodyPr>
+          <a:lstStyle/>
+          <a:p>
+            <a:pPr algn="ctr"/>
+            <a:r>
+              <a:rPr lang="en-US" altLang="zh-CN" dirty="0">
+                <a:solidFill>
+                  <a:schemeClr val="tx1">
+                    <a:lumMod val="95000"/>
+                    <a:lumOff val="5000"/>
+                  </a:schemeClr>
+                </a:solidFill>
+              </a:rPr>
+              <a:t>prototype</a:t>
+            </a:r>
+            <a:endParaRPr lang="zh-CN" altLang="en-US" dirty="0" err="1">
+              <a:solidFill>
+                <a:schemeClr val="tx1">
+                  <a:lumMod val="95000"/>
+                  <a:lumOff val="5000"/>
+                </a:schemeClr>
+              </a:solidFill>
+            </a:endParaRPr>
+          </a:p>
+        </p:txBody>
+      </p:sp>
+      <p:cxnSp>
+        <p:nvCxnSpPr>
+          <p:cNvPr id="27" name="连接符: 肘形 26">
+            <a:extLst>
+              <a:ext uri="{FF2B5EF4-FFF2-40B4-BE49-F238E27FC236}">
+                <a16:creationId xmlns:a16="http://schemas.microsoft.com/office/drawing/2014/main" id="{4E6BCF06-B706-4294-8FE3-05846EC79137}"/>
+              </a:ext>
+            </a:extLst>
+          </p:cNvPr>
+          <p:cNvCxnSpPr>
+            <a:cxnSpLocks/>
+            <a:endCxn id="25" idx="1"/>
+          </p:cNvCxnSpPr>
+          <p:nvPr/>
+        </p:nvCxnSpPr>
+        <p:spPr>
+          <a:xfrm flipV="1">
+            <a:off x="4893680" y="1798327"/>
+            <a:ext cx="1881353" cy="748415"/>
+          </a:xfrm>
+          <a:prstGeom prst="bentConnector3">
+            <a:avLst/>
+          </a:prstGeom>
+          <a:ln w="38100">
+            <a:tailEnd type="triangle"/>
+          </a:ln>
+        </p:spPr>
+        <p:style>
+          <a:lnRef idx="1">
+            <a:schemeClr val="accent1"/>
+          </a:lnRef>
+          <a:fillRef idx="0">
+            <a:schemeClr val="accent1"/>
+          </a:fillRef>
+          <a:effectRef idx="0">
+            <a:schemeClr val="accent1"/>
+          </a:effectRef>
+          <a:fontRef idx="minor">
+            <a:schemeClr val="tx1"/>
+          </a:fontRef>
+        </p:style>
+      </p:cxnSp>
+      <p:cxnSp>
+        <p:nvCxnSpPr>
+          <p:cNvPr id="29" name="直接箭头连接符 28">
+            <a:extLst>
+              <a:ext uri="{FF2B5EF4-FFF2-40B4-BE49-F238E27FC236}">
+                <a16:creationId xmlns:a16="http://schemas.microsoft.com/office/drawing/2014/main" id="{0D9E5F99-957E-4D3A-980D-E2E52FF4ECA2}"/>
+              </a:ext>
+            </a:extLst>
+          </p:cNvPr>
+          <p:cNvCxnSpPr/>
+          <p:nvPr/>
+        </p:nvCxnSpPr>
+        <p:spPr>
+          <a:xfrm flipH="1" flipV="1">
+            <a:off x="8168131" y="1976582"/>
+            <a:ext cx="587944" cy="655782"/>
+          </a:xfrm>
+          <a:prstGeom prst="straightConnector1">
+            <a:avLst/>
+          </a:prstGeom>
+          <a:ln w="38100">
+            <a:tailEnd type="triangle"/>
+          </a:ln>
+        </p:spPr>
+        <p:style>
+          <a:lnRef idx="1">
+            <a:schemeClr val="accent1"/>
+          </a:lnRef>
+          <a:fillRef idx="0">
+            <a:schemeClr val="accent1"/>
+          </a:fillRef>
+          <a:effectRef idx="0">
+            <a:schemeClr val="accent1"/>
+          </a:effectRef>
+          <a:fontRef idx="minor">
+            <a:schemeClr val="tx1"/>
+          </a:fontRef>
+        </p:style>
+      </p:cxnSp>
+      <p:sp>
+        <p:nvSpPr>
+          <p:cNvPr id="33" name="文本框 32">
+            <a:extLst>
+              <a:ext uri="{FF2B5EF4-FFF2-40B4-BE49-F238E27FC236}">
+                <a16:creationId xmlns:a16="http://schemas.microsoft.com/office/drawing/2014/main" id="{C116980B-AB43-47A4-888A-15F3C2E78CA3}"/>
+              </a:ext>
+            </a:extLst>
+          </p:cNvPr>
+          <p:cNvSpPr txBox="1"/>
+          <p:nvPr/>
+        </p:nvSpPr>
+        <p:spPr>
+          <a:xfrm>
+            <a:off x="6849562" y="2362076"/>
+            <a:ext cx="1238309" cy="369332"/>
+          </a:xfrm>
+          <a:prstGeom prst="rect">
+            <a:avLst/>
+          </a:prstGeom>
+          <a:noFill/>
+        </p:spPr>
+        <p:txBody>
+          <a:bodyPr wrap="square" rtlCol="0">
+            <a:spAutoFit/>
+          </a:bodyPr>
+          <a:lstStyle/>
+          <a:p>
+            <a:r>
+              <a:rPr lang="en-US" altLang="zh-CN" dirty="0"/>
+              <a:t>__proto__</a:t>
+            </a:r>
+            <a:endParaRPr lang="zh-CN" altLang="en-US" dirty="0"/>
+          </a:p>
+        </p:txBody>
+      </p:sp>
+      <p:cxnSp>
+        <p:nvCxnSpPr>
+          <p:cNvPr id="37" name="连接符: 肘形 36">
+            <a:extLst>
+              <a:ext uri="{FF2B5EF4-FFF2-40B4-BE49-F238E27FC236}">
+                <a16:creationId xmlns:a16="http://schemas.microsoft.com/office/drawing/2014/main" id="{C876165A-51C5-4876-AF2B-A628D721F06A}"/>
+              </a:ext>
+            </a:extLst>
+          </p:cNvPr>
+          <p:cNvCxnSpPr>
+            <a:stCxn id="33" idx="3"/>
+          </p:cNvCxnSpPr>
+          <p:nvPr/>
+        </p:nvCxnSpPr>
+        <p:spPr>
+          <a:xfrm>
+            <a:off x="8087871" y="2546742"/>
+            <a:ext cx="209251" cy="1496840"/>
+          </a:xfrm>
+          <a:prstGeom prst="bentConnector2">
+            <a:avLst/>
+          </a:prstGeom>
+          <a:ln w="38100">
+            <a:tailEnd type="triangle"/>
+          </a:ln>
+        </p:spPr>
+        <p:style>
+          <a:lnRef idx="1">
+            <a:schemeClr val="accent1"/>
+          </a:lnRef>
+          <a:fillRef idx="0">
+            <a:schemeClr val="accent1"/>
+          </a:fillRef>
+          <a:effectRef idx="0">
+            <a:schemeClr val="accent1"/>
+          </a:effectRef>
+          <a:fontRef idx="minor">
+            <a:schemeClr val="tx1"/>
+          </a:fontRef>
+        </p:style>
+      </p:cxnSp>
+      <p:sp>
+        <p:nvSpPr>
+          <p:cNvPr id="38" name="文本框 37">
+            <a:extLst>
+              <a:ext uri="{FF2B5EF4-FFF2-40B4-BE49-F238E27FC236}">
+                <a16:creationId xmlns:a16="http://schemas.microsoft.com/office/drawing/2014/main" id="{A5728D5A-C50B-4C71-8215-3EF0F6BA8D6A}"/>
+              </a:ext>
+            </a:extLst>
+          </p:cNvPr>
+          <p:cNvSpPr txBox="1"/>
+          <p:nvPr/>
+        </p:nvSpPr>
+        <p:spPr>
+          <a:xfrm>
+            <a:off x="8087871" y="4105918"/>
+            <a:ext cx="697505" cy="369332"/>
+          </a:xfrm>
+          <a:prstGeom prst="rect">
+            <a:avLst/>
+          </a:prstGeom>
+          <a:noFill/>
+        </p:spPr>
+        <p:txBody>
+          <a:bodyPr wrap="square" rtlCol="0">
+            <a:spAutoFit/>
+          </a:bodyPr>
+          <a:lstStyle/>
+          <a:p>
+            <a:r>
+              <a:rPr lang="en-US" altLang="zh-CN" dirty="0"/>
+              <a:t>null</a:t>
+            </a:r>
+            <a:endParaRPr lang="zh-CN" altLang="en-US" dirty="0"/>
+          </a:p>
+        </p:txBody>
+      </p:sp>
+    </p:spTree>
+    <p:extLst>
+      <p:ext uri="{BB962C8B-B14F-4D97-AF65-F5344CB8AC3E}">
+        <p14:creationId xmlns:p14="http://schemas.microsoft.com/office/powerpoint/2010/main" val="2673902675"/>
+      </p:ext>
+    </p:extLst>
+  </p:cSld>
+  <p:clrMapOvr>
+    <a:masterClrMapping/>
+  </p:clrMapOvr>
+</p:sld>
+</file>
+
 <file path=ppt/slides/slide2.xml><?xml version="1.0" encoding="utf-8"?>
 <p:sld xmlns:a="http://schemas.openxmlformats.org/drawingml/2006/main" xmlns:r="http://schemas.openxmlformats.org/officeDocument/2006/relationships" xmlns:p="http://schemas.openxmlformats.org/presentationml/2006/main">
   <p:cSld>
@@ -23017,6 +24560,40 @@
     </a:fmtScheme>
   </a:themeElements>
   <a:objectDefaults>
+    <a:spDef>
+      <a:spPr>
+        <a:noFill/>
+      </a:spPr>
+      <a:bodyPr rtlCol="0" anchor="ctr"/>
+      <a:lstStyle>
+        <a:defPPr algn="ctr">
+          <a:defRPr dirty="0" err="1" smtClean="0">
+            <a:solidFill>
+              <a:schemeClr val="tx1">
+                <a:lumMod val="95000"/>
+                <a:lumOff val="5000"/>
+              </a:schemeClr>
+            </a:solidFill>
+          </a:defRPr>
+        </a:defPPr>
+      </a:lstStyle>
+      <a:style>
+        <a:lnRef idx="2">
+          <a:schemeClr val="accent1">
+            <a:shade val="50000"/>
+          </a:schemeClr>
+        </a:lnRef>
+        <a:fillRef idx="1">
+          <a:schemeClr val="accent1"/>
+        </a:fillRef>
+        <a:effectRef idx="0">
+          <a:schemeClr val="accent1"/>
+        </a:effectRef>
+        <a:fontRef idx="minor">
+          <a:schemeClr val="lt1"/>
+        </a:fontRef>
+      </a:style>
+    </a:spDef>
     <a:lnDef>
       <a:spPr>
         <a:ln w="38100">
